--- a/big_data_chess/documentation/li_workflow.pptx
+++ b/big_data_chess/documentation/li_workflow.pptx
@@ -5,16 +5,18 @@
     <p:sldMasterId id="2147483660" r:id="rId1"/>
   </p:sldMasterIdLst>
   <p:notesMasterIdLst>
-    <p:notesMasterId r:id="rId9"/>
+    <p:notesMasterId r:id="rId11"/>
   </p:notesMasterIdLst>
   <p:sldIdLst>
     <p:sldId id="256" r:id="rId2"/>
-    <p:sldId id="258" r:id="rId3"/>
+    <p:sldId id="264" r:id="rId3"/>
     <p:sldId id="260" r:id="rId4"/>
-    <p:sldId id="262" r:id="rId5"/>
-    <p:sldId id="263" r:id="rId6"/>
-    <p:sldId id="259" r:id="rId7"/>
-    <p:sldId id="261" r:id="rId8"/>
+    <p:sldId id="265" r:id="rId5"/>
+    <p:sldId id="266" r:id="rId6"/>
+    <p:sldId id="262" r:id="rId7"/>
+    <p:sldId id="263" r:id="rId8"/>
+    <p:sldId id="259" r:id="rId9"/>
+    <p:sldId id="261" r:id="rId10"/>
   </p:sldIdLst>
   <p:sldSz cx="12192000" cy="6858000"/>
   <p:notesSz cx="6858000" cy="9144000"/>
@@ -203,7 +205,7 @@
           <a:p>
             <a:fld id="{9AF41C34-44DF-E04A-9EB4-A111665B8CB7}" type="datetimeFigureOut">
               <a:rPr lang="de-DE" smtClean="0"/>
-              <a:t>02.10.24</a:t>
+              <a:t>23.11.24</a:t>
             </a:fld>
             <a:endParaRPr lang="de-DE"/>
           </a:p>
@@ -535,7 +537,307 @@
           <a:p>
             <a:fld id="{4D77FBAB-E6C0-5849-8E16-81829DDDDDEE}" type="slidenum">
               <a:rPr lang="de-DE" smtClean="0"/>
+              <a:t>3</a:t>
+            </a:fld>
+            <a:endParaRPr lang="de-DE"/>
+          </a:p>
+        </p:txBody>
+      </p:sp>
+    </p:spTree>
+    <p:extLst>
+      <p:ext uri="{BB962C8B-B14F-4D97-AF65-F5344CB8AC3E}">
+        <p14:creationId xmlns:p14="http://schemas.microsoft.com/office/powerpoint/2010/main" val="3937275095"/>
+      </p:ext>
+    </p:extLst>
+  </p:cSld>
+  <p:clrMapOvr>
+    <a:masterClrMapping/>
+  </p:clrMapOvr>
+</p:notes>
+</file>
+
+<file path=ppt/notesSlides/notesSlide2.xml><?xml version="1.0" encoding="utf-8"?>
+<p:notes xmlns:a="http://schemas.openxmlformats.org/drawingml/2006/main" xmlns:r="http://schemas.openxmlformats.org/officeDocument/2006/relationships" xmlns:p="http://schemas.openxmlformats.org/presentationml/2006/main">
+  <p:cSld>
+    <p:spTree>
+      <p:nvGrpSpPr>
+        <p:cNvPr id="1" name="">
+          <a:extLst>
+            <a:ext uri="{FF2B5EF4-FFF2-40B4-BE49-F238E27FC236}">
+              <a16:creationId xmlns:a16="http://schemas.microsoft.com/office/drawing/2014/main" id="{F1AF60B2-B70E-9C8F-7AE1-55D4558A25B0}"/>
+            </a:ext>
+          </a:extLst>
+        </p:cNvPr>
+        <p:cNvGrpSpPr/>
+        <p:nvPr/>
+      </p:nvGrpSpPr>
+      <p:grpSpPr>
+        <a:xfrm>
+          <a:off x="0" y="0"/>
+          <a:ext cx="0" cy="0"/>
+          <a:chOff x="0" y="0"/>
+          <a:chExt cx="0" cy="0"/>
+        </a:xfrm>
+      </p:grpSpPr>
+      <p:sp>
+        <p:nvSpPr>
+          <p:cNvPr id="2" name="Folienbildplatzhalter 1">
+            <a:extLst>
+              <a:ext uri="{FF2B5EF4-FFF2-40B4-BE49-F238E27FC236}">
+                <a16:creationId xmlns:a16="http://schemas.microsoft.com/office/drawing/2014/main" id="{12596CB0-A60D-CF99-709C-1A87A89719DC}"/>
+              </a:ext>
+            </a:extLst>
+          </p:cNvPr>
+          <p:cNvSpPr>
+            <a:spLocks noGrp="1" noRot="1" noChangeAspect="1"/>
+          </p:cNvSpPr>
+          <p:nvPr>
+            <p:ph type="sldImg"/>
+          </p:nvPr>
+        </p:nvSpPr>
+        <p:spPr/>
+      </p:sp>
+      <p:sp>
+        <p:nvSpPr>
+          <p:cNvPr id="3" name="Notizenplatzhalter 2">
+            <a:extLst>
+              <a:ext uri="{FF2B5EF4-FFF2-40B4-BE49-F238E27FC236}">
+                <a16:creationId xmlns:a16="http://schemas.microsoft.com/office/drawing/2014/main" id="{2330600F-A20A-EC1E-EB7E-1E12BAD50926}"/>
+              </a:ext>
+            </a:extLst>
+          </p:cNvPr>
+          <p:cNvSpPr>
+            <a:spLocks noGrp="1"/>
+          </p:cNvSpPr>
+          <p:nvPr>
+            <p:ph type="body" idx="1"/>
+          </p:nvPr>
+        </p:nvSpPr>
+        <p:spPr/>
+        <p:txBody>
+          <a:bodyPr/>
+          <a:lstStyle/>
+          <a:p>
+            <a:endParaRPr lang="de-DE" dirty="0"/>
+          </a:p>
+        </p:txBody>
+      </p:sp>
+      <p:sp>
+        <p:nvSpPr>
+          <p:cNvPr id="4" name="Foliennummernplatzhalter 3">
+            <a:extLst>
+              <a:ext uri="{FF2B5EF4-FFF2-40B4-BE49-F238E27FC236}">
+                <a16:creationId xmlns:a16="http://schemas.microsoft.com/office/drawing/2014/main" id="{4EAA4F23-8B85-28C8-E8AC-14586D0DFB96}"/>
+              </a:ext>
+            </a:extLst>
+          </p:cNvPr>
+          <p:cNvSpPr>
+            <a:spLocks noGrp="1"/>
+          </p:cNvSpPr>
+          <p:nvPr>
+            <p:ph type="sldNum" sz="quarter" idx="5"/>
+          </p:nvPr>
+        </p:nvSpPr>
+        <p:spPr/>
+        <p:txBody>
+          <a:bodyPr/>
+          <a:lstStyle/>
+          <a:p>
+            <a:fld id="{4D77FBAB-E6C0-5849-8E16-81829DDDDDEE}" type="slidenum">
+              <a:rPr lang="de-DE" smtClean="0"/>
+              <a:t>4</a:t>
+            </a:fld>
+            <a:endParaRPr lang="de-DE"/>
+          </a:p>
+        </p:txBody>
+      </p:sp>
+    </p:spTree>
+    <p:extLst>
+      <p:ext uri="{BB962C8B-B14F-4D97-AF65-F5344CB8AC3E}">
+        <p14:creationId xmlns:p14="http://schemas.microsoft.com/office/powerpoint/2010/main" val="881288698"/>
+      </p:ext>
+    </p:extLst>
+  </p:cSld>
+  <p:clrMapOvr>
+    <a:masterClrMapping/>
+  </p:clrMapOvr>
+</p:notes>
+</file>
+
+<file path=ppt/notesSlides/notesSlide3.xml><?xml version="1.0" encoding="utf-8"?>
+<p:notes xmlns:a="http://schemas.openxmlformats.org/drawingml/2006/main" xmlns:r="http://schemas.openxmlformats.org/officeDocument/2006/relationships" xmlns:p="http://schemas.openxmlformats.org/presentationml/2006/main">
+  <p:cSld>
+    <p:spTree>
+      <p:nvGrpSpPr>
+        <p:cNvPr id="1" name="">
+          <a:extLst>
+            <a:ext uri="{FF2B5EF4-FFF2-40B4-BE49-F238E27FC236}">
+              <a16:creationId xmlns:a16="http://schemas.microsoft.com/office/drawing/2014/main" id="{F6289AC7-9270-6618-C19F-61E447B47D9E}"/>
+            </a:ext>
+          </a:extLst>
+        </p:cNvPr>
+        <p:cNvGrpSpPr/>
+        <p:nvPr/>
+      </p:nvGrpSpPr>
+      <p:grpSpPr>
+        <a:xfrm>
+          <a:off x="0" y="0"/>
+          <a:ext cx="0" cy="0"/>
+          <a:chOff x="0" y="0"/>
+          <a:chExt cx="0" cy="0"/>
+        </a:xfrm>
+      </p:grpSpPr>
+      <p:sp>
+        <p:nvSpPr>
+          <p:cNvPr id="2" name="Folienbildplatzhalter 1">
+            <a:extLst>
+              <a:ext uri="{FF2B5EF4-FFF2-40B4-BE49-F238E27FC236}">
+                <a16:creationId xmlns:a16="http://schemas.microsoft.com/office/drawing/2014/main" id="{0E95CEA0-0C8D-BC2D-81A4-4CEC3EEC9177}"/>
+              </a:ext>
+            </a:extLst>
+          </p:cNvPr>
+          <p:cNvSpPr>
+            <a:spLocks noGrp="1" noRot="1" noChangeAspect="1"/>
+          </p:cNvSpPr>
+          <p:nvPr>
+            <p:ph type="sldImg"/>
+          </p:nvPr>
+        </p:nvSpPr>
+        <p:spPr/>
+      </p:sp>
+      <p:sp>
+        <p:nvSpPr>
+          <p:cNvPr id="3" name="Notizenplatzhalter 2">
+            <a:extLst>
+              <a:ext uri="{FF2B5EF4-FFF2-40B4-BE49-F238E27FC236}">
+                <a16:creationId xmlns:a16="http://schemas.microsoft.com/office/drawing/2014/main" id="{83F574B1-480E-AF83-CA1C-D5054BE3AEC0}"/>
+              </a:ext>
+            </a:extLst>
+          </p:cNvPr>
+          <p:cNvSpPr>
+            <a:spLocks noGrp="1"/>
+          </p:cNvSpPr>
+          <p:nvPr>
+            <p:ph type="body" idx="1"/>
+          </p:nvPr>
+        </p:nvSpPr>
+        <p:spPr/>
+        <p:txBody>
+          <a:bodyPr/>
+          <a:lstStyle/>
+          <a:p>
+            <a:endParaRPr lang="de-DE" dirty="0"/>
+          </a:p>
+        </p:txBody>
+      </p:sp>
+      <p:sp>
+        <p:nvSpPr>
+          <p:cNvPr id="4" name="Foliennummernplatzhalter 3">
+            <a:extLst>
+              <a:ext uri="{FF2B5EF4-FFF2-40B4-BE49-F238E27FC236}">
+                <a16:creationId xmlns:a16="http://schemas.microsoft.com/office/drawing/2014/main" id="{0F4F1FBA-0252-BFE8-9670-EEE1CA92C455}"/>
+              </a:ext>
+            </a:extLst>
+          </p:cNvPr>
+          <p:cNvSpPr>
+            <a:spLocks noGrp="1"/>
+          </p:cNvSpPr>
+          <p:nvPr>
+            <p:ph type="sldNum" sz="quarter" idx="5"/>
+          </p:nvPr>
+        </p:nvSpPr>
+        <p:spPr/>
+        <p:txBody>
+          <a:bodyPr/>
+          <a:lstStyle/>
+          <a:p>
+            <a:fld id="{4D77FBAB-E6C0-5849-8E16-81829DDDDDEE}" type="slidenum">
+              <a:rPr lang="de-DE" smtClean="0"/>
               <a:t>5</a:t>
+            </a:fld>
+            <a:endParaRPr lang="de-DE"/>
+          </a:p>
+        </p:txBody>
+      </p:sp>
+    </p:spTree>
+    <p:extLst>
+      <p:ext uri="{BB962C8B-B14F-4D97-AF65-F5344CB8AC3E}">
+        <p14:creationId xmlns:p14="http://schemas.microsoft.com/office/powerpoint/2010/main" val="598975596"/>
+      </p:ext>
+    </p:extLst>
+  </p:cSld>
+  <p:clrMapOvr>
+    <a:masterClrMapping/>
+  </p:clrMapOvr>
+</p:notes>
+</file>
+
+<file path=ppt/notesSlides/notesSlide4.xml><?xml version="1.0" encoding="utf-8"?>
+<p:notes xmlns:a="http://schemas.openxmlformats.org/drawingml/2006/main" xmlns:r="http://schemas.openxmlformats.org/officeDocument/2006/relationships" xmlns:p="http://schemas.openxmlformats.org/presentationml/2006/main">
+  <p:cSld>
+    <p:spTree>
+      <p:nvGrpSpPr>
+        <p:cNvPr id="1" name=""/>
+        <p:cNvGrpSpPr/>
+        <p:nvPr/>
+      </p:nvGrpSpPr>
+      <p:grpSpPr>
+        <a:xfrm>
+          <a:off x="0" y="0"/>
+          <a:ext cx="0" cy="0"/>
+          <a:chOff x="0" y="0"/>
+          <a:chExt cx="0" cy="0"/>
+        </a:xfrm>
+      </p:grpSpPr>
+      <p:sp>
+        <p:nvSpPr>
+          <p:cNvPr id="2" name="Folienbildplatzhalter 1"/>
+          <p:cNvSpPr>
+            <a:spLocks noGrp="1" noRot="1" noChangeAspect="1"/>
+          </p:cNvSpPr>
+          <p:nvPr>
+            <p:ph type="sldImg"/>
+          </p:nvPr>
+        </p:nvSpPr>
+        <p:spPr/>
+      </p:sp>
+      <p:sp>
+        <p:nvSpPr>
+          <p:cNvPr id="3" name="Notizenplatzhalter 2"/>
+          <p:cNvSpPr>
+            <a:spLocks noGrp="1"/>
+          </p:cNvSpPr>
+          <p:nvPr>
+            <p:ph type="body" idx="1"/>
+          </p:nvPr>
+        </p:nvSpPr>
+        <p:spPr/>
+        <p:txBody>
+          <a:bodyPr/>
+          <a:lstStyle/>
+          <a:p>
+            <a:endParaRPr lang="de-DE" dirty="0"/>
+          </a:p>
+        </p:txBody>
+      </p:sp>
+      <p:sp>
+        <p:nvSpPr>
+          <p:cNvPr id="4" name="Foliennummernplatzhalter 3"/>
+          <p:cNvSpPr>
+            <a:spLocks noGrp="1"/>
+          </p:cNvSpPr>
+          <p:nvPr>
+            <p:ph type="sldNum" sz="quarter" idx="5"/>
+          </p:nvPr>
+        </p:nvSpPr>
+        <p:spPr/>
+        <p:txBody>
+          <a:bodyPr/>
+          <a:lstStyle/>
+          <a:p>
+            <a:fld id="{4D77FBAB-E6C0-5849-8E16-81829DDDDDEE}" type="slidenum">
+              <a:rPr lang="de-DE" smtClean="0"/>
+              <a:t>7</a:t>
             </a:fld>
             <a:endParaRPr lang="de-DE"/>
           </a:p>
@@ -867,7 +1169,7 @@
           <a:p>
             <a:fld id="{1E351CED-465B-40B5-ADCE-957C918F227B}" type="datetimeFigureOut">
               <a:rPr lang="en-US" smtClean="0"/>
-              <a:t>10/2/24</a:t>
+              <a:t>11/23/24</a:t>
             </a:fld>
             <a:endParaRPr lang="en-US"/>
           </a:p>
@@ -1075,7 +1377,7 @@
           <a:p>
             <a:fld id="{1E351CED-465B-40B5-ADCE-957C918F227B}" type="datetimeFigureOut">
               <a:rPr lang="en-US" smtClean="0"/>
-              <a:t>10/2/24</a:t>
+              <a:t>11/23/24</a:t>
             </a:fld>
             <a:endParaRPr lang="en-US"/>
           </a:p>
@@ -1285,7 +1587,7 @@
           <a:p>
             <a:fld id="{1E351CED-465B-40B5-ADCE-957C918F227B}" type="datetimeFigureOut">
               <a:rPr lang="en-US" smtClean="0"/>
-              <a:t>10/2/24</a:t>
+              <a:t>11/23/24</a:t>
             </a:fld>
             <a:endParaRPr lang="en-US"/>
           </a:p>
@@ -1485,7 +1787,7 @@
           <a:p>
             <a:fld id="{1E351CED-465B-40B5-ADCE-957C918F227B}" type="datetimeFigureOut">
               <a:rPr lang="en-US" smtClean="0"/>
-              <a:t>10/2/24</a:t>
+              <a:t>11/23/24</a:t>
             </a:fld>
             <a:endParaRPr lang="en-US"/>
           </a:p>
@@ -2063,7 +2365,7 @@
           <a:p>
             <a:fld id="{1E351CED-465B-40B5-ADCE-957C918F227B}" type="datetimeFigureOut">
               <a:rPr lang="en-US" smtClean="0"/>
-              <a:t>10/2/24</a:t>
+              <a:t>11/23/24</a:t>
             </a:fld>
             <a:endParaRPr lang="en-US"/>
           </a:p>
@@ -2336,7 +2638,7 @@
           <a:p>
             <a:fld id="{1E351CED-465B-40B5-ADCE-957C918F227B}" type="datetimeFigureOut">
               <a:rPr lang="en-US" smtClean="0"/>
-              <a:t>10/2/24</a:t>
+              <a:t>11/23/24</a:t>
             </a:fld>
             <a:endParaRPr lang="en-US"/>
           </a:p>
@@ -2753,7 +3055,7 @@
           <a:p>
             <a:fld id="{1E351CED-465B-40B5-ADCE-957C918F227B}" type="datetimeFigureOut">
               <a:rPr lang="en-US" smtClean="0"/>
-              <a:t>10/2/24</a:t>
+              <a:t>11/23/24</a:t>
             </a:fld>
             <a:endParaRPr lang="en-US"/>
           </a:p>
@@ -2900,7 +3202,7 @@
           <a:p>
             <a:fld id="{1E351CED-465B-40B5-ADCE-957C918F227B}" type="datetimeFigureOut">
               <a:rPr lang="en-US" smtClean="0"/>
-              <a:t>10/2/24</a:t>
+              <a:t>11/23/24</a:t>
             </a:fld>
             <a:endParaRPr lang="en-US"/>
           </a:p>
@@ -3013,7 +3315,7 @@
           <a:p>
             <a:fld id="{1E351CED-465B-40B5-ADCE-957C918F227B}" type="datetimeFigureOut">
               <a:rPr lang="en-US" smtClean="0"/>
-              <a:t>10/2/24</a:t>
+              <a:t>11/23/24</a:t>
             </a:fld>
             <a:endParaRPr lang="en-US"/>
           </a:p>
@@ -3328,7 +3630,7 @@
           <a:p>
             <a:fld id="{1E351CED-465B-40B5-ADCE-957C918F227B}" type="datetimeFigureOut">
               <a:rPr lang="en-US" smtClean="0"/>
-              <a:t>10/2/24</a:t>
+              <a:t>11/23/24</a:t>
             </a:fld>
             <a:endParaRPr lang="en-US"/>
           </a:p>
@@ -3622,7 +3924,7 @@
           <a:p>
             <a:fld id="{1E351CED-465B-40B5-ADCE-957C918F227B}" type="datetimeFigureOut">
               <a:rPr lang="en-US" smtClean="0"/>
-              <a:t>10/2/24</a:t>
+              <a:t>11/23/24</a:t>
             </a:fld>
             <a:endParaRPr lang="en-US"/>
           </a:p>
@@ -3863,7 +4165,7 @@
           <a:p>
             <a:fld id="{1E351CED-465B-40B5-ADCE-957C918F227B}" type="datetimeFigureOut">
               <a:rPr lang="en-US" smtClean="0"/>
-              <a:t>10/2/24</a:t>
+              <a:t>11/23/24</a:t>
             </a:fld>
             <a:endParaRPr lang="en-US"/>
           </a:p>
@@ -4771,7 +5073,13 @@
   <p:cSld>
     <p:spTree>
       <p:nvGrpSpPr>
-        <p:cNvPr id="1" name=""/>
+        <p:cNvPr id="1" name="">
+          <a:extLst>
+            <a:ext uri="{FF2B5EF4-FFF2-40B4-BE49-F238E27FC236}">
+              <a16:creationId xmlns:a16="http://schemas.microsoft.com/office/drawing/2014/main" id="{B5D7BFBD-6D9A-1A1B-116C-D6D75B9240D2}"/>
+            </a:ext>
+          </a:extLst>
+        </p:cNvPr>
         <p:cNvGrpSpPr/>
         <p:nvPr/>
       </p:nvGrpSpPr>
@@ -4788,7 +5096,7 @@
           <p:cNvPr id="2" name="Titel 1">
             <a:extLst>
               <a:ext uri="{FF2B5EF4-FFF2-40B4-BE49-F238E27FC236}">
-                <a16:creationId xmlns:a16="http://schemas.microsoft.com/office/drawing/2014/main" id="{5F3E9F6F-B08D-877E-DE9C-C70DDBA1A94D}"/>
+                <a16:creationId xmlns:a16="http://schemas.microsoft.com/office/drawing/2014/main" id="{02A358DF-051C-570F-D204-91DA1887A038}"/>
               </a:ext>
             </a:extLst>
           </p:cNvPr>
@@ -4830,7 +5138,7 @@
           <p:cNvPr id="5" name="Mehrere Dokumente 4">
             <a:extLst>
               <a:ext uri="{FF2B5EF4-FFF2-40B4-BE49-F238E27FC236}">
-                <a16:creationId xmlns:a16="http://schemas.microsoft.com/office/drawing/2014/main" id="{4F4E29BC-494C-08BC-63D2-182EA4B4FB2D}"/>
+                <a16:creationId xmlns:a16="http://schemas.microsoft.com/office/drawing/2014/main" id="{AA82D955-361D-F4F4-5EB3-5516B5F1E897}"/>
               </a:ext>
             </a:extLst>
           </p:cNvPr>
@@ -4876,7 +5184,7 @@
           <p:cNvPr id="1026" name="Picture 2" descr="Internet Symbol Vektor Symbol Design Illustration 26221538 Vektor Kunst bei  Vecteezy">
             <a:extLst>
               <a:ext uri="{FF2B5EF4-FFF2-40B4-BE49-F238E27FC236}">
-                <a16:creationId xmlns:a16="http://schemas.microsoft.com/office/drawing/2014/main" id="{596CD81B-33EC-FEC9-EA4C-81FF04D79F97}"/>
+                <a16:creationId xmlns:a16="http://schemas.microsoft.com/office/drawing/2014/main" id="{A769C296-6628-AFBB-C73C-03D1706BA719}"/>
               </a:ext>
             </a:extLst>
           </p:cNvPr>
@@ -4923,7 +5231,7 @@
           <p:cNvPr id="6" name="Inhaltsplatzhalter 2">
             <a:extLst>
               <a:ext uri="{FF2B5EF4-FFF2-40B4-BE49-F238E27FC236}">
-                <a16:creationId xmlns:a16="http://schemas.microsoft.com/office/drawing/2014/main" id="{81CCC341-D3AF-C76D-5FB1-BC084C8067F2}"/>
+                <a16:creationId xmlns:a16="http://schemas.microsoft.com/office/drawing/2014/main" id="{F60D0311-29D0-7519-B233-B055440923BA}"/>
               </a:ext>
             </a:extLst>
           </p:cNvPr>
@@ -5137,7 +5445,7 @@
           <p:cNvPr id="7" name="Pfeil nach rechts 6">
             <a:extLst>
               <a:ext uri="{FF2B5EF4-FFF2-40B4-BE49-F238E27FC236}">
-                <a16:creationId xmlns:a16="http://schemas.microsoft.com/office/drawing/2014/main" id="{2F1BF067-1759-AFF9-44CF-63B0902D1150}"/>
+                <a16:creationId xmlns:a16="http://schemas.microsoft.com/office/drawing/2014/main" id="{5858E07C-A1DB-82C2-C844-95B13BA516DC}"/>
               </a:ext>
             </a:extLst>
           </p:cNvPr>
@@ -5186,7 +5494,7 @@
           <p:cNvPr id="8" name="Mehrere Dokumente 7">
             <a:extLst>
               <a:ext uri="{FF2B5EF4-FFF2-40B4-BE49-F238E27FC236}">
-                <a16:creationId xmlns:a16="http://schemas.microsoft.com/office/drawing/2014/main" id="{47FE5D56-3886-4A45-7783-B2D3E39AE4E1}"/>
+                <a16:creationId xmlns:a16="http://schemas.microsoft.com/office/drawing/2014/main" id="{A7416484-FC59-7F74-4256-920512F415B4}"/>
               </a:ext>
             </a:extLst>
           </p:cNvPr>
@@ -5232,7 +5540,7 @@
           <p:cNvPr id="9" name="Inhaltsplatzhalter 2">
             <a:extLst>
               <a:ext uri="{FF2B5EF4-FFF2-40B4-BE49-F238E27FC236}">
-                <a16:creationId xmlns:a16="http://schemas.microsoft.com/office/drawing/2014/main" id="{3676E2DD-E517-6733-5256-F52AA6F06471}"/>
+                <a16:creationId xmlns:a16="http://schemas.microsoft.com/office/drawing/2014/main" id="{BF8765AF-EA6C-939E-E2B1-9BE2109C337D}"/>
               </a:ext>
             </a:extLst>
           </p:cNvPr>
@@ -5454,7 +5762,7 @@
           <p:cNvPr id="10" name="Pfeil nach rechts 9">
             <a:extLst>
               <a:ext uri="{FF2B5EF4-FFF2-40B4-BE49-F238E27FC236}">
-                <a16:creationId xmlns:a16="http://schemas.microsoft.com/office/drawing/2014/main" id="{274D92DF-18B2-34D8-5F44-462513F56348}"/>
+                <a16:creationId xmlns:a16="http://schemas.microsoft.com/office/drawing/2014/main" id="{D72758F5-EC2A-F67A-BEFA-F3A46C165D62}"/>
               </a:ext>
             </a:extLst>
           </p:cNvPr>
@@ -5503,7 +5811,7 @@
           <p:cNvPr id="13" name="Inhaltsplatzhalter 2">
             <a:extLst>
               <a:ext uri="{FF2B5EF4-FFF2-40B4-BE49-F238E27FC236}">
-                <a16:creationId xmlns:a16="http://schemas.microsoft.com/office/drawing/2014/main" id="{ECAAF778-165F-794F-1A5D-CA3FE8EAEB5D}"/>
+                <a16:creationId xmlns:a16="http://schemas.microsoft.com/office/drawing/2014/main" id="{6D77D8A7-7AC3-DD11-B4B6-CC1CCEBD4DDC}"/>
               </a:ext>
             </a:extLst>
           </p:cNvPr>
@@ -5827,7 +6135,7 @@
           <p:cNvPr id="14" name="Zylinder 13">
             <a:extLst>
               <a:ext uri="{FF2B5EF4-FFF2-40B4-BE49-F238E27FC236}">
-                <a16:creationId xmlns:a16="http://schemas.microsoft.com/office/drawing/2014/main" id="{DF51C632-128F-A5F9-38E0-5A6C1CF21E2A}"/>
+                <a16:creationId xmlns:a16="http://schemas.microsoft.com/office/drawing/2014/main" id="{6AEAA856-226A-55CA-4BF9-E29A9541D8F6}"/>
               </a:ext>
             </a:extLst>
           </p:cNvPr>
@@ -5879,7 +6187,7 @@
           <p:cNvPr id="16" name="Gewinkelte Verbindung 15">
             <a:extLst>
               <a:ext uri="{FF2B5EF4-FFF2-40B4-BE49-F238E27FC236}">
-                <a16:creationId xmlns:a16="http://schemas.microsoft.com/office/drawing/2014/main" id="{0C9538EB-9835-5E21-ADFB-3515442F42AA}"/>
+                <a16:creationId xmlns:a16="http://schemas.microsoft.com/office/drawing/2014/main" id="{E8AFEF42-1893-557B-02DD-521EB85E2EDF}"/>
               </a:ext>
             </a:extLst>
           </p:cNvPr>
@@ -5924,7 +6232,7 @@
           <p:cNvPr id="3" name="Inhaltsplatzhalter 2">
             <a:extLst>
               <a:ext uri="{FF2B5EF4-FFF2-40B4-BE49-F238E27FC236}">
-                <a16:creationId xmlns:a16="http://schemas.microsoft.com/office/drawing/2014/main" id="{80C85F44-C8F3-C39D-63FA-33B58667C83A}"/>
+                <a16:creationId xmlns:a16="http://schemas.microsoft.com/office/drawing/2014/main" id="{F5DD7528-FAA2-B520-947F-4972C8B5F6F3}"/>
               </a:ext>
             </a:extLst>
           </p:cNvPr>
@@ -5970,7 +6278,7 @@
           <p:cNvPr id="17" name="Inhaltsplatzhalter 2">
             <a:extLst>
               <a:ext uri="{FF2B5EF4-FFF2-40B4-BE49-F238E27FC236}">
-                <a16:creationId xmlns:a16="http://schemas.microsoft.com/office/drawing/2014/main" id="{A90A7438-59B9-A13E-8E23-A9C0C16D2D08}"/>
+                <a16:creationId xmlns:a16="http://schemas.microsoft.com/office/drawing/2014/main" id="{0129F520-6613-3C27-B5FF-D5C20AC7B1E5}"/>
               </a:ext>
             </a:extLst>
           </p:cNvPr>
@@ -6173,7 +6481,7 @@
           <p:cNvPr id="18" name="Gewinkelte Verbindung 17">
             <a:extLst>
               <a:ext uri="{FF2B5EF4-FFF2-40B4-BE49-F238E27FC236}">
-                <a16:creationId xmlns:a16="http://schemas.microsoft.com/office/drawing/2014/main" id="{F7BF9B2F-5BD0-6AED-F9B9-C65FAF293477}"/>
+                <a16:creationId xmlns:a16="http://schemas.microsoft.com/office/drawing/2014/main" id="{D39B536C-DE33-156F-7D77-EC866F5AE672}"/>
               </a:ext>
             </a:extLst>
           </p:cNvPr>
@@ -6221,7 +6529,7 @@
           <p:cNvPr id="21" name="Gewinkelte Verbindung 20">
             <a:extLst>
               <a:ext uri="{FF2B5EF4-FFF2-40B4-BE49-F238E27FC236}">
-                <a16:creationId xmlns:a16="http://schemas.microsoft.com/office/drawing/2014/main" id="{CCD75705-349D-18C7-3E7C-17D15A4AA976}"/>
+                <a16:creationId xmlns:a16="http://schemas.microsoft.com/office/drawing/2014/main" id="{99074357-7CE3-CE92-668A-3CA57DB27700}"/>
               </a:ext>
             </a:extLst>
           </p:cNvPr>
@@ -6267,7 +6575,7 @@
           <p:cNvPr id="24" name="Inhaltsplatzhalter 2">
             <a:extLst>
               <a:ext uri="{FF2B5EF4-FFF2-40B4-BE49-F238E27FC236}">
-                <a16:creationId xmlns:a16="http://schemas.microsoft.com/office/drawing/2014/main" id="{F052D23B-6CE9-C855-EA7A-8931BF8A8771}"/>
+                <a16:creationId xmlns:a16="http://schemas.microsoft.com/office/drawing/2014/main" id="{58083D52-5317-D954-7DC8-CE58BB32C85D}"/>
               </a:ext>
             </a:extLst>
           </p:cNvPr>
@@ -6468,7 +6776,7 @@
     </p:spTree>
     <p:extLst>
       <p:ext uri="{BB962C8B-B14F-4D97-AF65-F5344CB8AC3E}">
-        <p14:creationId xmlns:p14="http://schemas.microsoft.com/office/powerpoint/2010/main" val="2703711222"/>
+        <p14:creationId xmlns:p14="http://schemas.microsoft.com/office/powerpoint/2010/main" val="3678542321"/>
       </p:ext>
     </p:extLst>
   </p:cSld>
@@ -6527,13 +6835,8 @@
             </a:r>
             <a:r>
               <a:rPr lang="de-DE" dirty="0"/>
-              <a:t> 2: Split and </a:t>
-            </a:r>
-            <a:r>
-              <a:rPr lang="de-DE" dirty="0" err="1"/>
-              <a:t>Reduce</a:t>
-            </a:r>
-            <a:endParaRPr lang="de-DE" dirty="0"/>
+              <a:t> 2: Split</a:t>
+            </a:r>
           </a:p>
         </p:txBody>
       </p:sp>
@@ -7057,9 +7360,19 @@
                 <a:effectLst/>
                 <a:latin typeface="Menlo" panose="020B0609030804020204" pitchFamily="49" charset="0"/>
               </a:rPr>
-              <a:t>Split in Files</a:t>
-            </a:r>
-            <a:br>
+              <a:t>Split </a:t>
+            </a:r>
+            <a:r>
+              <a:rPr lang="de-DE" sz="1400" dirty="0" err="1">
+                <a:solidFill>
+                  <a:srgbClr val="000000"/>
+                </a:solidFill>
+                <a:effectLst/>
+                <a:latin typeface="Menlo" panose="020B0609030804020204" pitchFamily="49" charset="0"/>
+              </a:rPr>
+              <a:t>according</a:t>
+            </a:r>
+            <a:r>
               <a:rPr lang="de-DE" sz="1400" dirty="0">
                 <a:solidFill>
                   <a:srgbClr val="000000"/>
@@ -7067,7 +7380,8 @@
                 <a:effectLst/>
                 <a:latin typeface="Menlo" panose="020B0609030804020204" pitchFamily="49" charset="0"/>
               </a:rPr>
-            </a:br>
+              <a:t> </a:t>
+            </a:r>
             <a:r>
               <a:rPr lang="de-DE" sz="1400" dirty="0" err="1">
                 <a:solidFill>
@@ -7076,7 +7390,7 @@
                 <a:effectLst/>
                 <a:latin typeface="Menlo" panose="020B0609030804020204" pitchFamily="49" charset="0"/>
               </a:rPr>
-              <a:t>with</a:t>
+              <a:t>to</a:t>
             </a:r>
             <a:r>
               <a:rPr lang="de-DE" sz="1400" dirty="0">
@@ -7086,7 +7400,7 @@
                 <a:effectLst/>
                 <a:latin typeface="Menlo" panose="020B0609030804020204" pitchFamily="49" charset="0"/>
               </a:rPr>
-              <a:t> 100k Games,</a:t>
+              <a:t> ECO,</a:t>
             </a:r>
             <a:br>
               <a:rPr lang="de-DE" sz="1400" dirty="0">
@@ -7192,8 +7506,8 @@
         </p:nvSpPr>
         <p:spPr>
           <a:xfrm>
-            <a:off x="4508933" y="1461039"/>
-            <a:ext cx="2144112" cy="561463"/>
+            <a:off x="4508933" y="1068835"/>
+            <a:ext cx="2764226" cy="953668"/>
           </a:xfrm>
           <a:prstGeom prst="rect">
             <a:avLst/>
@@ -7201,7 +7515,7 @@
         </p:spPr>
         <p:txBody>
           <a:bodyPr vert="horz" lIns="91440" tIns="45720" rIns="91440" bIns="45720" rtlCol="0">
-            <a:normAutofit/>
+            <a:normAutofit fontScale="92500" lnSpcReduction="10000"/>
           </a:bodyPr>
           <a:lstStyle>
             <a:lvl1pPr marL="228600" indent="-228600" algn="l" defTabSz="914400" rtl="0" eaLnBrk="1" latinLnBrk="0" hangingPunct="1">
@@ -7369,12 +7683,1143 @@
           </a:lstStyle>
           <a:p>
             <a:pPr marL="0" indent="0">
-              <a:buFont typeface="Arial" panose="020B0604020202020204" pitchFamily="34" charset="0"/>
               <a:buNone/>
             </a:pPr>
             <a:r>
               <a:rPr lang="de-DE" sz="1400" dirty="0"/>
-              <a:t>Split Folder</a:t>
+              <a:t>Split Folder (</a:t>
+            </a:r>
+            <a:r>
+              <a:rPr lang="de-DE" sz="1400" dirty="0">
+                <a:effectLst/>
+                <a:latin typeface="Menlo" panose="020B0609030804020204" pitchFamily="49" charset="0"/>
+              </a:rPr>
+              <a:t>/</a:t>
+            </a:r>
+            <a:r>
+              <a:rPr lang="de-DE" sz="1400" dirty="0" err="1">
+                <a:effectLst/>
+                <a:latin typeface="Menlo" panose="020B0609030804020204" pitchFamily="49" charset="0"/>
+              </a:rPr>
+              <a:t>Volumes</a:t>
+            </a:r>
+            <a:r>
+              <a:rPr lang="de-DE" sz="1400" dirty="0">
+                <a:effectLst/>
+                <a:latin typeface="Menlo" panose="020B0609030804020204" pitchFamily="49" charset="0"/>
+              </a:rPr>
+              <a:t>/BIGWD8/</a:t>
+            </a:r>
+            <a:r>
+              <a:rPr lang="de-DE" sz="1400" dirty="0" err="1">
+                <a:effectLst/>
+                <a:latin typeface="Menlo" panose="020B0609030804020204" pitchFamily="49" charset="0"/>
+              </a:rPr>
+              <a:t>Datalake</a:t>
+            </a:r>
+            <a:r>
+              <a:rPr lang="de-DE" sz="1400" dirty="0">
+                <a:effectLst/>
+                <a:latin typeface="Menlo" panose="020B0609030804020204" pitchFamily="49" charset="0"/>
+              </a:rPr>
+              <a:t>/chess/</a:t>
+            </a:r>
+            <a:r>
+              <a:rPr lang="de-DE" sz="1400" dirty="0" err="1">
+                <a:effectLst/>
+                <a:latin typeface="Menlo" panose="020B0609030804020204" pitchFamily="49" charset="0"/>
+              </a:rPr>
+              <a:t>lichess_downloads</a:t>
+            </a:r>
+            <a:r>
+              <a:rPr lang="de-DE" sz="1400" dirty="0">
+                <a:effectLst/>
+                <a:latin typeface="Menlo" panose="020B0609030804020204" pitchFamily="49" charset="0"/>
+              </a:rPr>
+              <a:t>/</a:t>
+            </a:r>
+            <a:r>
+              <a:rPr lang="de-DE" sz="1400" dirty="0" err="1">
+                <a:effectLst/>
+                <a:latin typeface="Menlo" panose="020B0609030804020204" pitchFamily="49" charset="0"/>
+              </a:rPr>
+              <a:t>eco_split</a:t>
+            </a:r>
+            <a:r>
+              <a:rPr lang="de-DE" sz="1400" dirty="0"/>
+              <a:t>)</a:t>
+            </a:r>
+          </a:p>
+        </p:txBody>
+      </p:sp>
+      <p:sp>
+        <p:nvSpPr>
+          <p:cNvPr id="29" name="Zylinder 28">
+            <a:extLst>
+              <a:ext uri="{FF2B5EF4-FFF2-40B4-BE49-F238E27FC236}">
+                <a16:creationId xmlns:a16="http://schemas.microsoft.com/office/drawing/2014/main" id="{CDF16C13-01B8-06FB-574D-116A74D38F39}"/>
+              </a:ext>
+            </a:extLst>
+          </p:cNvPr>
+          <p:cNvSpPr/>
+          <p:nvPr/>
+        </p:nvSpPr>
+        <p:spPr>
+          <a:xfrm>
+            <a:off x="355134" y="5155816"/>
+            <a:ext cx="1820562" cy="1297459"/>
+          </a:xfrm>
+          <a:prstGeom prst="can">
+            <a:avLst/>
+          </a:prstGeom>
+          <a:solidFill>
+            <a:srgbClr val="00B0F0"/>
+          </a:solidFill>
+        </p:spPr>
+        <p:style>
+          <a:lnRef idx="2">
+            <a:schemeClr val="accent1">
+              <a:shade val="15000"/>
+            </a:schemeClr>
+          </a:lnRef>
+          <a:fillRef idx="1">
+            <a:schemeClr val="accent1"/>
+          </a:fillRef>
+          <a:effectRef idx="0">
+            <a:schemeClr val="accent1"/>
+          </a:effectRef>
+          <a:fontRef idx="minor">
+            <a:schemeClr val="lt1"/>
+          </a:fontRef>
+        </p:style>
+        <p:txBody>
+          <a:bodyPr rtlCol="0" anchor="ctr"/>
+          <a:lstStyle/>
+          <a:p>
+            <a:pPr algn="ctr"/>
+            <a:r>
+              <a:rPr lang="de-DE" dirty="0"/>
+              <a:t>Django-DB</a:t>
+            </a:r>
+          </a:p>
+        </p:txBody>
+      </p:sp>
+      <p:sp>
+        <p:nvSpPr>
+          <p:cNvPr id="30" name="Pfeil nach rechts 29">
+            <a:extLst>
+              <a:ext uri="{FF2B5EF4-FFF2-40B4-BE49-F238E27FC236}">
+                <a16:creationId xmlns:a16="http://schemas.microsoft.com/office/drawing/2014/main" id="{37E29B79-7398-0070-D5BD-8CD75ECFE8E7}"/>
+              </a:ext>
+            </a:extLst>
+          </p:cNvPr>
+          <p:cNvSpPr/>
+          <p:nvPr/>
+        </p:nvSpPr>
+        <p:spPr>
+          <a:xfrm rot="8973346">
+            <a:off x="1599391" y="4044411"/>
+            <a:ext cx="3762474" cy="73254"/>
+          </a:xfrm>
+          <a:prstGeom prst="rightArrow">
+            <a:avLst/>
+          </a:prstGeom>
+          <a:solidFill>
+            <a:schemeClr val="tx1"/>
+          </a:solidFill>
+        </p:spPr>
+        <p:style>
+          <a:lnRef idx="2">
+            <a:schemeClr val="accent1">
+              <a:shade val="15000"/>
+            </a:schemeClr>
+          </a:lnRef>
+          <a:fillRef idx="1">
+            <a:schemeClr val="accent1"/>
+          </a:fillRef>
+          <a:effectRef idx="0">
+            <a:schemeClr val="accent1"/>
+          </a:effectRef>
+          <a:fontRef idx="minor">
+            <a:schemeClr val="lt1"/>
+          </a:fontRef>
+        </p:style>
+        <p:txBody>
+          <a:bodyPr rtlCol="0" anchor="ctr"/>
+          <a:lstStyle/>
+          <a:p>
+            <a:pPr algn="ctr"/>
+            <a:endParaRPr lang="de-DE" dirty="0"/>
+          </a:p>
+        </p:txBody>
+      </p:sp>
+      <p:sp>
+        <p:nvSpPr>
+          <p:cNvPr id="32" name="Inhaltsplatzhalter 2">
+            <a:extLst>
+              <a:ext uri="{FF2B5EF4-FFF2-40B4-BE49-F238E27FC236}">
+                <a16:creationId xmlns:a16="http://schemas.microsoft.com/office/drawing/2014/main" id="{10EAD7B0-88C6-9098-24B5-60ECE8F8125C}"/>
+              </a:ext>
+            </a:extLst>
+          </p:cNvPr>
+          <p:cNvSpPr txBox="1">
+            <a:spLocks/>
+          </p:cNvSpPr>
+          <p:nvPr/>
+        </p:nvSpPr>
+        <p:spPr>
+          <a:xfrm>
+            <a:off x="423627" y="3450152"/>
+            <a:ext cx="3061883" cy="906258"/>
+          </a:xfrm>
+          <a:prstGeom prst="rect">
+            <a:avLst/>
+          </a:prstGeom>
+        </p:spPr>
+        <p:txBody>
+          <a:bodyPr vert="horz" lIns="91440" tIns="45720" rIns="91440" bIns="45720" rtlCol="0">
+            <a:normAutofit fontScale="55000" lnSpcReduction="20000"/>
+          </a:bodyPr>
+          <a:lstStyle>
+            <a:lvl1pPr marL="228600" indent="-228600" algn="l" defTabSz="914400" rtl="0" eaLnBrk="1" latinLnBrk="0" hangingPunct="1">
+              <a:lnSpc>
+                <a:spcPct val="120000"/>
+              </a:lnSpc>
+              <a:spcBef>
+                <a:spcPts val="1000"/>
+              </a:spcBef>
+              <a:buFont typeface="Arial" panose="020B0604020202020204" pitchFamily="34" charset="0"/>
+              <a:buChar char="•"/>
+              <a:defRPr sz="1800" kern="1200">
+                <a:solidFill>
+                  <a:schemeClr val="tx1"/>
+                </a:solidFill>
+                <a:latin typeface="+mn-lt"/>
+                <a:ea typeface="+mn-ea"/>
+                <a:cs typeface="+mn-cs"/>
+              </a:defRPr>
+            </a:lvl1pPr>
+            <a:lvl2pPr marL="548640" indent="-228600" algn="l" defTabSz="914400" rtl="0" eaLnBrk="1" latinLnBrk="0" hangingPunct="1">
+              <a:lnSpc>
+                <a:spcPct val="120000"/>
+              </a:lnSpc>
+              <a:spcBef>
+                <a:spcPts val="500"/>
+              </a:spcBef>
+              <a:buFont typeface="Neue Haas Grotesk Text Pro" panose="020B0504020202020204" pitchFamily="34" charset="0"/>
+              <a:buChar char="–"/>
+              <a:defRPr sz="1600" kern="1200">
+                <a:solidFill>
+                  <a:schemeClr val="tx1"/>
+                </a:solidFill>
+                <a:latin typeface="+mn-lt"/>
+                <a:ea typeface="+mn-ea"/>
+                <a:cs typeface="+mn-cs"/>
+              </a:defRPr>
+            </a:lvl2pPr>
+            <a:lvl3pPr marL="777240" indent="-228600" algn="l" defTabSz="914400" rtl="0" eaLnBrk="1" latinLnBrk="0" hangingPunct="1">
+              <a:lnSpc>
+                <a:spcPct val="120000"/>
+              </a:lnSpc>
+              <a:spcBef>
+                <a:spcPts val="500"/>
+              </a:spcBef>
+              <a:buFont typeface="Arial" panose="020B0604020202020204" pitchFamily="34" charset="0"/>
+              <a:buChar char="•"/>
+              <a:defRPr sz="1400" kern="1200">
+                <a:solidFill>
+                  <a:schemeClr val="tx1"/>
+                </a:solidFill>
+                <a:latin typeface="+mn-lt"/>
+                <a:ea typeface="+mn-ea"/>
+                <a:cs typeface="+mn-cs"/>
+              </a:defRPr>
+            </a:lvl3pPr>
+            <a:lvl4pPr marL="914400" indent="-228600" algn="l" defTabSz="914400" rtl="0" eaLnBrk="1" latinLnBrk="0" hangingPunct="1">
+              <a:lnSpc>
+                <a:spcPct val="120000"/>
+              </a:lnSpc>
+              <a:spcBef>
+                <a:spcPts val="500"/>
+              </a:spcBef>
+              <a:buFont typeface="Neue Haas Grotesk Text Pro" panose="020B0504020202020204" pitchFamily="34" charset="0"/>
+              <a:buChar char="–"/>
+              <a:defRPr sz="1200" kern="1200">
+                <a:solidFill>
+                  <a:schemeClr val="tx1"/>
+                </a:solidFill>
+                <a:latin typeface="+mn-lt"/>
+                <a:ea typeface="+mn-ea"/>
+                <a:cs typeface="+mn-cs"/>
+              </a:defRPr>
+            </a:lvl4pPr>
+            <a:lvl5pPr marL="1097280" indent="-228600" algn="l" defTabSz="914400" rtl="0" eaLnBrk="1" latinLnBrk="0" hangingPunct="1">
+              <a:lnSpc>
+                <a:spcPct val="120000"/>
+              </a:lnSpc>
+              <a:spcBef>
+                <a:spcPts val="500"/>
+              </a:spcBef>
+              <a:buFont typeface="Arial" panose="020B0604020202020204" pitchFamily="34" charset="0"/>
+              <a:buChar char="•"/>
+              <a:defRPr sz="1200" kern="1200">
+                <a:solidFill>
+                  <a:schemeClr val="tx1"/>
+                </a:solidFill>
+                <a:latin typeface="+mn-lt"/>
+                <a:ea typeface="+mn-ea"/>
+                <a:cs typeface="+mn-cs"/>
+              </a:defRPr>
+            </a:lvl5pPr>
+            <a:lvl6pPr marL="2514600" indent="-228600" algn="l" defTabSz="914400" rtl="0" eaLnBrk="1" latinLnBrk="0" hangingPunct="1">
+              <a:lnSpc>
+                <a:spcPct val="90000"/>
+              </a:lnSpc>
+              <a:spcBef>
+                <a:spcPts val="500"/>
+              </a:spcBef>
+              <a:buFont typeface="Arial" panose="020B0604020202020204" pitchFamily="34" charset="0"/>
+              <a:buChar char="•"/>
+              <a:defRPr sz="1800" kern="1200">
+                <a:solidFill>
+                  <a:schemeClr val="tx1"/>
+                </a:solidFill>
+                <a:latin typeface="+mn-lt"/>
+                <a:ea typeface="+mn-ea"/>
+                <a:cs typeface="+mn-cs"/>
+              </a:defRPr>
+            </a:lvl6pPr>
+            <a:lvl7pPr marL="2971800" indent="-228600" algn="l" defTabSz="914400" rtl="0" eaLnBrk="1" latinLnBrk="0" hangingPunct="1">
+              <a:lnSpc>
+                <a:spcPct val="90000"/>
+              </a:lnSpc>
+              <a:spcBef>
+                <a:spcPts val="500"/>
+              </a:spcBef>
+              <a:buFont typeface="Arial" panose="020B0604020202020204" pitchFamily="34" charset="0"/>
+              <a:buChar char="•"/>
+              <a:defRPr sz="1800" kern="1200">
+                <a:solidFill>
+                  <a:schemeClr val="tx1"/>
+                </a:solidFill>
+                <a:latin typeface="+mn-lt"/>
+                <a:ea typeface="+mn-ea"/>
+                <a:cs typeface="+mn-cs"/>
+              </a:defRPr>
+            </a:lvl7pPr>
+            <a:lvl8pPr marL="3429000" indent="-228600" algn="l" defTabSz="914400" rtl="0" eaLnBrk="1" latinLnBrk="0" hangingPunct="1">
+              <a:lnSpc>
+                <a:spcPct val="90000"/>
+              </a:lnSpc>
+              <a:spcBef>
+                <a:spcPts val="500"/>
+              </a:spcBef>
+              <a:buFont typeface="Arial" panose="020B0604020202020204" pitchFamily="34" charset="0"/>
+              <a:buChar char="•"/>
+              <a:defRPr sz="1800" kern="1200">
+                <a:solidFill>
+                  <a:schemeClr val="tx1"/>
+                </a:solidFill>
+                <a:latin typeface="+mn-lt"/>
+                <a:ea typeface="+mn-ea"/>
+                <a:cs typeface="+mn-cs"/>
+              </a:defRPr>
+            </a:lvl8pPr>
+            <a:lvl9pPr marL="3886200" indent="-228600" algn="l" defTabSz="914400" rtl="0" eaLnBrk="1" latinLnBrk="0" hangingPunct="1">
+              <a:lnSpc>
+                <a:spcPct val="90000"/>
+              </a:lnSpc>
+              <a:spcBef>
+                <a:spcPts val="500"/>
+              </a:spcBef>
+              <a:buFont typeface="Arial" panose="020B0604020202020204" pitchFamily="34" charset="0"/>
+              <a:buChar char="•"/>
+              <a:defRPr sz="1800" kern="1200">
+                <a:solidFill>
+                  <a:schemeClr val="tx1"/>
+                </a:solidFill>
+                <a:latin typeface="+mn-lt"/>
+                <a:ea typeface="+mn-ea"/>
+                <a:cs typeface="+mn-cs"/>
+              </a:defRPr>
+            </a:lvl9pPr>
+          </a:lstStyle>
+          <a:p>
+            <a:pPr marL="0" indent="0">
+              <a:buNone/>
+            </a:pPr>
+            <a:r>
+              <a:rPr lang="de-DE" sz="1400" dirty="0" err="1">
+                <a:solidFill>
+                  <a:srgbClr val="000000"/>
+                </a:solidFill>
+                <a:effectLst/>
+                <a:latin typeface="Menlo" panose="020B0609030804020204" pitchFamily="49" charset="0"/>
+              </a:rPr>
+              <a:t>Stats</a:t>
+            </a:r>
+            <a:r>
+              <a:rPr lang="de-DE" sz="1400" dirty="0">
+                <a:solidFill>
+                  <a:srgbClr val="000000"/>
+                </a:solidFill>
+                <a:effectLst/>
+                <a:latin typeface="Menlo" panose="020B0609030804020204" pitchFamily="49" charset="0"/>
+              </a:rPr>
+              <a:t>:</a:t>
+            </a:r>
+            <a:br>
+              <a:rPr lang="de-DE" sz="1400" dirty="0">
+                <a:solidFill>
+                  <a:srgbClr val="000000"/>
+                </a:solidFill>
+                <a:effectLst/>
+                <a:latin typeface="Menlo" panose="020B0609030804020204" pitchFamily="49" charset="0"/>
+              </a:rPr>
+            </a:br>
+            <a:r>
+              <a:rPr lang="de-DE" sz="1400" dirty="0">
+                <a:solidFill>
+                  <a:srgbClr val="000000"/>
+                </a:solidFill>
+                <a:effectLst/>
+                <a:latin typeface="Menlo" panose="020B0609030804020204" pitchFamily="49" charset="0"/>
+              </a:rPr>
+              <a:t>- </a:t>
+            </a:r>
+            <a:r>
+              <a:rPr lang="de-DE" sz="1400" dirty="0" err="1">
+                <a:solidFill>
+                  <a:srgbClr val="000000"/>
+                </a:solidFill>
+                <a:effectLst/>
+                <a:latin typeface="Menlo" panose="020B0609030804020204" pitchFamily="49" charset="0"/>
+              </a:rPr>
+              <a:t>Number</a:t>
+            </a:r>
+            <a:r>
+              <a:rPr lang="de-DE" sz="1400" dirty="0">
+                <a:solidFill>
+                  <a:srgbClr val="000000"/>
+                </a:solidFill>
+                <a:effectLst/>
+                <a:latin typeface="Menlo" panose="020B0609030804020204" pitchFamily="49" charset="0"/>
+              </a:rPr>
+              <a:t> Games</a:t>
+            </a:r>
+            <a:br>
+              <a:rPr lang="de-DE" sz="1400" dirty="0">
+                <a:solidFill>
+                  <a:srgbClr val="000000"/>
+                </a:solidFill>
+                <a:effectLst/>
+                <a:latin typeface="Menlo" panose="020B0609030804020204" pitchFamily="49" charset="0"/>
+              </a:rPr>
+            </a:br>
+            <a:r>
+              <a:rPr lang="de-DE" sz="1400" dirty="0">
+                <a:solidFill>
+                  <a:srgbClr val="000000"/>
+                </a:solidFill>
+                <a:effectLst/>
+                <a:latin typeface="Menlo" panose="020B0609030804020204" pitchFamily="49" charset="0"/>
+              </a:rPr>
+              <a:t>- Blitz, Rapid, Bullet</a:t>
+            </a:r>
+            <a:br>
+              <a:rPr lang="de-DE" sz="1400" dirty="0">
+                <a:solidFill>
+                  <a:srgbClr val="000000"/>
+                </a:solidFill>
+                <a:effectLst/>
+                <a:latin typeface="Menlo" panose="020B0609030804020204" pitchFamily="49" charset="0"/>
+              </a:rPr>
+            </a:br>
+            <a:r>
+              <a:rPr lang="de-DE" sz="1400" dirty="0">
+                <a:solidFill>
+                  <a:srgbClr val="000000"/>
+                </a:solidFill>
+                <a:effectLst/>
+                <a:latin typeface="Menlo" panose="020B0609030804020204" pitchFamily="49" charset="0"/>
+              </a:rPr>
+              <a:t>- ECO: </a:t>
+            </a:r>
+            <a:r>
+              <a:rPr lang="de-DE" sz="1400" dirty="0" err="1">
+                <a:solidFill>
+                  <a:srgbClr val="000000"/>
+                </a:solidFill>
+                <a:effectLst/>
+                <a:latin typeface="Menlo" panose="020B0609030804020204" pitchFamily="49" charset="0"/>
+              </a:rPr>
+              <a:t>Number</a:t>
+            </a:r>
+            <a:r>
+              <a:rPr lang="de-DE" sz="1400" dirty="0">
+                <a:solidFill>
+                  <a:srgbClr val="000000"/>
+                </a:solidFill>
+                <a:effectLst/>
+                <a:latin typeface="Menlo" panose="020B0609030804020204" pitchFamily="49" charset="0"/>
+              </a:rPr>
+              <a:t> </a:t>
+            </a:r>
+            <a:r>
+              <a:rPr lang="de-DE" sz="1400" dirty="0" err="1">
+                <a:solidFill>
+                  <a:srgbClr val="000000"/>
+                </a:solidFill>
+                <a:effectLst/>
+                <a:latin typeface="Menlo" panose="020B0609030804020204" pitchFamily="49" charset="0"/>
+              </a:rPr>
+              <a:t>of</a:t>
+            </a:r>
+            <a:r>
+              <a:rPr lang="de-DE" sz="1400" dirty="0">
+                <a:solidFill>
+                  <a:srgbClr val="000000"/>
+                </a:solidFill>
+                <a:effectLst/>
+                <a:latin typeface="Menlo" panose="020B0609030804020204" pitchFamily="49" charset="0"/>
+              </a:rPr>
+              <a:t> Games, </a:t>
+            </a:r>
+            <a:r>
+              <a:rPr lang="de-DE" sz="1400" dirty="0" err="1">
+                <a:solidFill>
+                  <a:srgbClr val="000000"/>
+                </a:solidFill>
+                <a:effectLst/>
+                <a:latin typeface="Menlo" panose="020B0609030804020204" pitchFamily="49" charset="0"/>
+              </a:rPr>
+              <a:t>Success</a:t>
+            </a:r>
+            <a:r>
+              <a:rPr lang="de-DE" sz="1400" dirty="0">
+                <a:solidFill>
+                  <a:srgbClr val="000000"/>
+                </a:solidFill>
+                <a:effectLst/>
+                <a:latin typeface="Menlo" panose="020B0609030804020204" pitchFamily="49" charset="0"/>
+              </a:rPr>
+              <a:t>, </a:t>
+            </a:r>
+            <a:r>
+              <a:rPr lang="de-DE" sz="1400" dirty="0" err="1">
+                <a:solidFill>
+                  <a:srgbClr val="000000"/>
+                </a:solidFill>
+                <a:effectLst/>
+                <a:latin typeface="Menlo" panose="020B0609030804020204" pitchFamily="49" charset="0"/>
+              </a:rPr>
+              <a:t>Gain</a:t>
+            </a:r>
+            <a:r>
+              <a:rPr lang="de-DE" sz="1400" dirty="0">
+                <a:solidFill>
+                  <a:srgbClr val="000000"/>
+                </a:solidFill>
+                <a:effectLst/>
+                <a:latin typeface="Menlo" panose="020B0609030804020204" pitchFamily="49" charset="0"/>
+              </a:rPr>
+              <a:t>/Loss</a:t>
+            </a:r>
+            <a:br>
+              <a:rPr lang="de-DE" sz="1400" dirty="0">
+                <a:solidFill>
+                  <a:srgbClr val="000000"/>
+                </a:solidFill>
+                <a:effectLst/>
+                <a:latin typeface="Menlo" panose="020B0609030804020204" pitchFamily="49" charset="0"/>
+              </a:rPr>
+            </a:br>
+            <a:r>
+              <a:rPr lang="de-DE" sz="1400" dirty="0">
+                <a:solidFill>
+                  <a:srgbClr val="000000"/>
+                </a:solidFill>
+                <a:effectLst/>
+                <a:latin typeface="Menlo" panose="020B0609030804020204" pitchFamily="49" charset="0"/>
+              </a:rPr>
+              <a:t>- Ratings, AVG, Max, Min, 90%, 10%, 2000, 2500</a:t>
+            </a:r>
+          </a:p>
+        </p:txBody>
+      </p:sp>
+      <p:sp>
+        <p:nvSpPr>
+          <p:cNvPr id="18" name="Textfeld 17">
+            <a:extLst>
+              <a:ext uri="{FF2B5EF4-FFF2-40B4-BE49-F238E27FC236}">
+                <a16:creationId xmlns:a16="http://schemas.microsoft.com/office/drawing/2014/main" id="{9ED400BC-765B-7AE1-80D2-D09D785B9812}"/>
+              </a:ext>
+            </a:extLst>
+          </p:cNvPr>
+          <p:cNvSpPr txBox="1"/>
+          <p:nvPr/>
+        </p:nvSpPr>
+        <p:spPr>
+          <a:xfrm>
+            <a:off x="2514925" y="1818312"/>
+            <a:ext cx="1579173" cy="461665"/>
+          </a:xfrm>
+          <a:prstGeom prst="rect">
+            <a:avLst/>
+          </a:prstGeom>
+          <a:noFill/>
+        </p:spPr>
+        <p:txBody>
+          <a:bodyPr wrap="square">
+            <a:spAutoFit/>
+          </a:bodyPr>
+          <a:lstStyle/>
+          <a:p>
+            <a:r>
+              <a:rPr lang="de-DE" sz="1200" dirty="0">
+                <a:solidFill>
+                  <a:srgbClr val="FF0000"/>
+                </a:solidFill>
+              </a:rPr>
+              <a:t>https://</a:t>
+            </a:r>
+            <a:r>
+              <a:rPr lang="de-DE" sz="1200" dirty="0" err="1">
+                <a:solidFill>
+                  <a:srgbClr val="FF0000"/>
+                </a:solidFill>
+              </a:rPr>
+              <a:t>github.com</a:t>
+            </a:r>
+            <a:r>
+              <a:rPr lang="de-DE" sz="1200" dirty="0">
+                <a:solidFill>
+                  <a:srgbClr val="FF0000"/>
+                </a:solidFill>
+              </a:rPr>
+              <a:t>/</a:t>
+            </a:r>
+            <a:r>
+              <a:rPr lang="de-DE" sz="1200" dirty="0" err="1">
+                <a:solidFill>
+                  <a:srgbClr val="FF0000"/>
+                </a:solidFill>
+              </a:rPr>
+              <a:t>cyanfish</a:t>
+            </a:r>
+            <a:r>
+              <a:rPr lang="de-DE" sz="1200" dirty="0">
+                <a:solidFill>
+                  <a:srgbClr val="FF0000"/>
+                </a:solidFill>
+              </a:rPr>
+              <a:t>/</a:t>
+            </a:r>
+            <a:r>
+              <a:rPr lang="de-DE" sz="1200" dirty="0" err="1">
+                <a:solidFill>
+                  <a:srgbClr val="FF0000"/>
+                </a:solidFill>
+              </a:rPr>
+              <a:t>pgnsplit</a:t>
+            </a:r>
+            <a:endParaRPr lang="de-DE" sz="1200" dirty="0">
+              <a:solidFill>
+                <a:srgbClr val="FF0000"/>
+              </a:solidFill>
+            </a:endParaRPr>
+          </a:p>
+        </p:txBody>
+      </p:sp>
+      <p:sp>
+        <p:nvSpPr>
+          <p:cNvPr id="6" name="Textfeld 5">
+            <a:extLst>
+              <a:ext uri="{FF2B5EF4-FFF2-40B4-BE49-F238E27FC236}">
+                <a16:creationId xmlns:a16="http://schemas.microsoft.com/office/drawing/2014/main" id="{D8118D4D-A0AB-6A54-A20C-E7A4C9A96E40}"/>
+              </a:ext>
+            </a:extLst>
+          </p:cNvPr>
+          <p:cNvSpPr txBox="1"/>
+          <p:nvPr/>
+        </p:nvSpPr>
+        <p:spPr>
+          <a:xfrm>
+            <a:off x="342190" y="902478"/>
+            <a:ext cx="6174826" cy="307777"/>
+          </a:xfrm>
+          <a:prstGeom prst="rect">
+            <a:avLst/>
+          </a:prstGeom>
+          <a:noFill/>
+        </p:spPr>
+        <p:txBody>
+          <a:bodyPr wrap="square">
+            <a:spAutoFit/>
+          </a:bodyPr>
+          <a:lstStyle/>
+          <a:p>
+            <a:r>
+              <a:rPr lang="de-DE" sz="1400" dirty="0">
+                <a:solidFill>
+                  <a:srgbClr val="000000"/>
+                </a:solidFill>
+                <a:latin typeface="Menlo" panose="020B0609030804020204" pitchFamily="49" charset="0"/>
+              </a:rPr>
+              <a:t>…</a:t>
+            </a:r>
+            <a:r>
+              <a:rPr lang="de-DE" sz="1400" dirty="0">
+                <a:solidFill>
+                  <a:srgbClr val="000000"/>
+                </a:solidFill>
+                <a:effectLst/>
+                <a:latin typeface="Menlo" panose="020B0609030804020204" pitchFamily="49" charset="0"/>
+              </a:rPr>
+              <a:t>/</a:t>
+            </a:r>
+            <a:r>
+              <a:rPr lang="de-DE" sz="1400" dirty="0" err="1">
+                <a:solidFill>
+                  <a:srgbClr val="000000"/>
+                </a:solidFill>
+                <a:effectLst/>
+                <a:latin typeface="Menlo" panose="020B0609030804020204" pitchFamily="49" charset="0"/>
+              </a:rPr>
+              <a:t>playground</a:t>
+            </a:r>
+            <a:r>
+              <a:rPr lang="de-DE" sz="1400" dirty="0">
+                <a:solidFill>
+                  <a:srgbClr val="000000"/>
+                </a:solidFill>
+                <a:effectLst/>
+                <a:latin typeface="Menlo" panose="020B0609030804020204" pitchFamily="49" charset="0"/>
+              </a:rPr>
+              <a:t>/</a:t>
+            </a:r>
+            <a:r>
+              <a:rPr lang="de-DE" sz="1400" err="1">
+                <a:solidFill>
+                  <a:srgbClr val="000000"/>
+                </a:solidFill>
+                <a:effectLst/>
+                <a:latin typeface="Menlo" panose="020B0609030804020204" pitchFamily="49" charset="0"/>
+              </a:rPr>
+              <a:t>pgn</a:t>
+            </a:r>
+            <a:r>
+              <a:rPr lang="de-DE" sz="1400">
+                <a:solidFill>
+                  <a:srgbClr val="000000"/>
+                </a:solidFill>
+                <a:effectLst/>
+                <a:latin typeface="Menlo" panose="020B0609030804020204" pitchFamily="49" charset="0"/>
+              </a:rPr>
+              <a:t>_eco_split</a:t>
+            </a:r>
+            <a:r>
+              <a:rPr lang="de-DE" sz="1400" dirty="0" err="1">
+                <a:solidFill>
+                  <a:srgbClr val="000000"/>
+                </a:solidFill>
+                <a:effectLst/>
+                <a:latin typeface="Menlo" panose="020B0609030804020204" pitchFamily="49" charset="0"/>
+              </a:rPr>
+              <a:t>.py</a:t>
+            </a:r>
+            <a:endParaRPr lang="de-DE" sz="1400" dirty="0">
+              <a:solidFill>
+                <a:srgbClr val="000000"/>
+              </a:solidFill>
+              <a:effectLst/>
+              <a:latin typeface="Menlo" panose="020B0609030804020204" pitchFamily="49" charset="0"/>
+            </a:endParaRPr>
+          </a:p>
+        </p:txBody>
+      </p:sp>
+    </p:spTree>
+    <p:extLst>
+      <p:ext uri="{BB962C8B-B14F-4D97-AF65-F5344CB8AC3E}">
+        <p14:creationId xmlns:p14="http://schemas.microsoft.com/office/powerpoint/2010/main" val="3606739366"/>
+      </p:ext>
+    </p:extLst>
+  </p:cSld>
+  <p:clrMapOvr>
+    <a:masterClrMapping/>
+  </p:clrMapOvr>
+</p:sld>
+</file>
+
+<file path=ppt/slides/slide4.xml><?xml version="1.0" encoding="utf-8"?>
+<p:sld xmlns:a="http://schemas.openxmlformats.org/drawingml/2006/main" xmlns:r="http://schemas.openxmlformats.org/officeDocument/2006/relationships" xmlns:p="http://schemas.openxmlformats.org/presentationml/2006/main">
+  <p:cSld>
+    <p:spTree>
+      <p:nvGrpSpPr>
+        <p:cNvPr id="1" name="">
+          <a:extLst>
+            <a:ext uri="{FF2B5EF4-FFF2-40B4-BE49-F238E27FC236}">
+              <a16:creationId xmlns:a16="http://schemas.microsoft.com/office/drawing/2014/main" id="{58EFECAC-AD15-EB8D-0897-EF7E5D000531}"/>
+            </a:ext>
+          </a:extLst>
+        </p:cNvPr>
+        <p:cNvGrpSpPr/>
+        <p:nvPr/>
+      </p:nvGrpSpPr>
+      <p:grpSpPr>
+        <a:xfrm>
+          <a:off x="0" y="0"/>
+          <a:ext cx="0" cy="0"/>
+          <a:chOff x="0" y="0"/>
+          <a:chExt cx="0" cy="0"/>
+        </a:xfrm>
+      </p:grpSpPr>
+      <p:sp>
+        <p:nvSpPr>
+          <p:cNvPr id="2" name="Titel 1">
+            <a:extLst>
+              <a:ext uri="{FF2B5EF4-FFF2-40B4-BE49-F238E27FC236}">
+                <a16:creationId xmlns:a16="http://schemas.microsoft.com/office/drawing/2014/main" id="{E0EAD944-FA76-A4DB-5E38-AF2D45BC6D1B}"/>
+              </a:ext>
+            </a:extLst>
+          </p:cNvPr>
+          <p:cNvSpPr>
+            <a:spLocks noGrp="1"/>
+          </p:cNvSpPr>
+          <p:nvPr>
+            <p:ph type="title"/>
+          </p:nvPr>
+        </p:nvSpPr>
+        <p:spPr>
+          <a:xfrm>
+            <a:off x="0" y="0"/>
+            <a:ext cx="8886884" cy="953669"/>
+          </a:xfrm>
+        </p:spPr>
+        <p:txBody>
+          <a:bodyPr/>
+          <a:lstStyle/>
+          <a:p>
+            <a:r>
+              <a:rPr lang="de-DE" dirty="0" err="1"/>
+              <a:t>Step</a:t>
+            </a:r>
+            <a:r>
+              <a:rPr lang="de-DE" dirty="0"/>
+              <a:t> 3: </a:t>
+            </a:r>
+            <a:r>
+              <a:rPr lang="de-DE" dirty="0" err="1"/>
+              <a:t>Reduce</a:t>
+            </a:r>
+            <a:endParaRPr lang="de-DE" dirty="0"/>
+          </a:p>
+        </p:txBody>
+      </p:sp>
+      <p:sp>
+        <p:nvSpPr>
+          <p:cNvPr id="12" name="Mehrere Dokumente 11">
+            <a:extLst>
+              <a:ext uri="{FF2B5EF4-FFF2-40B4-BE49-F238E27FC236}">
+                <a16:creationId xmlns:a16="http://schemas.microsoft.com/office/drawing/2014/main" id="{F28CCF82-4F70-2C29-3871-1D85059D37D2}"/>
+              </a:ext>
+            </a:extLst>
+          </p:cNvPr>
+          <p:cNvSpPr/>
+          <p:nvPr/>
+        </p:nvSpPr>
+        <p:spPr>
+          <a:xfrm>
+            <a:off x="4876797" y="2154025"/>
+            <a:ext cx="1408385" cy="822434"/>
+          </a:xfrm>
+          <a:prstGeom prst="flowChartMultidocument">
+            <a:avLst/>
+          </a:prstGeom>
+        </p:spPr>
+        <p:style>
+          <a:lnRef idx="2">
+            <a:schemeClr val="accent1">
+              <a:shade val="15000"/>
+            </a:schemeClr>
+          </a:lnRef>
+          <a:fillRef idx="1">
+            <a:schemeClr val="accent1"/>
+          </a:fillRef>
+          <a:effectRef idx="0">
+            <a:schemeClr val="accent1"/>
+          </a:effectRef>
+          <a:fontRef idx="minor">
+            <a:schemeClr val="lt1"/>
+          </a:fontRef>
+        </p:style>
+        <p:txBody>
+          <a:bodyPr rtlCol="0" anchor="ctr"/>
+          <a:lstStyle/>
+          <a:p>
+            <a:pPr algn="ctr"/>
+            <a:endParaRPr lang="de-DE"/>
+          </a:p>
+        </p:txBody>
+      </p:sp>
+      <p:sp>
+        <p:nvSpPr>
+          <p:cNvPr id="15" name="Inhaltsplatzhalter 2">
+            <a:extLst>
+              <a:ext uri="{FF2B5EF4-FFF2-40B4-BE49-F238E27FC236}">
+                <a16:creationId xmlns:a16="http://schemas.microsoft.com/office/drawing/2014/main" id="{6C0E38A0-562A-2794-B32B-E853C72F9BCB}"/>
+              </a:ext>
+            </a:extLst>
+          </p:cNvPr>
+          <p:cNvSpPr txBox="1">
+            <a:spLocks/>
+          </p:cNvSpPr>
+          <p:nvPr/>
+        </p:nvSpPr>
+        <p:spPr>
+          <a:xfrm>
+            <a:off x="4508933" y="1068835"/>
+            <a:ext cx="2764226" cy="953668"/>
+          </a:xfrm>
+          <a:prstGeom prst="rect">
+            <a:avLst/>
+          </a:prstGeom>
+        </p:spPr>
+        <p:txBody>
+          <a:bodyPr vert="horz" lIns="91440" tIns="45720" rIns="91440" bIns="45720" rtlCol="0">
+            <a:normAutofit fontScale="92500" lnSpcReduction="10000"/>
+          </a:bodyPr>
+          <a:lstStyle>
+            <a:lvl1pPr marL="228600" indent="-228600" algn="l" defTabSz="914400" rtl="0" eaLnBrk="1" latinLnBrk="0" hangingPunct="1">
+              <a:lnSpc>
+                <a:spcPct val="120000"/>
+              </a:lnSpc>
+              <a:spcBef>
+                <a:spcPts val="1000"/>
+              </a:spcBef>
+              <a:buFont typeface="Arial" panose="020B0604020202020204" pitchFamily="34" charset="0"/>
+              <a:buChar char="•"/>
+              <a:defRPr sz="1800" kern="1200">
+                <a:solidFill>
+                  <a:schemeClr val="tx1"/>
+                </a:solidFill>
+                <a:latin typeface="+mn-lt"/>
+                <a:ea typeface="+mn-ea"/>
+                <a:cs typeface="+mn-cs"/>
+              </a:defRPr>
+            </a:lvl1pPr>
+            <a:lvl2pPr marL="548640" indent="-228600" algn="l" defTabSz="914400" rtl="0" eaLnBrk="1" latinLnBrk="0" hangingPunct="1">
+              <a:lnSpc>
+                <a:spcPct val="120000"/>
+              </a:lnSpc>
+              <a:spcBef>
+                <a:spcPts val="500"/>
+              </a:spcBef>
+              <a:buFont typeface="Neue Haas Grotesk Text Pro" panose="020B0504020202020204" pitchFamily="34" charset="0"/>
+              <a:buChar char="–"/>
+              <a:defRPr sz="1600" kern="1200">
+                <a:solidFill>
+                  <a:schemeClr val="tx1"/>
+                </a:solidFill>
+                <a:latin typeface="+mn-lt"/>
+                <a:ea typeface="+mn-ea"/>
+                <a:cs typeface="+mn-cs"/>
+              </a:defRPr>
+            </a:lvl2pPr>
+            <a:lvl3pPr marL="777240" indent="-228600" algn="l" defTabSz="914400" rtl="0" eaLnBrk="1" latinLnBrk="0" hangingPunct="1">
+              <a:lnSpc>
+                <a:spcPct val="120000"/>
+              </a:lnSpc>
+              <a:spcBef>
+                <a:spcPts val="500"/>
+              </a:spcBef>
+              <a:buFont typeface="Arial" panose="020B0604020202020204" pitchFamily="34" charset="0"/>
+              <a:buChar char="•"/>
+              <a:defRPr sz="1400" kern="1200">
+                <a:solidFill>
+                  <a:schemeClr val="tx1"/>
+                </a:solidFill>
+                <a:latin typeface="+mn-lt"/>
+                <a:ea typeface="+mn-ea"/>
+                <a:cs typeface="+mn-cs"/>
+              </a:defRPr>
+            </a:lvl3pPr>
+            <a:lvl4pPr marL="914400" indent="-228600" algn="l" defTabSz="914400" rtl="0" eaLnBrk="1" latinLnBrk="0" hangingPunct="1">
+              <a:lnSpc>
+                <a:spcPct val="120000"/>
+              </a:lnSpc>
+              <a:spcBef>
+                <a:spcPts val="500"/>
+              </a:spcBef>
+              <a:buFont typeface="Neue Haas Grotesk Text Pro" panose="020B0504020202020204" pitchFamily="34" charset="0"/>
+              <a:buChar char="–"/>
+              <a:defRPr sz="1200" kern="1200">
+                <a:solidFill>
+                  <a:schemeClr val="tx1"/>
+                </a:solidFill>
+                <a:latin typeface="+mn-lt"/>
+                <a:ea typeface="+mn-ea"/>
+                <a:cs typeface="+mn-cs"/>
+              </a:defRPr>
+            </a:lvl4pPr>
+            <a:lvl5pPr marL="1097280" indent="-228600" algn="l" defTabSz="914400" rtl="0" eaLnBrk="1" latinLnBrk="0" hangingPunct="1">
+              <a:lnSpc>
+                <a:spcPct val="120000"/>
+              </a:lnSpc>
+              <a:spcBef>
+                <a:spcPts val="500"/>
+              </a:spcBef>
+              <a:buFont typeface="Arial" panose="020B0604020202020204" pitchFamily="34" charset="0"/>
+              <a:buChar char="•"/>
+              <a:defRPr sz="1200" kern="1200">
+                <a:solidFill>
+                  <a:schemeClr val="tx1"/>
+                </a:solidFill>
+                <a:latin typeface="+mn-lt"/>
+                <a:ea typeface="+mn-ea"/>
+                <a:cs typeface="+mn-cs"/>
+              </a:defRPr>
+            </a:lvl5pPr>
+            <a:lvl6pPr marL="2514600" indent="-228600" algn="l" defTabSz="914400" rtl="0" eaLnBrk="1" latinLnBrk="0" hangingPunct="1">
+              <a:lnSpc>
+                <a:spcPct val="90000"/>
+              </a:lnSpc>
+              <a:spcBef>
+                <a:spcPts val="500"/>
+              </a:spcBef>
+              <a:buFont typeface="Arial" panose="020B0604020202020204" pitchFamily="34" charset="0"/>
+              <a:buChar char="•"/>
+              <a:defRPr sz="1800" kern="1200">
+                <a:solidFill>
+                  <a:schemeClr val="tx1"/>
+                </a:solidFill>
+                <a:latin typeface="+mn-lt"/>
+                <a:ea typeface="+mn-ea"/>
+                <a:cs typeface="+mn-cs"/>
+              </a:defRPr>
+            </a:lvl6pPr>
+            <a:lvl7pPr marL="2971800" indent="-228600" algn="l" defTabSz="914400" rtl="0" eaLnBrk="1" latinLnBrk="0" hangingPunct="1">
+              <a:lnSpc>
+                <a:spcPct val="90000"/>
+              </a:lnSpc>
+              <a:spcBef>
+                <a:spcPts val="500"/>
+              </a:spcBef>
+              <a:buFont typeface="Arial" panose="020B0604020202020204" pitchFamily="34" charset="0"/>
+              <a:buChar char="•"/>
+              <a:defRPr sz="1800" kern="1200">
+                <a:solidFill>
+                  <a:schemeClr val="tx1"/>
+                </a:solidFill>
+                <a:latin typeface="+mn-lt"/>
+                <a:ea typeface="+mn-ea"/>
+                <a:cs typeface="+mn-cs"/>
+              </a:defRPr>
+            </a:lvl7pPr>
+            <a:lvl8pPr marL="3429000" indent="-228600" algn="l" defTabSz="914400" rtl="0" eaLnBrk="1" latinLnBrk="0" hangingPunct="1">
+              <a:lnSpc>
+                <a:spcPct val="90000"/>
+              </a:lnSpc>
+              <a:spcBef>
+                <a:spcPts val="500"/>
+              </a:spcBef>
+              <a:buFont typeface="Arial" panose="020B0604020202020204" pitchFamily="34" charset="0"/>
+              <a:buChar char="•"/>
+              <a:defRPr sz="1800" kern="1200">
+                <a:solidFill>
+                  <a:schemeClr val="tx1"/>
+                </a:solidFill>
+                <a:latin typeface="+mn-lt"/>
+                <a:ea typeface="+mn-ea"/>
+                <a:cs typeface="+mn-cs"/>
+              </a:defRPr>
+            </a:lvl8pPr>
+            <a:lvl9pPr marL="3886200" indent="-228600" algn="l" defTabSz="914400" rtl="0" eaLnBrk="1" latinLnBrk="0" hangingPunct="1">
+              <a:lnSpc>
+                <a:spcPct val="90000"/>
+              </a:lnSpc>
+              <a:spcBef>
+                <a:spcPts val="500"/>
+              </a:spcBef>
+              <a:buFont typeface="Arial" panose="020B0604020202020204" pitchFamily="34" charset="0"/>
+              <a:buChar char="•"/>
+              <a:defRPr sz="1800" kern="1200">
+                <a:solidFill>
+                  <a:schemeClr val="tx1"/>
+                </a:solidFill>
+                <a:latin typeface="+mn-lt"/>
+                <a:ea typeface="+mn-ea"/>
+                <a:cs typeface="+mn-cs"/>
+              </a:defRPr>
+            </a:lvl9pPr>
+          </a:lstStyle>
+          <a:p>
+            <a:pPr marL="0" indent="0">
+              <a:buNone/>
+            </a:pPr>
+            <a:r>
+              <a:rPr lang="de-DE" sz="1400" dirty="0"/>
+              <a:t>Split Folder (</a:t>
+            </a:r>
+            <a:r>
+              <a:rPr lang="de-DE" sz="1400" dirty="0">
+                <a:effectLst/>
+                <a:latin typeface="Menlo" panose="020B0609030804020204" pitchFamily="49" charset="0"/>
+              </a:rPr>
+              <a:t>/</a:t>
+            </a:r>
+            <a:r>
+              <a:rPr lang="de-DE" sz="1400" dirty="0" err="1">
+                <a:effectLst/>
+                <a:latin typeface="Menlo" panose="020B0609030804020204" pitchFamily="49" charset="0"/>
+              </a:rPr>
+              <a:t>Volumes</a:t>
+            </a:r>
+            <a:r>
+              <a:rPr lang="de-DE" sz="1400" dirty="0">
+                <a:effectLst/>
+                <a:latin typeface="Menlo" panose="020B0609030804020204" pitchFamily="49" charset="0"/>
+              </a:rPr>
+              <a:t>/BIGWD8/</a:t>
+            </a:r>
+            <a:r>
+              <a:rPr lang="de-DE" sz="1400" dirty="0" err="1">
+                <a:effectLst/>
+                <a:latin typeface="Menlo" panose="020B0609030804020204" pitchFamily="49" charset="0"/>
+              </a:rPr>
+              <a:t>Datalake</a:t>
+            </a:r>
+            <a:r>
+              <a:rPr lang="de-DE" sz="1400" dirty="0">
+                <a:effectLst/>
+                <a:latin typeface="Menlo" panose="020B0609030804020204" pitchFamily="49" charset="0"/>
+              </a:rPr>
+              <a:t>/chess/</a:t>
+            </a:r>
+            <a:r>
+              <a:rPr lang="de-DE" sz="1400" dirty="0" err="1">
+                <a:effectLst/>
+                <a:latin typeface="Menlo" panose="020B0609030804020204" pitchFamily="49" charset="0"/>
+              </a:rPr>
+              <a:t>lichess_downloads</a:t>
+            </a:r>
+            <a:r>
+              <a:rPr lang="de-DE" sz="1400" dirty="0">
+                <a:effectLst/>
+                <a:latin typeface="Menlo" panose="020B0609030804020204" pitchFamily="49" charset="0"/>
+              </a:rPr>
+              <a:t>/</a:t>
+            </a:r>
+            <a:r>
+              <a:rPr lang="de-DE" sz="1400" dirty="0" err="1">
+                <a:effectLst/>
+                <a:latin typeface="Menlo" panose="020B0609030804020204" pitchFamily="49" charset="0"/>
+              </a:rPr>
+              <a:t>pgn_split</a:t>
+            </a:r>
+            <a:r>
+              <a:rPr lang="de-DE" sz="1400" dirty="0"/>
+              <a:t>)</a:t>
             </a:r>
           </a:p>
         </p:txBody>
@@ -7384,7 +8829,7 @@
           <p:cNvPr id="19" name="Pfeil nach rechts 18">
             <a:extLst>
               <a:ext uri="{FF2B5EF4-FFF2-40B4-BE49-F238E27FC236}">
-                <a16:creationId xmlns:a16="http://schemas.microsoft.com/office/drawing/2014/main" id="{3A80C7EF-809E-A6E8-1636-FFA9EC259D8A}"/>
+                <a16:creationId xmlns:a16="http://schemas.microsoft.com/office/drawing/2014/main" id="{D91ADCB0-EF61-8960-3DDC-1D796DB19DA3}"/>
               </a:ext>
             </a:extLst>
           </p:cNvPr>
@@ -7433,7 +8878,7 @@
           <p:cNvPr id="20" name="Mehrere Dokumente 19">
             <a:extLst>
               <a:ext uri="{FF2B5EF4-FFF2-40B4-BE49-F238E27FC236}">
-                <a16:creationId xmlns:a16="http://schemas.microsoft.com/office/drawing/2014/main" id="{EE6F7461-1DD3-E97B-C857-FE095C124739}"/>
+                <a16:creationId xmlns:a16="http://schemas.microsoft.com/office/drawing/2014/main" id="{54B63433-10F3-715D-D847-DD8A549A0377}"/>
               </a:ext>
             </a:extLst>
           </p:cNvPr>
@@ -7479,7 +8924,7 @@
           <p:cNvPr id="22" name="Inhaltsplatzhalter 2">
             <a:extLst>
               <a:ext uri="{FF2B5EF4-FFF2-40B4-BE49-F238E27FC236}">
-                <a16:creationId xmlns:a16="http://schemas.microsoft.com/office/drawing/2014/main" id="{06CBFAA4-B294-DB7E-C357-304802C66536}"/>
+                <a16:creationId xmlns:a16="http://schemas.microsoft.com/office/drawing/2014/main" id="{52F19054-B1DD-7535-00C0-D224A2BD5144}"/>
               </a:ext>
             </a:extLst>
           </p:cNvPr>
@@ -7490,8 +8935,8 @@
         </p:nvSpPr>
         <p:spPr>
           <a:xfrm>
-            <a:off x="8561660" y="1461039"/>
-            <a:ext cx="2144112" cy="561463"/>
+            <a:off x="8292662" y="1293897"/>
+            <a:ext cx="2413110" cy="728605"/>
           </a:xfrm>
           <a:prstGeom prst="rect">
             <a:avLst/>
@@ -7499,7 +8944,7 @@
         </p:spPr>
         <p:txBody>
           <a:bodyPr vert="horz" lIns="91440" tIns="45720" rIns="91440" bIns="45720" rtlCol="0">
-            <a:normAutofit/>
+            <a:normAutofit fontScale="70000" lnSpcReduction="20000"/>
           </a:bodyPr>
           <a:lstStyle>
             <a:lvl1pPr marL="228600" indent="-228600" algn="l" defTabSz="914400" rtl="0" eaLnBrk="1" latinLnBrk="0" hangingPunct="1">
@@ -7667,7 +9112,6 @@
           </a:lstStyle>
           <a:p>
             <a:pPr marL="0" indent="0">
-              <a:buFont typeface="Arial" panose="020B0604020202020204" pitchFamily="34" charset="0"/>
               <a:buNone/>
             </a:pPr>
             <a:r>
@@ -7680,7 +9124,117 @@
             </a:r>
             <a:r>
               <a:rPr lang="de-DE" sz="1400" dirty="0"/>
-              <a:t> Folder</a:t>
+              <a:t> Folder (</a:t>
+            </a:r>
+            <a:r>
+              <a:rPr lang="de-DE" sz="1400" dirty="0">
+                <a:solidFill>
+                  <a:srgbClr val="000000"/>
+                </a:solidFill>
+                <a:effectLst/>
+                <a:latin typeface="Menlo" panose="020B0609030804020204" pitchFamily="49" charset="0"/>
+              </a:rPr>
+              <a:t>/</a:t>
+            </a:r>
+            <a:r>
+              <a:rPr lang="de-DE" sz="1400" dirty="0" err="1">
+                <a:solidFill>
+                  <a:srgbClr val="000000"/>
+                </a:solidFill>
+                <a:effectLst/>
+                <a:latin typeface="Menlo" panose="020B0609030804020204" pitchFamily="49" charset="0"/>
+              </a:rPr>
+              <a:t>Volumes</a:t>
+            </a:r>
+            <a:r>
+              <a:rPr lang="de-DE" sz="1400" dirty="0">
+                <a:solidFill>
+                  <a:srgbClr val="000000"/>
+                </a:solidFill>
+                <a:effectLst/>
+                <a:latin typeface="Menlo" panose="020B0609030804020204" pitchFamily="49" charset="0"/>
+              </a:rPr>
+              <a:t>/BIGWD8/</a:t>
+            </a:r>
+            <a:r>
+              <a:rPr lang="de-DE" sz="1400" dirty="0" err="1">
+                <a:solidFill>
+                  <a:srgbClr val="000000"/>
+                </a:solidFill>
+                <a:effectLst/>
+                <a:latin typeface="Menlo" panose="020B0609030804020204" pitchFamily="49" charset="0"/>
+              </a:rPr>
+              <a:t>Datalake</a:t>
+            </a:r>
+            <a:r>
+              <a:rPr lang="de-DE" sz="1400" dirty="0">
+                <a:solidFill>
+                  <a:srgbClr val="000000"/>
+                </a:solidFill>
+                <a:effectLst/>
+                <a:latin typeface="Menlo" panose="020B0609030804020204" pitchFamily="49" charset="0"/>
+              </a:rPr>
+              <a:t>/chess/</a:t>
+            </a:r>
+            <a:r>
+              <a:rPr lang="de-DE" sz="1400" dirty="0" err="1">
+                <a:solidFill>
+                  <a:srgbClr val="000000"/>
+                </a:solidFill>
+                <a:effectLst/>
+                <a:latin typeface="Menlo" panose="020B0609030804020204" pitchFamily="49" charset="0"/>
+              </a:rPr>
+              <a:t>lichess_downloads</a:t>
+            </a:r>
+            <a:r>
+              <a:rPr lang="de-DE" sz="1400" dirty="0">
+                <a:solidFill>
+                  <a:srgbClr val="000000"/>
+                </a:solidFill>
+                <a:effectLst/>
+                <a:latin typeface="Menlo" panose="020B0609030804020204" pitchFamily="49" charset="0"/>
+              </a:rPr>
+              <a:t>/</a:t>
+            </a:r>
+            <a:r>
+              <a:rPr lang="de-DE" sz="1400" dirty="0" err="1">
+                <a:solidFill>
+                  <a:srgbClr val="000000"/>
+                </a:solidFill>
+                <a:effectLst/>
+                <a:latin typeface="Menlo" panose="020B0609030804020204" pitchFamily="49" charset="0"/>
+              </a:rPr>
+              <a:t>eco</a:t>
+            </a:r>
+            <a:r>
+              <a:rPr lang="de-DE" sz="1400" dirty="0">
+                <a:solidFill>
+                  <a:srgbClr val="000000"/>
+                </a:solidFill>
+                <a:effectLst/>
+                <a:latin typeface="Menlo" panose="020B0609030804020204" pitchFamily="49" charset="0"/>
+              </a:rPr>
+              <a:t> </a:t>
+            </a:r>
+            <a:r>
+              <a:rPr lang="de-DE" sz="1400" dirty="0"/>
+              <a:t>) (</a:t>
+            </a:r>
+            <a:r>
+              <a:rPr lang="de-DE" sz="1400" dirty="0" err="1"/>
+              <a:t>One</a:t>
+            </a:r>
+            <a:r>
+              <a:rPr lang="de-DE" sz="1400" dirty="0"/>
+              <a:t> File per Code and </a:t>
+            </a:r>
+            <a:r>
+              <a:rPr lang="de-DE" sz="1400" dirty="0" err="1"/>
+              <a:t>Month</a:t>
+            </a:r>
+            <a:r>
+              <a:rPr lang="de-DE" sz="1400" dirty="0"/>
+              <a:t>)</a:t>
             </a:r>
           </a:p>
         </p:txBody>
@@ -7690,7 +9244,7 @@
           <p:cNvPr id="23" name="Inhaltsplatzhalter 2">
             <a:extLst>
               <a:ext uri="{FF2B5EF4-FFF2-40B4-BE49-F238E27FC236}">
-                <a16:creationId xmlns:a16="http://schemas.microsoft.com/office/drawing/2014/main" id="{E220BF80-79E9-948D-FB7B-7DCEF9DD28EF}"/>
+                <a16:creationId xmlns:a16="http://schemas.microsoft.com/office/drawing/2014/main" id="{5B1FE012-A143-23E8-7856-1E50C2DAB908}"/>
               </a:ext>
             </a:extLst>
           </p:cNvPr>
@@ -7966,7 +9520,7 @@
           <p:cNvPr id="25" name="Mehrere Dokumente 24">
             <a:extLst>
               <a:ext uri="{FF2B5EF4-FFF2-40B4-BE49-F238E27FC236}">
-                <a16:creationId xmlns:a16="http://schemas.microsoft.com/office/drawing/2014/main" id="{006BC3CD-A20C-3B1E-DB8F-19BE1C5F7CA2}"/>
+                <a16:creationId xmlns:a16="http://schemas.microsoft.com/office/drawing/2014/main" id="{C4A22B89-F87E-DC6C-306C-B8FF0CA1AEC6}"/>
               </a:ext>
             </a:extLst>
           </p:cNvPr>
@@ -8012,7 +9566,7 @@
           <p:cNvPr id="26" name="Inhaltsplatzhalter 2">
             <a:extLst>
               <a:ext uri="{FF2B5EF4-FFF2-40B4-BE49-F238E27FC236}">
-                <a16:creationId xmlns:a16="http://schemas.microsoft.com/office/drawing/2014/main" id="{FA786B1C-77E9-15C2-397D-DB6A0DBB7524}"/>
+                <a16:creationId xmlns:a16="http://schemas.microsoft.com/office/drawing/2014/main" id="{658C8907-7759-1709-3B9F-D204D201DC1D}"/>
               </a:ext>
             </a:extLst>
           </p:cNvPr>
@@ -8023,8 +9577,8 @@
         </p:nvSpPr>
         <p:spPr>
           <a:xfrm>
-            <a:off x="6086753" y="5678244"/>
-            <a:ext cx="1499196" cy="561463"/>
+            <a:off x="8815452" y="5591373"/>
+            <a:ext cx="2925039" cy="1083892"/>
           </a:xfrm>
           <a:prstGeom prst="rect">
             <a:avLst/>
@@ -8200,7 +9754,6 @@
           </a:lstStyle>
           <a:p>
             <a:pPr marL="0" indent="0">
-              <a:buFont typeface="Arial" panose="020B0604020202020204" pitchFamily="34" charset="0"/>
               <a:buNone/>
             </a:pPr>
             <a:r>
@@ -8218,6 +9771,74 @@
               <a:rPr lang="de-DE" sz="1400" dirty="0"/>
               <a:t>Games Folder</a:t>
             </a:r>
+            <a:br>
+              <a:rPr lang="de-DE" sz="1400" dirty="0"/>
+            </a:br>
+            <a:r>
+              <a:rPr lang="de-DE" sz="1400" dirty="0"/>
+              <a:t>(</a:t>
+            </a:r>
+            <a:r>
+              <a:rPr lang="de-DE" sz="1400" dirty="0">
+                <a:effectLst/>
+                <a:latin typeface="Menlo" panose="020B0609030804020204" pitchFamily="49" charset="0"/>
+              </a:rPr>
+              <a:t>/Users/</a:t>
+            </a:r>
+            <a:r>
+              <a:rPr lang="de-DE" sz="1400" dirty="0" err="1">
+                <a:effectLst/>
+                <a:latin typeface="Menlo" panose="020B0609030804020204" pitchFamily="49" charset="0"/>
+              </a:rPr>
+              <a:t>littlecapa</a:t>
+            </a:r>
+            <a:r>
+              <a:rPr lang="de-DE" sz="1400" dirty="0">
+                <a:effectLst/>
+                <a:latin typeface="Menlo" panose="020B0609030804020204" pitchFamily="49" charset="0"/>
+              </a:rPr>
+              <a:t>/Desktop/</a:t>
+            </a:r>
+            <a:r>
+              <a:rPr lang="de-DE" sz="1400" dirty="0" err="1">
+                <a:effectLst/>
+                <a:latin typeface="Menlo" panose="020B0609030804020204" pitchFamily="49" charset="0"/>
+              </a:rPr>
+              <a:t>commented</a:t>
+            </a:r>
+            <a:r>
+              <a:rPr lang="de-DE" sz="1400" dirty="0"/>
+              <a:t>) </a:t>
+            </a:r>
+            <a:r>
+              <a:rPr lang="de-DE" sz="1400" dirty="0" err="1"/>
+              <a:t>have</a:t>
+            </a:r>
+            <a:r>
+              <a:rPr lang="de-DE" sz="1400" dirty="0"/>
+              <a:t> </a:t>
+            </a:r>
+            <a:r>
+              <a:rPr lang="de-DE" sz="1400" dirty="0" err="1"/>
+              <a:t>to</a:t>
+            </a:r>
+            <a:r>
+              <a:rPr lang="de-DE" sz="1400" dirty="0"/>
+              <a:t> </a:t>
+            </a:r>
+            <a:r>
+              <a:rPr lang="de-DE" sz="1400" dirty="0" err="1"/>
+              <a:t>rename</a:t>
+            </a:r>
+            <a:r>
+              <a:rPr lang="de-DE" sz="1400" dirty="0"/>
+              <a:t> </a:t>
+            </a:r>
+            <a:r>
+              <a:rPr lang="de-DE" sz="1400" dirty="0" err="1"/>
+              <a:t>it</a:t>
+            </a:r>
+            <a:endParaRPr lang="de-DE" sz="1400" dirty="0"/>
           </a:p>
         </p:txBody>
       </p:sp>
@@ -8226,7 +9847,7 @@
           <p:cNvPr id="27" name="Pfeil nach rechts 26">
             <a:extLst>
               <a:ext uri="{FF2B5EF4-FFF2-40B4-BE49-F238E27FC236}">
-                <a16:creationId xmlns:a16="http://schemas.microsoft.com/office/drawing/2014/main" id="{1598ED86-84D2-909B-6699-55968BA9CAA4}"/>
+                <a16:creationId xmlns:a16="http://schemas.microsoft.com/office/drawing/2014/main" id="{288FB0F2-2657-AB2A-BAAD-D874E9D8A5EE}"/>
               </a:ext>
             </a:extLst>
           </p:cNvPr>
@@ -8275,7 +9896,7 @@
           <p:cNvPr id="28" name="Inhaltsplatzhalter 2">
             <a:extLst>
               <a:ext uri="{FF2B5EF4-FFF2-40B4-BE49-F238E27FC236}">
-                <a16:creationId xmlns:a16="http://schemas.microsoft.com/office/drawing/2014/main" id="{9D8AE4C5-8761-45E6-22CE-E1E0EB38F7E9}"/>
+                <a16:creationId xmlns:a16="http://schemas.microsoft.com/office/drawing/2014/main" id="{457B51C7-85A8-44FD-2E32-33669089B24C}"/>
               </a:ext>
             </a:extLst>
           </p:cNvPr>
@@ -8295,7 +9916,7 @@
         </p:spPr>
         <p:txBody>
           <a:bodyPr vert="horz" lIns="91440" tIns="45720" rIns="91440" bIns="45720" rtlCol="0">
-            <a:normAutofit fontScale="85000" lnSpcReduction="10000"/>
+            <a:normAutofit fontScale="70000" lnSpcReduction="20000"/>
           </a:bodyPr>
           <a:lstStyle>
             <a:lvl1pPr marL="228600" indent="-228600" algn="l" defTabSz="914400" rtl="0" eaLnBrk="1" latinLnBrk="0" hangingPunct="1">
@@ -8614,7 +10235,27 @@
                 <a:effectLst/>
                 <a:latin typeface="Menlo" panose="020B0609030804020204" pitchFamily="49" charset="0"/>
               </a:rPr>
-              <a:t>)</a:t>
+              <a:t>) (</a:t>
+            </a:r>
+            <a:r>
+              <a:rPr lang="de-DE" sz="1400" dirty="0" err="1">
+                <a:solidFill>
+                  <a:srgbClr val="000000"/>
+                </a:solidFill>
+                <a:effectLst/>
+                <a:latin typeface="Menlo" panose="020B0609030804020204" pitchFamily="49" charset="0"/>
+              </a:rPr>
+              <a:t>currently</a:t>
+            </a:r>
+            <a:r>
+              <a:rPr lang="de-DE" sz="1400" dirty="0">
+                <a:solidFill>
+                  <a:srgbClr val="000000"/>
+                </a:solidFill>
+                <a:effectLst/>
+                <a:latin typeface="Menlo" panose="020B0609030804020204" pitchFamily="49" charset="0"/>
+              </a:rPr>
+              <a:t> 40 Half Moves)</a:t>
             </a:r>
           </a:p>
         </p:txBody>
@@ -8624,7 +10265,7 @@
           <p:cNvPr id="29" name="Zylinder 28">
             <a:extLst>
               <a:ext uri="{FF2B5EF4-FFF2-40B4-BE49-F238E27FC236}">
-                <a16:creationId xmlns:a16="http://schemas.microsoft.com/office/drawing/2014/main" id="{CDF16C13-01B8-06FB-574D-116A74D38F39}"/>
+                <a16:creationId xmlns:a16="http://schemas.microsoft.com/office/drawing/2014/main" id="{3AE77202-9C8E-4F40-8FF5-F317FAA360A6}"/>
               </a:ext>
             </a:extLst>
           </p:cNvPr>
@@ -8676,7 +10317,7 @@
           <p:cNvPr id="30" name="Pfeil nach rechts 29">
             <a:extLst>
               <a:ext uri="{FF2B5EF4-FFF2-40B4-BE49-F238E27FC236}">
-                <a16:creationId xmlns:a16="http://schemas.microsoft.com/office/drawing/2014/main" id="{37E29B79-7398-0070-D5BD-8CD75ECFE8E7}"/>
+                <a16:creationId xmlns:a16="http://schemas.microsoft.com/office/drawing/2014/main" id="{86A84176-8915-12A7-2777-0492AEB6C75C}"/>
               </a:ext>
             </a:extLst>
           </p:cNvPr>
@@ -8725,7 +10366,7 @@
           <p:cNvPr id="32" name="Inhaltsplatzhalter 2">
             <a:extLst>
               <a:ext uri="{FF2B5EF4-FFF2-40B4-BE49-F238E27FC236}">
-                <a16:creationId xmlns:a16="http://schemas.microsoft.com/office/drawing/2014/main" id="{10EAD7B0-88C6-9098-24B5-60ECE8F8125C}"/>
+                <a16:creationId xmlns:a16="http://schemas.microsoft.com/office/drawing/2014/main" id="{BFAA3D91-8E9D-4994-A4BF-3773185BA130}"/>
               </a:ext>
             </a:extLst>
           </p:cNvPr>
@@ -9114,10 +10755,577 @@
           </a:p>
         </p:txBody>
       </p:sp>
+      <p:sp>
+        <p:nvSpPr>
+          <p:cNvPr id="3" name="Mehrere Dokumente 2">
+            <a:extLst>
+              <a:ext uri="{FF2B5EF4-FFF2-40B4-BE49-F238E27FC236}">
+                <a16:creationId xmlns:a16="http://schemas.microsoft.com/office/drawing/2014/main" id="{28349624-B8E4-3F46-B0B6-1085FF8F470C}"/>
+              </a:ext>
+            </a:extLst>
+          </p:cNvPr>
+          <p:cNvSpPr/>
+          <p:nvPr/>
+        </p:nvSpPr>
+        <p:spPr>
+          <a:xfrm>
+            <a:off x="8886884" y="4424282"/>
+            <a:ext cx="1408385" cy="822434"/>
+          </a:xfrm>
+          <a:prstGeom prst="flowChartMultidocument">
+            <a:avLst/>
+          </a:prstGeom>
+        </p:spPr>
+        <p:style>
+          <a:lnRef idx="2">
+            <a:schemeClr val="accent1">
+              <a:shade val="15000"/>
+            </a:schemeClr>
+          </a:lnRef>
+          <a:fillRef idx="1">
+            <a:schemeClr val="accent1"/>
+          </a:fillRef>
+          <a:effectRef idx="0">
+            <a:schemeClr val="accent1"/>
+          </a:effectRef>
+          <a:fontRef idx="minor">
+            <a:schemeClr val="lt1"/>
+          </a:fontRef>
+        </p:style>
+        <p:txBody>
+          <a:bodyPr rtlCol="0" anchor="ctr"/>
+          <a:lstStyle/>
+          <a:p>
+            <a:pPr algn="ctr"/>
+            <a:r>
+              <a:rPr lang="de-DE" dirty="0" err="1"/>
+              <a:t>Concat</a:t>
+            </a:r>
+            <a:endParaRPr lang="de-DE" dirty="0"/>
+          </a:p>
+        </p:txBody>
+      </p:sp>
+      <p:sp>
+        <p:nvSpPr>
+          <p:cNvPr id="5" name="Textfeld 4">
+            <a:extLst>
+              <a:ext uri="{FF2B5EF4-FFF2-40B4-BE49-F238E27FC236}">
+                <a16:creationId xmlns:a16="http://schemas.microsoft.com/office/drawing/2014/main" id="{DD4DAAB0-7772-8C17-9A94-04E1B7A3DAA4}"/>
+              </a:ext>
+            </a:extLst>
+          </p:cNvPr>
+          <p:cNvSpPr txBox="1"/>
+          <p:nvPr/>
+        </p:nvSpPr>
+        <p:spPr>
+          <a:xfrm>
+            <a:off x="9011791" y="2954721"/>
+            <a:ext cx="2695742" cy="1200329"/>
+          </a:xfrm>
+          <a:prstGeom prst="rect">
+            <a:avLst/>
+          </a:prstGeom>
+          <a:noFill/>
+        </p:spPr>
+        <p:txBody>
+          <a:bodyPr wrap="square">
+            <a:spAutoFit/>
+          </a:bodyPr>
+          <a:lstStyle/>
+          <a:p>
+            <a:r>
+              <a:rPr lang="de-DE" dirty="0" err="1">
+                <a:effectLst/>
+                <a:latin typeface="Menlo" panose="020B0609030804020204" pitchFamily="49" charset="0"/>
+              </a:rPr>
+              <a:t>volumes</a:t>
+            </a:r>
+            <a:r>
+              <a:rPr lang="de-DE" dirty="0">
+                <a:effectLst/>
+                <a:latin typeface="Menlo" panose="020B0609030804020204" pitchFamily="49" charset="0"/>
+              </a:rPr>
+              <a:t>/BIGWD8/</a:t>
+            </a:r>
+            <a:r>
+              <a:rPr lang="de-DE" dirty="0" err="1">
+                <a:effectLst/>
+                <a:latin typeface="Menlo" panose="020B0609030804020204" pitchFamily="49" charset="0"/>
+              </a:rPr>
+              <a:t>Datalake</a:t>
+            </a:r>
+            <a:r>
+              <a:rPr lang="de-DE" dirty="0">
+                <a:effectLst/>
+                <a:latin typeface="Menlo" panose="020B0609030804020204" pitchFamily="49" charset="0"/>
+              </a:rPr>
+              <a:t>/chess/</a:t>
+            </a:r>
+            <a:r>
+              <a:rPr lang="de-DE" dirty="0" err="1">
+                <a:effectLst/>
+                <a:latin typeface="Menlo" panose="020B0609030804020204" pitchFamily="49" charset="0"/>
+              </a:rPr>
+              <a:t>lichess_downloads</a:t>
+            </a:r>
+            <a:r>
+              <a:rPr lang="de-DE" dirty="0">
+                <a:effectLst/>
+                <a:latin typeface="Menlo" panose="020B0609030804020204" pitchFamily="49" charset="0"/>
+              </a:rPr>
+              <a:t>/</a:t>
+            </a:r>
+            <a:r>
+              <a:rPr lang="de-DE" dirty="0" err="1">
+                <a:effectLst/>
+                <a:latin typeface="Menlo" panose="020B0609030804020204" pitchFamily="49" charset="0"/>
+              </a:rPr>
+              <a:t>concat</a:t>
+            </a:r>
+            <a:r>
+              <a:rPr lang="de-DE" dirty="0">
+                <a:effectLst/>
+                <a:latin typeface="Menlo" panose="020B0609030804020204" pitchFamily="49" charset="0"/>
+              </a:rPr>
+              <a:t>/</a:t>
+            </a:r>
+            <a:r>
+              <a:rPr lang="de-DE" dirty="0" err="1">
+                <a:effectLst/>
+                <a:latin typeface="Menlo" panose="020B0609030804020204" pitchFamily="49" charset="0"/>
+              </a:rPr>
+              <a:t>eco</a:t>
+            </a:r>
+            <a:endParaRPr lang="de-DE" dirty="0">
+              <a:effectLst/>
+              <a:latin typeface="Menlo" panose="020B0609030804020204" pitchFamily="49" charset="0"/>
+            </a:endParaRPr>
+          </a:p>
+        </p:txBody>
+      </p:sp>
+      <p:sp>
+        <p:nvSpPr>
+          <p:cNvPr id="11" name="Textfeld 10">
+            <a:extLst>
+              <a:ext uri="{FF2B5EF4-FFF2-40B4-BE49-F238E27FC236}">
+                <a16:creationId xmlns:a16="http://schemas.microsoft.com/office/drawing/2014/main" id="{C24A31A8-8A09-695B-5DFE-D4F9BF755549}"/>
+              </a:ext>
+            </a:extLst>
+          </p:cNvPr>
+          <p:cNvSpPr txBox="1"/>
+          <p:nvPr/>
+        </p:nvSpPr>
+        <p:spPr>
+          <a:xfrm>
+            <a:off x="6170269" y="5166196"/>
+            <a:ext cx="2368289" cy="1384995"/>
+          </a:xfrm>
+          <a:prstGeom prst="rect">
+            <a:avLst/>
+          </a:prstGeom>
+          <a:noFill/>
+        </p:spPr>
+        <p:txBody>
+          <a:bodyPr wrap="square">
+            <a:spAutoFit/>
+          </a:bodyPr>
+          <a:lstStyle/>
+          <a:p>
+            <a:pPr marL="0" indent="0">
+              <a:buNone/>
+            </a:pPr>
+            <a:r>
+              <a:rPr lang="de-DE" sz="1400" dirty="0" err="1"/>
+              <a:t>Eval</a:t>
+            </a:r>
+            <a:r>
+              <a:rPr lang="de-DE" sz="1400" dirty="0"/>
+              <a:t> Folder (</a:t>
+            </a:r>
+            <a:r>
+              <a:rPr lang="de-DE" sz="1400" dirty="0">
+                <a:solidFill>
+                  <a:srgbClr val="000000"/>
+                </a:solidFill>
+                <a:effectLst/>
+                <a:latin typeface="Menlo" panose="020B0609030804020204" pitchFamily="49" charset="0"/>
+              </a:rPr>
+              <a:t>/</a:t>
+            </a:r>
+            <a:r>
+              <a:rPr lang="de-DE" sz="1400" dirty="0" err="1">
+                <a:solidFill>
+                  <a:srgbClr val="000000"/>
+                </a:solidFill>
+                <a:effectLst/>
+                <a:latin typeface="Menlo" panose="020B0609030804020204" pitchFamily="49" charset="0"/>
+              </a:rPr>
+              <a:t>Volumes</a:t>
+            </a:r>
+            <a:r>
+              <a:rPr lang="de-DE" sz="1400" dirty="0">
+                <a:solidFill>
+                  <a:srgbClr val="000000"/>
+                </a:solidFill>
+                <a:effectLst/>
+                <a:latin typeface="Menlo" panose="020B0609030804020204" pitchFamily="49" charset="0"/>
+              </a:rPr>
+              <a:t>/BIGWD8/</a:t>
+            </a:r>
+            <a:r>
+              <a:rPr lang="de-DE" sz="1400" dirty="0" err="1">
+                <a:solidFill>
+                  <a:srgbClr val="000000"/>
+                </a:solidFill>
+                <a:effectLst/>
+                <a:latin typeface="Menlo" panose="020B0609030804020204" pitchFamily="49" charset="0"/>
+              </a:rPr>
+              <a:t>Datalake</a:t>
+            </a:r>
+            <a:r>
+              <a:rPr lang="de-DE" sz="1400" dirty="0">
+                <a:solidFill>
+                  <a:srgbClr val="000000"/>
+                </a:solidFill>
+                <a:effectLst/>
+                <a:latin typeface="Menlo" panose="020B0609030804020204" pitchFamily="49" charset="0"/>
+              </a:rPr>
+              <a:t>/chess/</a:t>
+            </a:r>
+            <a:r>
+              <a:rPr lang="de-DE" sz="1400" dirty="0" err="1">
+                <a:solidFill>
+                  <a:srgbClr val="000000"/>
+                </a:solidFill>
+                <a:effectLst/>
+                <a:latin typeface="Menlo" panose="020B0609030804020204" pitchFamily="49" charset="0"/>
+              </a:rPr>
+              <a:t>lichess_downloads</a:t>
+            </a:r>
+            <a:r>
+              <a:rPr lang="de-DE" sz="1400" dirty="0">
+                <a:solidFill>
+                  <a:srgbClr val="000000"/>
+                </a:solidFill>
+                <a:effectLst/>
+                <a:latin typeface="Menlo" panose="020B0609030804020204" pitchFamily="49" charset="0"/>
+              </a:rPr>
+              <a:t>/</a:t>
+            </a:r>
+            <a:r>
+              <a:rPr lang="de-DE" sz="1400" dirty="0" err="1">
+                <a:solidFill>
+                  <a:srgbClr val="000000"/>
+                </a:solidFill>
+                <a:effectLst/>
+                <a:latin typeface="Menlo" panose="020B0609030804020204" pitchFamily="49" charset="0"/>
+              </a:rPr>
+              <a:t>eco</a:t>
+            </a:r>
+            <a:r>
+              <a:rPr lang="de-DE" sz="1400" dirty="0" err="1">
+                <a:solidFill>
+                  <a:srgbClr val="000000"/>
+                </a:solidFill>
+                <a:latin typeface="Menlo" panose="020B0609030804020204" pitchFamily="49" charset="0"/>
+              </a:rPr>
+              <a:t>_commented</a:t>
+            </a:r>
+            <a:r>
+              <a:rPr lang="de-DE" sz="1400" dirty="0"/>
+              <a:t>) (</a:t>
+            </a:r>
+            <a:r>
+              <a:rPr lang="de-DE" sz="1400" dirty="0" err="1"/>
+              <a:t>One</a:t>
+            </a:r>
+            <a:r>
+              <a:rPr lang="de-DE" sz="1400" dirty="0"/>
+              <a:t> File per Code and </a:t>
+            </a:r>
+            <a:r>
+              <a:rPr lang="de-DE" sz="1400" dirty="0" err="1"/>
+              <a:t>Month</a:t>
+            </a:r>
+            <a:r>
+              <a:rPr lang="de-DE" sz="1400" dirty="0"/>
+              <a:t>)</a:t>
+            </a:r>
+          </a:p>
+        </p:txBody>
+      </p:sp>
+      <p:sp>
+        <p:nvSpPr>
+          <p:cNvPr id="16" name="Textfeld 15">
+            <a:extLst>
+              <a:ext uri="{FF2B5EF4-FFF2-40B4-BE49-F238E27FC236}">
+                <a16:creationId xmlns:a16="http://schemas.microsoft.com/office/drawing/2014/main" id="{044F7877-87FE-4BAA-05E9-37A090110D5D}"/>
+              </a:ext>
+            </a:extLst>
+          </p:cNvPr>
+          <p:cNvSpPr txBox="1"/>
+          <p:nvPr/>
+        </p:nvSpPr>
+        <p:spPr>
+          <a:xfrm>
+            <a:off x="10351789" y="4070431"/>
+            <a:ext cx="1840211" cy="1200329"/>
+          </a:xfrm>
+          <a:prstGeom prst="rect">
+            <a:avLst/>
+          </a:prstGeom>
+          <a:noFill/>
+        </p:spPr>
+        <p:txBody>
+          <a:bodyPr wrap="square">
+            <a:spAutoFit/>
+          </a:bodyPr>
+          <a:lstStyle/>
+          <a:p>
+            <a:r>
+              <a:rPr lang="de-DE" sz="1200" dirty="0">
+                <a:solidFill>
+                  <a:srgbClr val="000000"/>
+                </a:solidFill>
+                <a:effectLst/>
+                <a:latin typeface="Menlo" panose="020B0609030804020204" pitchFamily="49" charset="0"/>
+              </a:rPr>
+              <a:t>/Users/</a:t>
+            </a:r>
+            <a:r>
+              <a:rPr lang="de-DE" sz="1200" dirty="0" err="1">
+                <a:solidFill>
+                  <a:srgbClr val="000000"/>
+                </a:solidFill>
+                <a:effectLst/>
+                <a:latin typeface="Menlo" panose="020B0609030804020204" pitchFamily="49" charset="0"/>
+              </a:rPr>
+              <a:t>littlecapa</a:t>
+            </a:r>
+            <a:r>
+              <a:rPr lang="de-DE" sz="1200" dirty="0">
+                <a:solidFill>
+                  <a:srgbClr val="000000"/>
+                </a:solidFill>
+                <a:effectLst/>
+                <a:latin typeface="Menlo" panose="020B0609030804020204" pitchFamily="49" charset="0"/>
+              </a:rPr>
+              <a:t>/GIT/</a:t>
+            </a:r>
+            <a:r>
+              <a:rPr lang="de-DE" sz="1200" dirty="0" err="1">
+                <a:solidFill>
+                  <a:srgbClr val="000000"/>
+                </a:solidFill>
+                <a:effectLst/>
+                <a:latin typeface="Menlo" panose="020B0609030804020204" pitchFamily="49" charset="0"/>
+              </a:rPr>
+              <a:t>django</a:t>
+            </a:r>
+            <a:r>
+              <a:rPr lang="de-DE" sz="1200" dirty="0">
+                <a:solidFill>
+                  <a:srgbClr val="000000"/>
+                </a:solidFill>
+                <a:effectLst/>
+                <a:latin typeface="Menlo" panose="020B0609030804020204" pitchFamily="49" charset="0"/>
+              </a:rPr>
+              <a:t>/</a:t>
+            </a:r>
+            <a:r>
+              <a:rPr lang="de-DE" sz="1200" dirty="0" err="1">
+                <a:solidFill>
+                  <a:srgbClr val="000000"/>
+                </a:solidFill>
+                <a:effectLst/>
+                <a:latin typeface="Menlo" panose="020B0609030804020204" pitchFamily="49" charset="0"/>
+              </a:rPr>
+              <a:t>dj_big_data_chess</a:t>
+            </a:r>
+            <a:r>
+              <a:rPr lang="de-DE" sz="1200" dirty="0">
+                <a:solidFill>
+                  <a:srgbClr val="000000"/>
+                </a:solidFill>
+                <a:effectLst/>
+                <a:latin typeface="Menlo" panose="020B0609030804020204" pitchFamily="49" charset="0"/>
+              </a:rPr>
+              <a:t>/</a:t>
+            </a:r>
+            <a:r>
+              <a:rPr lang="de-DE" sz="1200" dirty="0" err="1">
+                <a:solidFill>
+                  <a:srgbClr val="000000"/>
+                </a:solidFill>
+                <a:effectLst/>
+                <a:latin typeface="Menlo" panose="020B0609030804020204" pitchFamily="49" charset="0"/>
+              </a:rPr>
+              <a:t>big_data_chess</a:t>
+            </a:r>
+            <a:r>
+              <a:rPr lang="de-DE" sz="1200" dirty="0">
+                <a:solidFill>
+                  <a:srgbClr val="000000"/>
+                </a:solidFill>
+                <a:effectLst/>
+                <a:latin typeface="Menlo" panose="020B0609030804020204" pitchFamily="49" charset="0"/>
+              </a:rPr>
+              <a:t>/</a:t>
+            </a:r>
+            <a:r>
+              <a:rPr lang="de-DE" sz="1200" dirty="0" err="1">
+                <a:solidFill>
+                  <a:srgbClr val="000000"/>
+                </a:solidFill>
+                <a:effectLst/>
+                <a:latin typeface="Menlo" panose="020B0609030804020204" pitchFamily="49" charset="0"/>
+              </a:rPr>
+              <a:t>tests</a:t>
+            </a:r>
+            <a:r>
+              <a:rPr lang="de-DE" sz="1200" dirty="0">
+                <a:solidFill>
+                  <a:srgbClr val="000000"/>
+                </a:solidFill>
+                <a:effectLst/>
+                <a:latin typeface="Menlo" panose="020B0609030804020204" pitchFamily="49" charset="0"/>
+              </a:rPr>
+              <a:t>/</a:t>
+            </a:r>
+            <a:r>
+              <a:rPr lang="de-DE" sz="1200" dirty="0" err="1">
+                <a:solidFill>
+                  <a:srgbClr val="000000"/>
+                </a:solidFill>
+                <a:effectLst/>
+                <a:latin typeface="Menlo" panose="020B0609030804020204" pitchFamily="49" charset="0"/>
+              </a:rPr>
+              <a:t>playground</a:t>
+            </a:r>
+            <a:r>
+              <a:rPr lang="de-DE" sz="1200" dirty="0">
+                <a:solidFill>
+                  <a:srgbClr val="000000"/>
+                </a:solidFill>
+                <a:effectLst/>
+                <a:latin typeface="Menlo" panose="020B0609030804020204" pitchFamily="49" charset="0"/>
+              </a:rPr>
+              <a:t>/</a:t>
+            </a:r>
+            <a:r>
+              <a:rPr lang="de-DE" sz="1200" dirty="0" err="1">
+                <a:solidFill>
+                  <a:srgbClr val="000000"/>
+                </a:solidFill>
+                <a:effectLst/>
+                <a:latin typeface="Menlo" panose="020B0609030804020204" pitchFamily="49" charset="0"/>
+              </a:rPr>
+              <a:t>concat_pgn.sh</a:t>
+            </a:r>
+            <a:r>
+              <a:rPr lang="de-DE" sz="1200" dirty="0">
+                <a:solidFill>
+                  <a:srgbClr val="000000"/>
+                </a:solidFill>
+                <a:effectLst/>
+                <a:latin typeface="Menlo" panose="020B0609030804020204" pitchFamily="49" charset="0"/>
+              </a:rPr>
+              <a:t> </a:t>
+            </a:r>
+          </a:p>
+        </p:txBody>
+      </p:sp>
+      <p:sp>
+        <p:nvSpPr>
+          <p:cNvPr id="6" name="Textfeld 5">
+            <a:extLst>
+              <a:ext uri="{FF2B5EF4-FFF2-40B4-BE49-F238E27FC236}">
+                <a16:creationId xmlns:a16="http://schemas.microsoft.com/office/drawing/2014/main" id="{57911008-0BDC-D0F0-36E5-B5BBCF52D340}"/>
+              </a:ext>
+            </a:extLst>
+          </p:cNvPr>
+          <p:cNvSpPr txBox="1"/>
+          <p:nvPr/>
+        </p:nvSpPr>
+        <p:spPr>
+          <a:xfrm>
+            <a:off x="342190" y="902478"/>
+            <a:ext cx="6174826" cy="307777"/>
+          </a:xfrm>
+          <a:prstGeom prst="rect">
+            <a:avLst/>
+          </a:prstGeom>
+          <a:noFill/>
+        </p:spPr>
+        <p:txBody>
+          <a:bodyPr wrap="square">
+            <a:spAutoFit/>
+          </a:bodyPr>
+          <a:lstStyle/>
+          <a:p>
+            <a:r>
+              <a:rPr lang="de-DE" sz="1400" dirty="0">
+                <a:solidFill>
+                  <a:srgbClr val="000000"/>
+                </a:solidFill>
+                <a:latin typeface="Menlo" panose="020B0609030804020204" pitchFamily="49" charset="0"/>
+              </a:rPr>
+              <a:t>…</a:t>
+            </a:r>
+            <a:r>
+              <a:rPr lang="de-DE" sz="1400" dirty="0">
+                <a:solidFill>
+                  <a:srgbClr val="000000"/>
+                </a:solidFill>
+                <a:effectLst/>
+                <a:latin typeface="Menlo" panose="020B0609030804020204" pitchFamily="49" charset="0"/>
+              </a:rPr>
+              <a:t>/</a:t>
+            </a:r>
+            <a:r>
+              <a:rPr lang="de-DE" sz="1400" dirty="0" err="1">
+                <a:solidFill>
+                  <a:srgbClr val="000000"/>
+                </a:solidFill>
+                <a:effectLst/>
+                <a:latin typeface="Menlo" panose="020B0609030804020204" pitchFamily="49" charset="0"/>
+              </a:rPr>
+              <a:t>playground</a:t>
+            </a:r>
+            <a:r>
+              <a:rPr lang="de-DE" sz="1400" dirty="0">
+                <a:solidFill>
+                  <a:srgbClr val="000000"/>
+                </a:solidFill>
+                <a:effectLst/>
+                <a:latin typeface="Menlo" panose="020B0609030804020204" pitchFamily="49" charset="0"/>
+              </a:rPr>
+              <a:t>/</a:t>
+            </a:r>
+            <a:r>
+              <a:rPr lang="de-DE" sz="1400" dirty="0" err="1">
+                <a:solidFill>
+                  <a:srgbClr val="000000"/>
+                </a:solidFill>
+                <a:effectLst/>
+                <a:latin typeface="Menlo" panose="020B0609030804020204" pitchFamily="49" charset="0"/>
+              </a:rPr>
+              <a:t>pgn_split.py</a:t>
+            </a:r>
+            <a:endParaRPr lang="de-DE" sz="1400" dirty="0">
+              <a:solidFill>
+                <a:srgbClr val="000000"/>
+              </a:solidFill>
+              <a:effectLst/>
+              <a:latin typeface="Menlo" panose="020B0609030804020204" pitchFamily="49" charset="0"/>
+            </a:endParaRPr>
+          </a:p>
+        </p:txBody>
+      </p:sp>
     </p:spTree>
     <p:extLst>
       <p:ext uri="{BB962C8B-B14F-4D97-AF65-F5344CB8AC3E}">
-        <p14:creationId xmlns:p14="http://schemas.microsoft.com/office/powerpoint/2010/main" val="3606739366"/>
+        <p14:creationId xmlns:p14="http://schemas.microsoft.com/office/powerpoint/2010/main" val="3742331328"/>
       </p:ext>
     </p:extLst>
   </p:cSld>
@@ -9127,7 +11335,2891 @@
 </p:sld>
 </file>
 
-<file path=ppt/slides/slide4.xml><?xml version="1.0" encoding="utf-8"?>
+<file path=ppt/slides/slide5.xml><?xml version="1.0" encoding="utf-8"?>
+<p:sld xmlns:a="http://schemas.openxmlformats.org/drawingml/2006/main" xmlns:r="http://schemas.openxmlformats.org/officeDocument/2006/relationships" xmlns:p="http://schemas.openxmlformats.org/presentationml/2006/main">
+  <p:cSld>
+    <p:spTree>
+      <p:nvGrpSpPr>
+        <p:cNvPr id="1" name="">
+          <a:extLst>
+            <a:ext uri="{FF2B5EF4-FFF2-40B4-BE49-F238E27FC236}">
+              <a16:creationId xmlns:a16="http://schemas.microsoft.com/office/drawing/2014/main" id="{0785279D-3B13-4D19-C05E-B521BFD4E668}"/>
+            </a:ext>
+          </a:extLst>
+        </p:cNvPr>
+        <p:cNvGrpSpPr/>
+        <p:nvPr/>
+      </p:nvGrpSpPr>
+      <p:grpSpPr>
+        <a:xfrm>
+          <a:off x="0" y="0"/>
+          <a:ext cx="0" cy="0"/>
+          <a:chOff x="0" y="0"/>
+          <a:chExt cx="0" cy="0"/>
+        </a:xfrm>
+      </p:grpSpPr>
+      <p:sp>
+        <p:nvSpPr>
+          <p:cNvPr id="2" name="Titel 1">
+            <a:extLst>
+              <a:ext uri="{FF2B5EF4-FFF2-40B4-BE49-F238E27FC236}">
+                <a16:creationId xmlns:a16="http://schemas.microsoft.com/office/drawing/2014/main" id="{C76EB433-9475-0DE7-1119-8F74BFF7093A}"/>
+              </a:ext>
+            </a:extLst>
+          </p:cNvPr>
+          <p:cNvSpPr>
+            <a:spLocks noGrp="1"/>
+          </p:cNvSpPr>
+          <p:nvPr>
+            <p:ph type="title"/>
+          </p:nvPr>
+        </p:nvSpPr>
+        <p:spPr>
+          <a:xfrm>
+            <a:off x="0" y="0"/>
+            <a:ext cx="8886884" cy="953669"/>
+          </a:xfrm>
+        </p:spPr>
+        <p:txBody>
+          <a:bodyPr/>
+          <a:lstStyle/>
+          <a:p>
+            <a:r>
+              <a:rPr lang="de-DE" dirty="0" err="1"/>
+              <a:t>Step</a:t>
+            </a:r>
+            <a:r>
+              <a:rPr lang="de-DE" dirty="0"/>
+              <a:t> 3: </a:t>
+            </a:r>
+            <a:r>
+              <a:rPr lang="de-DE" dirty="0" err="1"/>
+              <a:t>Reduce</a:t>
+            </a:r>
+            <a:endParaRPr lang="de-DE" dirty="0"/>
+          </a:p>
+        </p:txBody>
+      </p:sp>
+      <p:sp>
+        <p:nvSpPr>
+          <p:cNvPr id="12" name="Mehrere Dokumente 11">
+            <a:extLst>
+              <a:ext uri="{FF2B5EF4-FFF2-40B4-BE49-F238E27FC236}">
+                <a16:creationId xmlns:a16="http://schemas.microsoft.com/office/drawing/2014/main" id="{D729C0F5-633D-4BD4-D823-C8FF7563CB3E}"/>
+              </a:ext>
+            </a:extLst>
+          </p:cNvPr>
+          <p:cNvSpPr/>
+          <p:nvPr/>
+        </p:nvSpPr>
+        <p:spPr>
+          <a:xfrm>
+            <a:off x="4876797" y="2154025"/>
+            <a:ext cx="1408385" cy="822434"/>
+          </a:xfrm>
+          <a:prstGeom prst="flowChartMultidocument">
+            <a:avLst/>
+          </a:prstGeom>
+        </p:spPr>
+        <p:style>
+          <a:lnRef idx="2">
+            <a:schemeClr val="accent1">
+              <a:shade val="15000"/>
+            </a:schemeClr>
+          </a:lnRef>
+          <a:fillRef idx="1">
+            <a:schemeClr val="accent1"/>
+          </a:fillRef>
+          <a:effectRef idx="0">
+            <a:schemeClr val="accent1"/>
+          </a:effectRef>
+          <a:fontRef idx="minor">
+            <a:schemeClr val="lt1"/>
+          </a:fontRef>
+        </p:style>
+        <p:txBody>
+          <a:bodyPr rtlCol="0" anchor="ctr"/>
+          <a:lstStyle/>
+          <a:p>
+            <a:pPr algn="ctr"/>
+            <a:endParaRPr lang="de-DE"/>
+          </a:p>
+        </p:txBody>
+      </p:sp>
+      <p:sp>
+        <p:nvSpPr>
+          <p:cNvPr id="15" name="Inhaltsplatzhalter 2">
+            <a:extLst>
+              <a:ext uri="{FF2B5EF4-FFF2-40B4-BE49-F238E27FC236}">
+                <a16:creationId xmlns:a16="http://schemas.microsoft.com/office/drawing/2014/main" id="{745CF0D5-7E3D-EA93-BC25-10B93D1F0434}"/>
+              </a:ext>
+            </a:extLst>
+          </p:cNvPr>
+          <p:cNvSpPr txBox="1">
+            <a:spLocks/>
+          </p:cNvSpPr>
+          <p:nvPr/>
+        </p:nvSpPr>
+        <p:spPr>
+          <a:xfrm>
+            <a:off x="4508933" y="1068835"/>
+            <a:ext cx="2764226" cy="953668"/>
+          </a:xfrm>
+          <a:prstGeom prst="rect">
+            <a:avLst/>
+          </a:prstGeom>
+        </p:spPr>
+        <p:txBody>
+          <a:bodyPr vert="horz" lIns="91440" tIns="45720" rIns="91440" bIns="45720" rtlCol="0">
+            <a:normAutofit fontScale="92500" lnSpcReduction="10000"/>
+          </a:bodyPr>
+          <a:lstStyle>
+            <a:lvl1pPr marL="228600" indent="-228600" algn="l" defTabSz="914400" rtl="0" eaLnBrk="1" latinLnBrk="0" hangingPunct="1">
+              <a:lnSpc>
+                <a:spcPct val="120000"/>
+              </a:lnSpc>
+              <a:spcBef>
+                <a:spcPts val="1000"/>
+              </a:spcBef>
+              <a:buFont typeface="Arial" panose="020B0604020202020204" pitchFamily="34" charset="0"/>
+              <a:buChar char="•"/>
+              <a:defRPr sz="1800" kern="1200">
+                <a:solidFill>
+                  <a:schemeClr val="tx1"/>
+                </a:solidFill>
+                <a:latin typeface="+mn-lt"/>
+                <a:ea typeface="+mn-ea"/>
+                <a:cs typeface="+mn-cs"/>
+              </a:defRPr>
+            </a:lvl1pPr>
+            <a:lvl2pPr marL="548640" indent="-228600" algn="l" defTabSz="914400" rtl="0" eaLnBrk="1" latinLnBrk="0" hangingPunct="1">
+              <a:lnSpc>
+                <a:spcPct val="120000"/>
+              </a:lnSpc>
+              <a:spcBef>
+                <a:spcPts val="500"/>
+              </a:spcBef>
+              <a:buFont typeface="Neue Haas Grotesk Text Pro" panose="020B0504020202020204" pitchFamily="34" charset="0"/>
+              <a:buChar char="–"/>
+              <a:defRPr sz="1600" kern="1200">
+                <a:solidFill>
+                  <a:schemeClr val="tx1"/>
+                </a:solidFill>
+                <a:latin typeface="+mn-lt"/>
+                <a:ea typeface="+mn-ea"/>
+                <a:cs typeface="+mn-cs"/>
+              </a:defRPr>
+            </a:lvl2pPr>
+            <a:lvl3pPr marL="777240" indent="-228600" algn="l" defTabSz="914400" rtl="0" eaLnBrk="1" latinLnBrk="0" hangingPunct="1">
+              <a:lnSpc>
+                <a:spcPct val="120000"/>
+              </a:lnSpc>
+              <a:spcBef>
+                <a:spcPts val="500"/>
+              </a:spcBef>
+              <a:buFont typeface="Arial" panose="020B0604020202020204" pitchFamily="34" charset="0"/>
+              <a:buChar char="•"/>
+              <a:defRPr sz="1400" kern="1200">
+                <a:solidFill>
+                  <a:schemeClr val="tx1"/>
+                </a:solidFill>
+                <a:latin typeface="+mn-lt"/>
+                <a:ea typeface="+mn-ea"/>
+                <a:cs typeface="+mn-cs"/>
+              </a:defRPr>
+            </a:lvl3pPr>
+            <a:lvl4pPr marL="914400" indent="-228600" algn="l" defTabSz="914400" rtl="0" eaLnBrk="1" latinLnBrk="0" hangingPunct="1">
+              <a:lnSpc>
+                <a:spcPct val="120000"/>
+              </a:lnSpc>
+              <a:spcBef>
+                <a:spcPts val="500"/>
+              </a:spcBef>
+              <a:buFont typeface="Neue Haas Grotesk Text Pro" panose="020B0504020202020204" pitchFamily="34" charset="0"/>
+              <a:buChar char="–"/>
+              <a:defRPr sz="1200" kern="1200">
+                <a:solidFill>
+                  <a:schemeClr val="tx1"/>
+                </a:solidFill>
+                <a:latin typeface="+mn-lt"/>
+                <a:ea typeface="+mn-ea"/>
+                <a:cs typeface="+mn-cs"/>
+              </a:defRPr>
+            </a:lvl4pPr>
+            <a:lvl5pPr marL="1097280" indent="-228600" algn="l" defTabSz="914400" rtl="0" eaLnBrk="1" latinLnBrk="0" hangingPunct="1">
+              <a:lnSpc>
+                <a:spcPct val="120000"/>
+              </a:lnSpc>
+              <a:spcBef>
+                <a:spcPts val="500"/>
+              </a:spcBef>
+              <a:buFont typeface="Arial" panose="020B0604020202020204" pitchFamily="34" charset="0"/>
+              <a:buChar char="•"/>
+              <a:defRPr sz="1200" kern="1200">
+                <a:solidFill>
+                  <a:schemeClr val="tx1"/>
+                </a:solidFill>
+                <a:latin typeface="+mn-lt"/>
+                <a:ea typeface="+mn-ea"/>
+                <a:cs typeface="+mn-cs"/>
+              </a:defRPr>
+            </a:lvl5pPr>
+            <a:lvl6pPr marL="2514600" indent="-228600" algn="l" defTabSz="914400" rtl="0" eaLnBrk="1" latinLnBrk="0" hangingPunct="1">
+              <a:lnSpc>
+                <a:spcPct val="90000"/>
+              </a:lnSpc>
+              <a:spcBef>
+                <a:spcPts val="500"/>
+              </a:spcBef>
+              <a:buFont typeface="Arial" panose="020B0604020202020204" pitchFamily="34" charset="0"/>
+              <a:buChar char="•"/>
+              <a:defRPr sz="1800" kern="1200">
+                <a:solidFill>
+                  <a:schemeClr val="tx1"/>
+                </a:solidFill>
+                <a:latin typeface="+mn-lt"/>
+                <a:ea typeface="+mn-ea"/>
+                <a:cs typeface="+mn-cs"/>
+              </a:defRPr>
+            </a:lvl6pPr>
+            <a:lvl7pPr marL="2971800" indent="-228600" algn="l" defTabSz="914400" rtl="0" eaLnBrk="1" latinLnBrk="0" hangingPunct="1">
+              <a:lnSpc>
+                <a:spcPct val="90000"/>
+              </a:lnSpc>
+              <a:spcBef>
+                <a:spcPts val="500"/>
+              </a:spcBef>
+              <a:buFont typeface="Arial" panose="020B0604020202020204" pitchFamily="34" charset="0"/>
+              <a:buChar char="•"/>
+              <a:defRPr sz="1800" kern="1200">
+                <a:solidFill>
+                  <a:schemeClr val="tx1"/>
+                </a:solidFill>
+                <a:latin typeface="+mn-lt"/>
+                <a:ea typeface="+mn-ea"/>
+                <a:cs typeface="+mn-cs"/>
+              </a:defRPr>
+            </a:lvl7pPr>
+            <a:lvl8pPr marL="3429000" indent="-228600" algn="l" defTabSz="914400" rtl="0" eaLnBrk="1" latinLnBrk="0" hangingPunct="1">
+              <a:lnSpc>
+                <a:spcPct val="90000"/>
+              </a:lnSpc>
+              <a:spcBef>
+                <a:spcPts val="500"/>
+              </a:spcBef>
+              <a:buFont typeface="Arial" panose="020B0604020202020204" pitchFamily="34" charset="0"/>
+              <a:buChar char="•"/>
+              <a:defRPr sz="1800" kern="1200">
+                <a:solidFill>
+                  <a:schemeClr val="tx1"/>
+                </a:solidFill>
+                <a:latin typeface="+mn-lt"/>
+                <a:ea typeface="+mn-ea"/>
+                <a:cs typeface="+mn-cs"/>
+              </a:defRPr>
+            </a:lvl8pPr>
+            <a:lvl9pPr marL="3886200" indent="-228600" algn="l" defTabSz="914400" rtl="0" eaLnBrk="1" latinLnBrk="0" hangingPunct="1">
+              <a:lnSpc>
+                <a:spcPct val="90000"/>
+              </a:lnSpc>
+              <a:spcBef>
+                <a:spcPts val="500"/>
+              </a:spcBef>
+              <a:buFont typeface="Arial" panose="020B0604020202020204" pitchFamily="34" charset="0"/>
+              <a:buChar char="•"/>
+              <a:defRPr sz="1800" kern="1200">
+                <a:solidFill>
+                  <a:schemeClr val="tx1"/>
+                </a:solidFill>
+                <a:latin typeface="+mn-lt"/>
+                <a:ea typeface="+mn-ea"/>
+                <a:cs typeface="+mn-cs"/>
+              </a:defRPr>
+            </a:lvl9pPr>
+          </a:lstStyle>
+          <a:p>
+            <a:pPr marL="0" indent="0">
+              <a:buNone/>
+            </a:pPr>
+            <a:r>
+              <a:rPr lang="de-DE" sz="1400" dirty="0"/>
+              <a:t>Split Folder (</a:t>
+            </a:r>
+            <a:r>
+              <a:rPr lang="de-DE" sz="1400" dirty="0">
+                <a:effectLst/>
+                <a:latin typeface="Menlo" panose="020B0609030804020204" pitchFamily="49" charset="0"/>
+              </a:rPr>
+              <a:t>/</a:t>
+            </a:r>
+            <a:r>
+              <a:rPr lang="de-DE" sz="1400" dirty="0" err="1">
+                <a:effectLst/>
+                <a:latin typeface="Menlo" panose="020B0609030804020204" pitchFamily="49" charset="0"/>
+              </a:rPr>
+              <a:t>Volumes</a:t>
+            </a:r>
+            <a:r>
+              <a:rPr lang="de-DE" sz="1400" dirty="0">
+                <a:effectLst/>
+                <a:latin typeface="Menlo" panose="020B0609030804020204" pitchFamily="49" charset="0"/>
+              </a:rPr>
+              <a:t>/BIGWD8/</a:t>
+            </a:r>
+            <a:r>
+              <a:rPr lang="de-DE" sz="1400" dirty="0" err="1">
+                <a:effectLst/>
+                <a:latin typeface="Menlo" panose="020B0609030804020204" pitchFamily="49" charset="0"/>
+              </a:rPr>
+              <a:t>Datalake</a:t>
+            </a:r>
+            <a:r>
+              <a:rPr lang="de-DE" sz="1400" dirty="0">
+                <a:effectLst/>
+                <a:latin typeface="Menlo" panose="020B0609030804020204" pitchFamily="49" charset="0"/>
+              </a:rPr>
+              <a:t>/chess/</a:t>
+            </a:r>
+            <a:r>
+              <a:rPr lang="de-DE" sz="1400" dirty="0" err="1">
+                <a:effectLst/>
+                <a:latin typeface="Menlo" panose="020B0609030804020204" pitchFamily="49" charset="0"/>
+              </a:rPr>
+              <a:t>lichess_downloads</a:t>
+            </a:r>
+            <a:r>
+              <a:rPr lang="de-DE" sz="1400" dirty="0">
+                <a:effectLst/>
+                <a:latin typeface="Menlo" panose="020B0609030804020204" pitchFamily="49" charset="0"/>
+              </a:rPr>
+              <a:t>/</a:t>
+            </a:r>
+            <a:r>
+              <a:rPr lang="de-DE" sz="1400" dirty="0" err="1">
+                <a:effectLst/>
+                <a:latin typeface="Menlo" panose="020B0609030804020204" pitchFamily="49" charset="0"/>
+              </a:rPr>
+              <a:t>pgn_split</a:t>
+            </a:r>
+            <a:r>
+              <a:rPr lang="de-DE" sz="1400" dirty="0"/>
+              <a:t>)</a:t>
+            </a:r>
+          </a:p>
+        </p:txBody>
+      </p:sp>
+      <p:sp>
+        <p:nvSpPr>
+          <p:cNvPr id="19" name="Pfeil nach rechts 18">
+            <a:extLst>
+              <a:ext uri="{FF2B5EF4-FFF2-40B4-BE49-F238E27FC236}">
+                <a16:creationId xmlns:a16="http://schemas.microsoft.com/office/drawing/2014/main" id="{4FB7632B-00E4-2B12-A0B3-A78212532243}"/>
+              </a:ext>
+            </a:extLst>
+          </p:cNvPr>
+          <p:cNvSpPr/>
+          <p:nvPr/>
+        </p:nvSpPr>
+        <p:spPr>
+          <a:xfrm>
+            <a:off x="6417547" y="2490688"/>
+            <a:ext cx="2144113" cy="93828"/>
+          </a:xfrm>
+          <a:prstGeom prst="rightArrow">
+            <a:avLst/>
+          </a:prstGeom>
+          <a:solidFill>
+            <a:schemeClr val="tx1"/>
+          </a:solidFill>
+        </p:spPr>
+        <p:style>
+          <a:lnRef idx="2">
+            <a:schemeClr val="accent1">
+              <a:shade val="15000"/>
+            </a:schemeClr>
+          </a:lnRef>
+          <a:fillRef idx="1">
+            <a:schemeClr val="accent1"/>
+          </a:fillRef>
+          <a:effectRef idx="0">
+            <a:schemeClr val="accent1"/>
+          </a:effectRef>
+          <a:fontRef idx="minor">
+            <a:schemeClr val="lt1"/>
+          </a:fontRef>
+        </p:style>
+        <p:txBody>
+          <a:bodyPr rtlCol="0" anchor="ctr"/>
+          <a:lstStyle/>
+          <a:p>
+            <a:pPr algn="ctr"/>
+            <a:endParaRPr lang="de-DE" dirty="0"/>
+          </a:p>
+        </p:txBody>
+      </p:sp>
+      <p:sp>
+        <p:nvSpPr>
+          <p:cNvPr id="20" name="Mehrere Dokumente 19">
+            <a:extLst>
+              <a:ext uri="{FF2B5EF4-FFF2-40B4-BE49-F238E27FC236}">
+                <a16:creationId xmlns:a16="http://schemas.microsoft.com/office/drawing/2014/main" id="{0B241699-92B9-9913-A47F-1DC81B773A5D}"/>
+              </a:ext>
+            </a:extLst>
+          </p:cNvPr>
+          <p:cNvSpPr/>
+          <p:nvPr/>
+        </p:nvSpPr>
+        <p:spPr>
+          <a:xfrm>
+            <a:off x="8694025" y="2173299"/>
+            <a:ext cx="1408385" cy="822434"/>
+          </a:xfrm>
+          <a:prstGeom prst="flowChartMultidocument">
+            <a:avLst/>
+          </a:prstGeom>
+        </p:spPr>
+        <p:style>
+          <a:lnRef idx="2">
+            <a:schemeClr val="accent1">
+              <a:shade val="15000"/>
+            </a:schemeClr>
+          </a:lnRef>
+          <a:fillRef idx="1">
+            <a:schemeClr val="accent1"/>
+          </a:fillRef>
+          <a:effectRef idx="0">
+            <a:schemeClr val="accent1"/>
+          </a:effectRef>
+          <a:fontRef idx="minor">
+            <a:schemeClr val="lt1"/>
+          </a:fontRef>
+        </p:style>
+        <p:txBody>
+          <a:bodyPr rtlCol="0" anchor="ctr"/>
+          <a:lstStyle/>
+          <a:p>
+            <a:pPr algn="ctr"/>
+            <a:endParaRPr lang="de-DE"/>
+          </a:p>
+        </p:txBody>
+      </p:sp>
+      <p:sp>
+        <p:nvSpPr>
+          <p:cNvPr id="22" name="Inhaltsplatzhalter 2">
+            <a:extLst>
+              <a:ext uri="{FF2B5EF4-FFF2-40B4-BE49-F238E27FC236}">
+                <a16:creationId xmlns:a16="http://schemas.microsoft.com/office/drawing/2014/main" id="{2C2DDEA6-419D-A260-E649-032806F736EB}"/>
+              </a:ext>
+            </a:extLst>
+          </p:cNvPr>
+          <p:cNvSpPr txBox="1">
+            <a:spLocks/>
+          </p:cNvSpPr>
+          <p:nvPr/>
+        </p:nvSpPr>
+        <p:spPr>
+          <a:xfrm>
+            <a:off x="8292662" y="1293897"/>
+            <a:ext cx="2413110" cy="728605"/>
+          </a:xfrm>
+          <a:prstGeom prst="rect">
+            <a:avLst/>
+          </a:prstGeom>
+        </p:spPr>
+        <p:txBody>
+          <a:bodyPr vert="horz" lIns="91440" tIns="45720" rIns="91440" bIns="45720" rtlCol="0">
+            <a:normAutofit fontScale="70000" lnSpcReduction="20000"/>
+          </a:bodyPr>
+          <a:lstStyle>
+            <a:lvl1pPr marL="228600" indent="-228600" algn="l" defTabSz="914400" rtl="0" eaLnBrk="1" latinLnBrk="0" hangingPunct="1">
+              <a:lnSpc>
+                <a:spcPct val="120000"/>
+              </a:lnSpc>
+              <a:spcBef>
+                <a:spcPts val="1000"/>
+              </a:spcBef>
+              <a:buFont typeface="Arial" panose="020B0604020202020204" pitchFamily="34" charset="0"/>
+              <a:buChar char="•"/>
+              <a:defRPr sz="1800" kern="1200">
+                <a:solidFill>
+                  <a:schemeClr val="tx1"/>
+                </a:solidFill>
+                <a:latin typeface="+mn-lt"/>
+                <a:ea typeface="+mn-ea"/>
+                <a:cs typeface="+mn-cs"/>
+              </a:defRPr>
+            </a:lvl1pPr>
+            <a:lvl2pPr marL="548640" indent="-228600" algn="l" defTabSz="914400" rtl="0" eaLnBrk="1" latinLnBrk="0" hangingPunct="1">
+              <a:lnSpc>
+                <a:spcPct val="120000"/>
+              </a:lnSpc>
+              <a:spcBef>
+                <a:spcPts val="500"/>
+              </a:spcBef>
+              <a:buFont typeface="Neue Haas Grotesk Text Pro" panose="020B0504020202020204" pitchFamily="34" charset="0"/>
+              <a:buChar char="–"/>
+              <a:defRPr sz="1600" kern="1200">
+                <a:solidFill>
+                  <a:schemeClr val="tx1"/>
+                </a:solidFill>
+                <a:latin typeface="+mn-lt"/>
+                <a:ea typeface="+mn-ea"/>
+                <a:cs typeface="+mn-cs"/>
+              </a:defRPr>
+            </a:lvl2pPr>
+            <a:lvl3pPr marL="777240" indent="-228600" algn="l" defTabSz="914400" rtl="0" eaLnBrk="1" latinLnBrk="0" hangingPunct="1">
+              <a:lnSpc>
+                <a:spcPct val="120000"/>
+              </a:lnSpc>
+              <a:spcBef>
+                <a:spcPts val="500"/>
+              </a:spcBef>
+              <a:buFont typeface="Arial" panose="020B0604020202020204" pitchFamily="34" charset="0"/>
+              <a:buChar char="•"/>
+              <a:defRPr sz="1400" kern="1200">
+                <a:solidFill>
+                  <a:schemeClr val="tx1"/>
+                </a:solidFill>
+                <a:latin typeface="+mn-lt"/>
+                <a:ea typeface="+mn-ea"/>
+                <a:cs typeface="+mn-cs"/>
+              </a:defRPr>
+            </a:lvl3pPr>
+            <a:lvl4pPr marL="914400" indent="-228600" algn="l" defTabSz="914400" rtl="0" eaLnBrk="1" latinLnBrk="0" hangingPunct="1">
+              <a:lnSpc>
+                <a:spcPct val="120000"/>
+              </a:lnSpc>
+              <a:spcBef>
+                <a:spcPts val="500"/>
+              </a:spcBef>
+              <a:buFont typeface="Neue Haas Grotesk Text Pro" panose="020B0504020202020204" pitchFamily="34" charset="0"/>
+              <a:buChar char="–"/>
+              <a:defRPr sz="1200" kern="1200">
+                <a:solidFill>
+                  <a:schemeClr val="tx1"/>
+                </a:solidFill>
+                <a:latin typeface="+mn-lt"/>
+                <a:ea typeface="+mn-ea"/>
+                <a:cs typeface="+mn-cs"/>
+              </a:defRPr>
+            </a:lvl4pPr>
+            <a:lvl5pPr marL="1097280" indent="-228600" algn="l" defTabSz="914400" rtl="0" eaLnBrk="1" latinLnBrk="0" hangingPunct="1">
+              <a:lnSpc>
+                <a:spcPct val="120000"/>
+              </a:lnSpc>
+              <a:spcBef>
+                <a:spcPts val="500"/>
+              </a:spcBef>
+              <a:buFont typeface="Arial" panose="020B0604020202020204" pitchFamily="34" charset="0"/>
+              <a:buChar char="•"/>
+              <a:defRPr sz="1200" kern="1200">
+                <a:solidFill>
+                  <a:schemeClr val="tx1"/>
+                </a:solidFill>
+                <a:latin typeface="+mn-lt"/>
+                <a:ea typeface="+mn-ea"/>
+                <a:cs typeface="+mn-cs"/>
+              </a:defRPr>
+            </a:lvl5pPr>
+            <a:lvl6pPr marL="2514600" indent="-228600" algn="l" defTabSz="914400" rtl="0" eaLnBrk="1" latinLnBrk="0" hangingPunct="1">
+              <a:lnSpc>
+                <a:spcPct val="90000"/>
+              </a:lnSpc>
+              <a:spcBef>
+                <a:spcPts val="500"/>
+              </a:spcBef>
+              <a:buFont typeface="Arial" panose="020B0604020202020204" pitchFamily="34" charset="0"/>
+              <a:buChar char="•"/>
+              <a:defRPr sz="1800" kern="1200">
+                <a:solidFill>
+                  <a:schemeClr val="tx1"/>
+                </a:solidFill>
+                <a:latin typeface="+mn-lt"/>
+                <a:ea typeface="+mn-ea"/>
+                <a:cs typeface="+mn-cs"/>
+              </a:defRPr>
+            </a:lvl6pPr>
+            <a:lvl7pPr marL="2971800" indent="-228600" algn="l" defTabSz="914400" rtl="0" eaLnBrk="1" latinLnBrk="0" hangingPunct="1">
+              <a:lnSpc>
+                <a:spcPct val="90000"/>
+              </a:lnSpc>
+              <a:spcBef>
+                <a:spcPts val="500"/>
+              </a:spcBef>
+              <a:buFont typeface="Arial" panose="020B0604020202020204" pitchFamily="34" charset="0"/>
+              <a:buChar char="•"/>
+              <a:defRPr sz="1800" kern="1200">
+                <a:solidFill>
+                  <a:schemeClr val="tx1"/>
+                </a:solidFill>
+                <a:latin typeface="+mn-lt"/>
+                <a:ea typeface="+mn-ea"/>
+                <a:cs typeface="+mn-cs"/>
+              </a:defRPr>
+            </a:lvl7pPr>
+            <a:lvl8pPr marL="3429000" indent="-228600" algn="l" defTabSz="914400" rtl="0" eaLnBrk="1" latinLnBrk="0" hangingPunct="1">
+              <a:lnSpc>
+                <a:spcPct val="90000"/>
+              </a:lnSpc>
+              <a:spcBef>
+                <a:spcPts val="500"/>
+              </a:spcBef>
+              <a:buFont typeface="Arial" panose="020B0604020202020204" pitchFamily="34" charset="0"/>
+              <a:buChar char="•"/>
+              <a:defRPr sz="1800" kern="1200">
+                <a:solidFill>
+                  <a:schemeClr val="tx1"/>
+                </a:solidFill>
+                <a:latin typeface="+mn-lt"/>
+                <a:ea typeface="+mn-ea"/>
+                <a:cs typeface="+mn-cs"/>
+              </a:defRPr>
+            </a:lvl8pPr>
+            <a:lvl9pPr marL="3886200" indent="-228600" algn="l" defTabSz="914400" rtl="0" eaLnBrk="1" latinLnBrk="0" hangingPunct="1">
+              <a:lnSpc>
+                <a:spcPct val="90000"/>
+              </a:lnSpc>
+              <a:spcBef>
+                <a:spcPts val="500"/>
+              </a:spcBef>
+              <a:buFont typeface="Arial" panose="020B0604020202020204" pitchFamily="34" charset="0"/>
+              <a:buChar char="•"/>
+              <a:defRPr sz="1800" kern="1200">
+                <a:solidFill>
+                  <a:schemeClr val="tx1"/>
+                </a:solidFill>
+                <a:latin typeface="+mn-lt"/>
+                <a:ea typeface="+mn-ea"/>
+                <a:cs typeface="+mn-cs"/>
+              </a:defRPr>
+            </a:lvl9pPr>
+          </a:lstStyle>
+          <a:p>
+            <a:pPr marL="0" indent="0">
+              <a:buNone/>
+            </a:pPr>
+            <a:r>
+              <a:rPr lang="de-DE" sz="1400" dirty="0"/>
+              <a:t>Split </a:t>
+            </a:r>
+            <a:r>
+              <a:rPr lang="de-DE" sz="1400" dirty="0" err="1"/>
+              <a:t>Reduced</a:t>
+            </a:r>
+            <a:r>
+              <a:rPr lang="de-DE" sz="1400" dirty="0"/>
+              <a:t> Folder (</a:t>
+            </a:r>
+            <a:r>
+              <a:rPr lang="de-DE" sz="1400" dirty="0">
+                <a:solidFill>
+                  <a:srgbClr val="000000"/>
+                </a:solidFill>
+                <a:effectLst/>
+                <a:latin typeface="Menlo" panose="020B0609030804020204" pitchFamily="49" charset="0"/>
+              </a:rPr>
+              <a:t>/</a:t>
+            </a:r>
+            <a:r>
+              <a:rPr lang="de-DE" sz="1400" dirty="0" err="1">
+                <a:solidFill>
+                  <a:srgbClr val="000000"/>
+                </a:solidFill>
+                <a:effectLst/>
+                <a:latin typeface="Menlo" panose="020B0609030804020204" pitchFamily="49" charset="0"/>
+              </a:rPr>
+              <a:t>Volumes</a:t>
+            </a:r>
+            <a:r>
+              <a:rPr lang="de-DE" sz="1400" dirty="0">
+                <a:solidFill>
+                  <a:srgbClr val="000000"/>
+                </a:solidFill>
+                <a:effectLst/>
+                <a:latin typeface="Menlo" panose="020B0609030804020204" pitchFamily="49" charset="0"/>
+              </a:rPr>
+              <a:t>/BIGWD8/</a:t>
+            </a:r>
+            <a:r>
+              <a:rPr lang="de-DE" sz="1400" dirty="0" err="1">
+                <a:solidFill>
+                  <a:srgbClr val="000000"/>
+                </a:solidFill>
+                <a:effectLst/>
+                <a:latin typeface="Menlo" panose="020B0609030804020204" pitchFamily="49" charset="0"/>
+              </a:rPr>
+              <a:t>Datalake</a:t>
+            </a:r>
+            <a:r>
+              <a:rPr lang="de-DE" sz="1400" dirty="0">
+                <a:solidFill>
+                  <a:srgbClr val="000000"/>
+                </a:solidFill>
+                <a:effectLst/>
+                <a:latin typeface="Menlo" panose="020B0609030804020204" pitchFamily="49" charset="0"/>
+              </a:rPr>
+              <a:t>/chess/</a:t>
+            </a:r>
+            <a:r>
+              <a:rPr lang="de-DE" sz="1400" dirty="0" err="1">
+                <a:solidFill>
+                  <a:srgbClr val="000000"/>
+                </a:solidFill>
+                <a:effectLst/>
+                <a:latin typeface="Menlo" panose="020B0609030804020204" pitchFamily="49" charset="0"/>
+              </a:rPr>
+              <a:t>lichess_downloads</a:t>
+            </a:r>
+            <a:r>
+              <a:rPr lang="de-DE" sz="1400" dirty="0">
+                <a:solidFill>
+                  <a:srgbClr val="000000"/>
+                </a:solidFill>
+                <a:effectLst/>
+                <a:latin typeface="Menlo" panose="020B0609030804020204" pitchFamily="49" charset="0"/>
+              </a:rPr>
+              <a:t>/</a:t>
+            </a:r>
+            <a:r>
+              <a:rPr lang="de-DE" sz="1400" dirty="0" err="1">
+                <a:solidFill>
+                  <a:srgbClr val="000000"/>
+                </a:solidFill>
+                <a:effectLst/>
+                <a:latin typeface="Menlo" panose="020B0609030804020204" pitchFamily="49" charset="0"/>
+              </a:rPr>
+              <a:t>eco</a:t>
+            </a:r>
+            <a:r>
+              <a:rPr lang="de-DE" sz="1400" dirty="0">
+                <a:solidFill>
+                  <a:srgbClr val="000000"/>
+                </a:solidFill>
+                <a:effectLst/>
+                <a:latin typeface="Menlo" panose="020B0609030804020204" pitchFamily="49" charset="0"/>
+              </a:rPr>
+              <a:t> </a:t>
+            </a:r>
+            <a:r>
+              <a:rPr lang="de-DE" sz="1400" dirty="0"/>
+              <a:t>) (</a:t>
+            </a:r>
+            <a:r>
+              <a:rPr lang="de-DE" sz="1400" dirty="0" err="1"/>
+              <a:t>One</a:t>
+            </a:r>
+            <a:r>
+              <a:rPr lang="de-DE" sz="1400" dirty="0"/>
+              <a:t> File per Code and </a:t>
+            </a:r>
+            <a:r>
+              <a:rPr lang="de-DE" sz="1400" dirty="0" err="1"/>
+              <a:t>Month</a:t>
+            </a:r>
+            <a:r>
+              <a:rPr lang="de-DE" sz="1400" dirty="0"/>
+              <a:t>)</a:t>
+            </a:r>
+          </a:p>
+        </p:txBody>
+      </p:sp>
+      <p:sp>
+        <p:nvSpPr>
+          <p:cNvPr id="23" name="Inhaltsplatzhalter 2">
+            <a:extLst>
+              <a:ext uri="{FF2B5EF4-FFF2-40B4-BE49-F238E27FC236}">
+                <a16:creationId xmlns:a16="http://schemas.microsoft.com/office/drawing/2014/main" id="{AF416486-635E-BEFE-3A89-E04627E0F9CB}"/>
+              </a:ext>
+            </a:extLst>
+          </p:cNvPr>
+          <p:cNvSpPr txBox="1">
+            <a:spLocks/>
+          </p:cNvSpPr>
+          <p:nvPr/>
+        </p:nvSpPr>
+        <p:spPr>
+          <a:xfrm>
+            <a:off x="6537629" y="2737087"/>
+            <a:ext cx="2009761" cy="694274"/>
+          </a:xfrm>
+          <a:prstGeom prst="rect">
+            <a:avLst/>
+          </a:prstGeom>
+        </p:spPr>
+        <p:txBody>
+          <a:bodyPr vert="horz" lIns="91440" tIns="45720" rIns="91440" bIns="45720" rtlCol="0">
+            <a:normAutofit fontScale="92500" lnSpcReduction="20000"/>
+          </a:bodyPr>
+          <a:lstStyle>
+            <a:lvl1pPr marL="228600" indent="-228600" algn="l" defTabSz="914400" rtl="0" eaLnBrk="1" latinLnBrk="0" hangingPunct="1">
+              <a:lnSpc>
+                <a:spcPct val="120000"/>
+              </a:lnSpc>
+              <a:spcBef>
+                <a:spcPts val="1000"/>
+              </a:spcBef>
+              <a:buFont typeface="Arial" panose="020B0604020202020204" pitchFamily="34" charset="0"/>
+              <a:buChar char="•"/>
+              <a:defRPr sz="1800" kern="1200">
+                <a:solidFill>
+                  <a:schemeClr val="tx1"/>
+                </a:solidFill>
+                <a:latin typeface="+mn-lt"/>
+                <a:ea typeface="+mn-ea"/>
+                <a:cs typeface="+mn-cs"/>
+              </a:defRPr>
+            </a:lvl1pPr>
+            <a:lvl2pPr marL="548640" indent="-228600" algn="l" defTabSz="914400" rtl="0" eaLnBrk="1" latinLnBrk="0" hangingPunct="1">
+              <a:lnSpc>
+                <a:spcPct val="120000"/>
+              </a:lnSpc>
+              <a:spcBef>
+                <a:spcPts val="500"/>
+              </a:spcBef>
+              <a:buFont typeface="Neue Haas Grotesk Text Pro" panose="020B0504020202020204" pitchFamily="34" charset="0"/>
+              <a:buChar char="–"/>
+              <a:defRPr sz="1600" kern="1200">
+                <a:solidFill>
+                  <a:schemeClr val="tx1"/>
+                </a:solidFill>
+                <a:latin typeface="+mn-lt"/>
+                <a:ea typeface="+mn-ea"/>
+                <a:cs typeface="+mn-cs"/>
+              </a:defRPr>
+            </a:lvl2pPr>
+            <a:lvl3pPr marL="777240" indent="-228600" algn="l" defTabSz="914400" rtl="0" eaLnBrk="1" latinLnBrk="0" hangingPunct="1">
+              <a:lnSpc>
+                <a:spcPct val="120000"/>
+              </a:lnSpc>
+              <a:spcBef>
+                <a:spcPts val="500"/>
+              </a:spcBef>
+              <a:buFont typeface="Arial" panose="020B0604020202020204" pitchFamily="34" charset="0"/>
+              <a:buChar char="•"/>
+              <a:defRPr sz="1400" kern="1200">
+                <a:solidFill>
+                  <a:schemeClr val="tx1"/>
+                </a:solidFill>
+                <a:latin typeface="+mn-lt"/>
+                <a:ea typeface="+mn-ea"/>
+                <a:cs typeface="+mn-cs"/>
+              </a:defRPr>
+            </a:lvl3pPr>
+            <a:lvl4pPr marL="914400" indent="-228600" algn="l" defTabSz="914400" rtl="0" eaLnBrk="1" latinLnBrk="0" hangingPunct="1">
+              <a:lnSpc>
+                <a:spcPct val="120000"/>
+              </a:lnSpc>
+              <a:spcBef>
+                <a:spcPts val="500"/>
+              </a:spcBef>
+              <a:buFont typeface="Neue Haas Grotesk Text Pro" panose="020B0504020202020204" pitchFamily="34" charset="0"/>
+              <a:buChar char="–"/>
+              <a:defRPr sz="1200" kern="1200">
+                <a:solidFill>
+                  <a:schemeClr val="tx1"/>
+                </a:solidFill>
+                <a:latin typeface="+mn-lt"/>
+                <a:ea typeface="+mn-ea"/>
+                <a:cs typeface="+mn-cs"/>
+              </a:defRPr>
+            </a:lvl4pPr>
+            <a:lvl5pPr marL="1097280" indent="-228600" algn="l" defTabSz="914400" rtl="0" eaLnBrk="1" latinLnBrk="0" hangingPunct="1">
+              <a:lnSpc>
+                <a:spcPct val="120000"/>
+              </a:lnSpc>
+              <a:spcBef>
+                <a:spcPts val="500"/>
+              </a:spcBef>
+              <a:buFont typeface="Arial" panose="020B0604020202020204" pitchFamily="34" charset="0"/>
+              <a:buChar char="•"/>
+              <a:defRPr sz="1200" kern="1200">
+                <a:solidFill>
+                  <a:schemeClr val="tx1"/>
+                </a:solidFill>
+                <a:latin typeface="+mn-lt"/>
+                <a:ea typeface="+mn-ea"/>
+                <a:cs typeface="+mn-cs"/>
+              </a:defRPr>
+            </a:lvl5pPr>
+            <a:lvl6pPr marL="2514600" indent="-228600" algn="l" defTabSz="914400" rtl="0" eaLnBrk="1" latinLnBrk="0" hangingPunct="1">
+              <a:lnSpc>
+                <a:spcPct val="90000"/>
+              </a:lnSpc>
+              <a:spcBef>
+                <a:spcPts val="500"/>
+              </a:spcBef>
+              <a:buFont typeface="Arial" panose="020B0604020202020204" pitchFamily="34" charset="0"/>
+              <a:buChar char="•"/>
+              <a:defRPr sz="1800" kern="1200">
+                <a:solidFill>
+                  <a:schemeClr val="tx1"/>
+                </a:solidFill>
+                <a:latin typeface="+mn-lt"/>
+                <a:ea typeface="+mn-ea"/>
+                <a:cs typeface="+mn-cs"/>
+              </a:defRPr>
+            </a:lvl6pPr>
+            <a:lvl7pPr marL="2971800" indent="-228600" algn="l" defTabSz="914400" rtl="0" eaLnBrk="1" latinLnBrk="0" hangingPunct="1">
+              <a:lnSpc>
+                <a:spcPct val="90000"/>
+              </a:lnSpc>
+              <a:spcBef>
+                <a:spcPts val="500"/>
+              </a:spcBef>
+              <a:buFont typeface="Arial" panose="020B0604020202020204" pitchFamily="34" charset="0"/>
+              <a:buChar char="•"/>
+              <a:defRPr sz="1800" kern="1200">
+                <a:solidFill>
+                  <a:schemeClr val="tx1"/>
+                </a:solidFill>
+                <a:latin typeface="+mn-lt"/>
+                <a:ea typeface="+mn-ea"/>
+                <a:cs typeface="+mn-cs"/>
+              </a:defRPr>
+            </a:lvl7pPr>
+            <a:lvl8pPr marL="3429000" indent="-228600" algn="l" defTabSz="914400" rtl="0" eaLnBrk="1" latinLnBrk="0" hangingPunct="1">
+              <a:lnSpc>
+                <a:spcPct val="90000"/>
+              </a:lnSpc>
+              <a:spcBef>
+                <a:spcPts val="500"/>
+              </a:spcBef>
+              <a:buFont typeface="Arial" panose="020B0604020202020204" pitchFamily="34" charset="0"/>
+              <a:buChar char="•"/>
+              <a:defRPr sz="1800" kern="1200">
+                <a:solidFill>
+                  <a:schemeClr val="tx1"/>
+                </a:solidFill>
+                <a:latin typeface="+mn-lt"/>
+                <a:ea typeface="+mn-ea"/>
+                <a:cs typeface="+mn-cs"/>
+              </a:defRPr>
+            </a:lvl8pPr>
+            <a:lvl9pPr marL="3886200" indent="-228600" algn="l" defTabSz="914400" rtl="0" eaLnBrk="1" latinLnBrk="0" hangingPunct="1">
+              <a:lnSpc>
+                <a:spcPct val="90000"/>
+              </a:lnSpc>
+              <a:spcBef>
+                <a:spcPts val="500"/>
+              </a:spcBef>
+              <a:buFont typeface="Arial" panose="020B0604020202020204" pitchFamily="34" charset="0"/>
+              <a:buChar char="•"/>
+              <a:defRPr sz="1800" kern="1200">
+                <a:solidFill>
+                  <a:schemeClr val="tx1"/>
+                </a:solidFill>
+                <a:latin typeface="+mn-lt"/>
+                <a:ea typeface="+mn-ea"/>
+                <a:cs typeface="+mn-cs"/>
+              </a:defRPr>
+            </a:lvl9pPr>
+          </a:lstStyle>
+          <a:p>
+            <a:pPr marL="0" indent="0">
+              <a:buNone/>
+            </a:pPr>
+            <a:r>
+              <a:rPr lang="de-DE" sz="1400" dirty="0" err="1">
+                <a:solidFill>
+                  <a:srgbClr val="000000"/>
+                </a:solidFill>
+                <a:effectLst/>
+                <a:latin typeface="Menlo" panose="020B0609030804020204" pitchFamily="49" charset="0"/>
+              </a:rPr>
+              <a:t>Reduce</a:t>
+            </a:r>
+            <a:r>
+              <a:rPr lang="de-DE" sz="1400" dirty="0">
+                <a:solidFill>
+                  <a:srgbClr val="000000"/>
+                </a:solidFill>
+                <a:effectLst/>
+                <a:latin typeface="Menlo" panose="020B0609030804020204" pitchFamily="49" charset="0"/>
+              </a:rPr>
+              <a:t> Rules:</a:t>
+            </a:r>
+            <a:br>
+              <a:rPr lang="de-DE" sz="1400" dirty="0">
+                <a:solidFill>
+                  <a:srgbClr val="000000"/>
+                </a:solidFill>
+                <a:effectLst/>
+                <a:latin typeface="Menlo" panose="020B0609030804020204" pitchFamily="49" charset="0"/>
+              </a:rPr>
+            </a:br>
+            <a:r>
+              <a:rPr lang="de-DE" sz="1400" dirty="0">
+                <a:solidFill>
+                  <a:srgbClr val="000000"/>
+                </a:solidFill>
+                <a:effectLst/>
+                <a:latin typeface="Menlo" panose="020B0609030804020204" pitchFamily="49" charset="0"/>
+              </a:rPr>
+              <a:t>- Min ELO: 2000</a:t>
+            </a:r>
+            <a:br>
+              <a:rPr lang="de-DE" sz="1400" dirty="0">
+                <a:solidFill>
+                  <a:srgbClr val="000000"/>
+                </a:solidFill>
+                <a:effectLst/>
+                <a:latin typeface="Menlo" panose="020B0609030804020204" pitchFamily="49" charset="0"/>
+              </a:rPr>
+            </a:br>
+            <a:r>
+              <a:rPr lang="de-DE" sz="1400" dirty="0">
+                <a:solidFill>
+                  <a:srgbClr val="000000"/>
+                </a:solidFill>
+                <a:effectLst/>
+                <a:latin typeface="Menlo" panose="020B0609030804020204" pitchFamily="49" charset="0"/>
+              </a:rPr>
+              <a:t>- Event: </a:t>
+            </a:r>
+            <a:r>
+              <a:rPr lang="de-DE" sz="1400" dirty="0" err="1">
+                <a:solidFill>
+                  <a:srgbClr val="000000"/>
+                </a:solidFill>
+                <a:effectLst/>
+                <a:latin typeface="Menlo" panose="020B0609030804020204" pitchFamily="49" charset="0"/>
+              </a:rPr>
+              <a:t>No</a:t>
+            </a:r>
+            <a:r>
+              <a:rPr lang="de-DE" sz="1400" dirty="0">
+                <a:solidFill>
+                  <a:srgbClr val="000000"/>
+                </a:solidFill>
+                <a:effectLst/>
+                <a:latin typeface="Menlo" panose="020B0609030804020204" pitchFamily="49" charset="0"/>
+              </a:rPr>
+              <a:t> Bullet</a:t>
+            </a:r>
+          </a:p>
+        </p:txBody>
+      </p:sp>
+      <p:sp>
+        <p:nvSpPr>
+          <p:cNvPr id="25" name="Mehrere Dokumente 24">
+            <a:extLst>
+              <a:ext uri="{FF2B5EF4-FFF2-40B4-BE49-F238E27FC236}">
+                <a16:creationId xmlns:a16="http://schemas.microsoft.com/office/drawing/2014/main" id="{3CF21904-7CEB-F3EF-D9ED-1BE19C9C7B4B}"/>
+              </a:ext>
+            </a:extLst>
+          </p:cNvPr>
+          <p:cNvSpPr/>
+          <p:nvPr/>
+        </p:nvSpPr>
+        <p:spPr>
+          <a:xfrm>
+            <a:off x="4678368" y="5547759"/>
+            <a:ext cx="1408385" cy="822434"/>
+          </a:xfrm>
+          <a:prstGeom prst="flowChartMultidocument">
+            <a:avLst/>
+          </a:prstGeom>
+        </p:spPr>
+        <p:style>
+          <a:lnRef idx="2">
+            <a:schemeClr val="accent1">
+              <a:shade val="15000"/>
+            </a:schemeClr>
+          </a:lnRef>
+          <a:fillRef idx="1">
+            <a:schemeClr val="accent1"/>
+          </a:fillRef>
+          <a:effectRef idx="0">
+            <a:schemeClr val="accent1"/>
+          </a:effectRef>
+          <a:fontRef idx="minor">
+            <a:schemeClr val="lt1"/>
+          </a:fontRef>
+        </p:style>
+        <p:txBody>
+          <a:bodyPr rtlCol="0" anchor="ctr"/>
+          <a:lstStyle/>
+          <a:p>
+            <a:pPr algn="ctr"/>
+            <a:endParaRPr lang="de-DE"/>
+          </a:p>
+        </p:txBody>
+      </p:sp>
+      <p:sp>
+        <p:nvSpPr>
+          <p:cNvPr id="26" name="Inhaltsplatzhalter 2">
+            <a:extLst>
+              <a:ext uri="{FF2B5EF4-FFF2-40B4-BE49-F238E27FC236}">
+                <a16:creationId xmlns:a16="http://schemas.microsoft.com/office/drawing/2014/main" id="{B63AFC70-EA67-A1B7-D4FC-55D18A1B0B16}"/>
+              </a:ext>
+            </a:extLst>
+          </p:cNvPr>
+          <p:cNvSpPr txBox="1">
+            <a:spLocks/>
+          </p:cNvSpPr>
+          <p:nvPr/>
+        </p:nvSpPr>
+        <p:spPr>
+          <a:xfrm>
+            <a:off x="8815452" y="5591373"/>
+            <a:ext cx="2925039" cy="1083892"/>
+          </a:xfrm>
+          <a:prstGeom prst="rect">
+            <a:avLst/>
+          </a:prstGeom>
+        </p:spPr>
+        <p:txBody>
+          <a:bodyPr vert="horz" lIns="91440" tIns="45720" rIns="91440" bIns="45720" rtlCol="0">
+            <a:normAutofit lnSpcReduction="10000"/>
+          </a:bodyPr>
+          <a:lstStyle>
+            <a:lvl1pPr marL="228600" indent="-228600" algn="l" defTabSz="914400" rtl="0" eaLnBrk="1" latinLnBrk="0" hangingPunct="1">
+              <a:lnSpc>
+                <a:spcPct val="120000"/>
+              </a:lnSpc>
+              <a:spcBef>
+                <a:spcPts val="1000"/>
+              </a:spcBef>
+              <a:buFont typeface="Arial" panose="020B0604020202020204" pitchFamily="34" charset="0"/>
+              <a:buChar char="•"/>
+              <a:defRPr sz="1800" kern="1200">
+                <a:solidFill>
+                  <a:schemeClr val="tx1"/>
+                </a:solidFill>
+                <a:latin typeface="+mn-lt"/>
+                <a:ea typeface="+mn-ea"/>
+                <a:cs typeface="+mn-cs"/>
+              </a:defRPr>
+            </a:lvl1pPr>
+            <a:lvl2pPr marL="548640" indent="-228600" algn="l" defTabSz="914400" rtl="0" eaLnBrk="1" latinLnBrk="0" hangingPunct="1">
+              <a:lnSpc>
+                <a:spcPct val="120000"/>
+              </a:lnSpc>
+              <a:spcBef>
+                <a:spcPts val="500"/>
+              </a:spcBef>
+              <a:buFont typeface="Neue Haas Grotesk Text Pro" panose="020B0504020202020204" pitchFamily="34" charset="0"/>
+              <a:buChar char="–"/>
+              <a:defRPr sz="1600" kern="1200">
+                <a:solidFill>
+                  <a:schemeClr val="tx1"/>
+                </a:solidFill>
+                <a:latin typeface="+mn-lt"/>
+                <a:ea typeface="+mn-ea"/>
+                <a:cs typeface="+mn-cs"/>
+              </a:defRPr>
+            </a:lvl2pPr>
+            <a:lvl3pPr marL="777240" indent="-228600" algn="l" defTabSz="914400" rtl="0" eaLnBrk="1" latinLnBrk="0" hangingPunct="1">
+              <a:lnSpc>
+                <a:spcPct val="120000"/>
+              </a:lnSpc>
+              <a:spcBef>
+                <a:spcPts val="500"/>
+              </a:spcBef>
+              <a:buFont typeface="Arial" panose="020B0604020202020204" pitchFamily="34" charset="0"/>
+              <a:buChar char="•"/>
+              <a:defRPr sz="1400" kern="1200">
+                <a:solidFill>
+                  <a:schemeClr val="tx1"/>
+                </a:solidFill>
+                <a:latin typeface="+mn-lt"/>
+                <a:ea typeface="+mn-ea"/>
+                <a:cs typeface="+mn-cs"/>
+              </a:defRPr>
+            </a:lvl3pPr>
+            <a:lvl4pPr marL="914400" indent="-228600" algn="l" defTabSz="914400" rtl="0" eaLnBrk="1" latinLnBrk="0" hangingPunct="1">
+              <a:lnSpc>
+                <a:spcPct val="120000"/>
+              </a:lnSpc>
+              <a:spcBef>
+                <a:spcPts val="500"/>
+              </a:spcBef>
+              <a:buFont typeface="Neue Haas Grotesk Text Pro" panose="020B0504020202020204" pitchFamily="34" charset="0"/>
+              <a:buChar char="–"/>
+              <a:defRPr sz="1200" kern="1200">
+                <a:solidFill>
+                  <a:schemeClr val="tx1"/>
+                </a:solidFill>
+                <a:latin typeface="+mn-lt"/>
+                <a:ea typeface="+mn-ea"/>
+                <a:cs typeface="+mn-cs"/>
+              </a:defRPr>
+            </a:lvl4pPr>
+            <a:lvl5pPr marL="1097280" indent="-228600" algn="l" defTabSz="914400" rtl="0" eaLnBrk="1" latinLnBrk="0" hangingPunct="1">
+              <a:lnSpc>
+                <a:spcPct val="120000"/>
+              </a:lnSpc>
+              <a:spcBef>
+                <a:spcPts val="500"/>
+              </a:spcBef>
+              <a:buFont typeface="Arial" panose="020B0604020202020204" pitchFamily="34" charset="0"/>
+              <a:buChar char="•"/>
+              <a:defRPr sz="1200" kern="1200">
+                <a:solidFill>
+                  <a:schemeClr val="tx1"/>
+                </a:solidFill>
+                <a:latin typeface="+mn-lt"/>
+                <a:ea typeface="+mn-ea"/>
+                <a:cs typeface="+mn-cs"/>
+              </a:defRPr>
+            </a:lvl5pPr>
+            <a:lvl6pPr marL="2514600" indent="-228600" algn="l" defTabSz="914400" rtl="0" eaLnBrk="1" latinLnBrk="0" hangingPunct="1">
+              <a:lnSpc>
+                <a:spcPct val="90000"/>
+              </a:lnSpc>
+              <a:spcBef>
+                <a:spcPts val="500"/>
+              </a:spcBef>
+              <a:buFont typeface="Arial" panose="020B0604020202020204" pitchFamily="34" charset="0"/>
+              <a:buChar char="•"/>
+              <a:defRPr sz="1800" kern="1200">
+                <a:solidFill>
+                  <a:schemeClr val="tx1"/>
+                </a:solidFill>
+                <a:latin typeface="+mn-lt"/>
+                <a:ea typeface="+mn-ea"/>
+                <a:cs typeface="+mn-cs"/>
+              </a:defRPr>
+            </a:lvl6pPr>
+            <a:lvl7pPr marL="2971800" indent="-228600" algn="l" defTabSz="914400" rtl="0" eaLnBrk="1" latinLnBrk="0" hangingPunct="1">
+              <a:lnSpc>
+                <a:spcPct val="90000"/>
+              </a:lnSpc>
+              <a:spcBef>
+                <a:spcPts val="500"/>
+              </a:spcBef>
+              <a:buFont typeface="Arial" panose="020B0604020202020204" pitchFamily="34" charset="0"/>
+              <a:buChar char="•"/>
+              <a:defRPr sz="1800" kern="1200">
+                <a:solidFill>
+                  <a:schemeClr val="tx1"/>
+                </a:solidFill>
+                <a:latin typeface="+mn-lt"/>
+                <a:ea typeface="+mn-ea"/>
+                <a:cs typeface="+mn-cs"/>
+              </a:defRPr>
+            </a:lvl7pPr>
+            <a:lvl8pPr marL="3429000" indent="-228600" algn="l" defTabSz="914400" rtl="0" eaLnBrk="1" latinLnBrk="0" hangingPunct="1">
+              <a:lnSpc>
+                <a:spcPct val="90000"/>
+              </a:lnSpc>
+              <a:spcBef>
+                <a:spcPts val="500"/>
+              </a:spcBef>
+              <a:buFont typeface="Arial" panose="020B0604020202020204" pitchFamily="34" charset="0"/>
+              <a:buChar char="•"/>
+              <a:defRPr sz="1800" kern="1200">
+                <a:solidFill>
+                  <a:schemeClr val="tx1"/>
+                </a:solidFill>
+                <a:latin typeface="+mn-lt"/>
+                <a:ea typeface="+mn-ea"/>
+                <a:cs typeface="+mn-cs"/>
+              </a:defRPr>
+            </a:lvl8pPr>
+            <a:lvl9pPr marL="3886200" indent="-228600" algn="l" defTabSz="914400" rtl="0" eaLnBrk="1" latinLnBrk="0" hangingPunct="1">
+              <a:lnSpc>
+                <a:spcPct val="90000"/>
+              </a:lnSpc>
+              <a:spcBef>
+                <a:spcPts val="500"/>
+              </a:spcBef>
+              <a:buFont typeface="Arial" panose="020B0604020202020204" pitchFamily="34" charset="0"/>
+              <a:buChar char="•"/>
+              <a:defRPr sz="1800" kern="1200">
+                <a:solidFill>
+                  <a:schemeClr val="tx1"/>
+                </a:solidFill>
+                <a:latin typeface="+mn-lt"/>
+                <a:ea typeface="+mn-ea"/>
+                <a:cs typeface="+mn-cs"/>
+              </a:defRPr>
+            </a:lvl9pPr>
+          </a:lstStyle>
+          <a:p>
+            <a:pPr marL="0" indent="0">
+              <a:buNone/>
+            </a:pPr>
+            <a:r>
+              <a:rPr lang="de-DE" sz="1400" dirty="0" err="1"/>
+              <a:t>Evaluated</a:t>
+            </a:r>
+            <a:r>
+              <a:rPr lang="de-DE" sz="1400" dirty="0"/>
+              <a:t> </a:t>
+            </a:r>
+            <a:br>
+              <a:rPr lang="de-DE" sz="1400" dirty="0"/>
+            </a:br>
+            <a:r>
+              <a:rPr lang="de-DE" sz="1400" dirty="0"/>
+              <a:t>Games Folder</a:t>
+            </a:r>
+            <a:br>
+              <a:rPr lang="de-DE" sz="1400" dirty="0"/>
+            </a:br>
+            <a:r>
+              <a:rPr lang="de-DE" sz="1400" dirty="0"/>
+              <a:t>(</a:t>
+            </a:r>
+            <a:r>
+              <a:rPr lang="de-DE" sz="1400" dirty="0">
+                <a:effectLst/>
+                <a:latin typeface="Menlo" panose="020B0609030804020204" pitchFamily="49" charset="0"/>
+              </a:rPr>
+              <a:t>/Users/</a:t>
+            </a:r>
+            <a:r>
+              <a:rPr lang="de-DE" sz="1400" dirty="0" err="1">
+                <a:effectLst/>
+                <a:latin typeface="Menlo" panose="020B0609030804020204" pitchFamily="49" charset="0"/>
+              </a:rPr>
+              <a:t>littlecapa</a:t>
+            </a:r>
+            <a:r>
+              <a:rPr lang="de-DE" sz="1400" dirty="0">
+                <a:effectLst/>
+                <a:latin typeface="Menlo" panose="020B0609030804020204" pitchFamily="49" charset="0"/>
+              </a:rPr>
+              <a:t>/Desktop/</a:t>
+            </a:r>
+            <a:r>
+              <a:rPr lang="de-DE" sz="1400" dirty="0" err="1">
+                <a:effectLst/>
+                <a:latin typeface="Menlo" panose="020B0609030804020204" pitchFamily="49" charset="0"/>
+              </a:rPr>
+              <a:t>commented</a:t>
+            </a:r>
+            <a:r>
+              <a:rPr lang="de-DE" sz="1400" dirty="0"/>
+              <a:t>) </a:t>
+            </a:r>
+            <a:r>
+              <a:rPr lang="de-DE" sz="1400" dirty="0" err="1"/>
+              <a:t>have</a:t>
+            </a:r>
+            <a:r>
+              <a:rPr lang="de-DE" sz="1400" dirty="0"/>
+              <a:t> </a:t>
+            </a:r>
+            <a:r>
+              <a:rPr lang="de-DE" sz="1400" dirty="0" err="1"/>
+              <a:t>to</a:t>
+            </a:r>
+            <a:r>
+              <a:rPr lang="de-DE" sz="1400" dirty="0"/>
+              <a:t> </a:t>
+            </a:r>
+            <a:r>
+              <a:rPr lang="de-DE" sz="1400" dirty="0" err="1"/>
+              <a:t>rename</a:t>
+            </a:r>
+            <a:r>
+              <a:rPr lang="de-DE" sz="1400" dirty="0"/>
+              <a:t> </a:t>
+            </a:r>
+            <a:r>
+              <a:rPr lang="de-DE" sz="1400" dirty="0" err="1"/>
+              <a:t>it</a:t>
+            </a:r>
+            <a:endParaRPr lang="de-DE" sz="1400" dirty="0"/>
+          </a:p>
+        </p:txBody>
+      </p:sp>
+      <p:sp>
+        <p:nvSpPr>
+          <p:cNvPr id="27" name="Pfeil nach rechts 26">
+            <a:extLst>
+              <a:ext uri="{FF2B5EF4-FFF2-40B4-BE49-F238E27FC236}">
+                <a16:creationId xmlns:a16="http://schemas.microsoft.com/office/drawing/2014/main" id="{A0BEABC6-9C8B-5E20-030F-D45F62CC5E41}"/>
+              </a:ext>
+            </a:extLst>
+          </p:cNvPr>
+          <p:cNvSpPr/>
+          <p:nvPr/>
+        </p:nvSpPr>
+        <p:spPr>
+          <a:xfrm rot="5400000">
+            <a:off x="4212639" y="4222053"/>
+            <a:ext cx="2288976" cy="60839"/>
+          </a:xfrm>
+          <a:prstGeom prst="rightArrow">
+            <a:avLst/>
+          </a:prstGeom>
+          <a:solidFill>
+            <a:schemeClr val="tx1"/>
+          </a:solidFill>
+        </p:spPr>
+        <p:style>
+          <a:lnRef idx="2">
+            <a:schemeClr val="accent1">
+              <a:shade val="15000"/>
+            </a:schemeClr>
+          </a:lnRef>
+          <a:fillRef idx="1">
+            <a:schemeClr val="accent1"/>
+          </a:fillRef>
+          <a:effectRef idx="0">
+            <a:schemeClr val="accent1"/>
+          </a:effectRef>
+          <a:fontRef idx="minor">
+            <a:schemeClr val="lt1"/>
+          </a:fontRef>
+        </p:style>
+        <p:txBody>
+          <a:bodyPr rtlCol="0" anchor="ctr"/>
+          <a:lstStyle/>
+          <a:p>
+            <a:pPr algn="ctr"/>
+            <a:endParaRPr lang="de-DE" dirty="0"/>
+          </a:p>
+        </p:txBody>
+      </p:sp>
+      <p:sp>
+        <p:nvSpPr>
+          <p:cNvPr id="28" name="Inhaltsplatzhalter 2">
+            <a:extLst>
+              <a:ext uri="{FF2B5EF4-FFF2-40B4-BE49-F238E27FC236}">
+                <a16:creationId xmlns:a16="http://schemas.microsoft.com/office/drawing/2014/main" id="{CCA9D250-6747-21AA-047E-6FFC0B1961D8}"/>
+              </a:ext>
+            </a:extLst>
+          </p:cNvPr>
+          <p:cNvSpPr txBox="1">
+            <a:spLocks/>
+          </p:cNvSpPr>
+          <p:nvPr/>
+        </p:nvSpPr>
+        <p:spPr>
+          <a:xfrm>
+            <a:off x="5442125" y="3903390"/>
+            <a:ext cx="2368289" cy="1252426"/>
+          </a:xfrm>
+          <a:prstGeom prst="rect">
+            <a:avLst/>
+          </a:prstGeom>
+        </p:spPr>
+        <p:txBody>
+          <a:bodyPr vert="horz" lIns="91440" tIns="45720" rIns="91440" bIns="45720" rtlCol="0">
+            <a:normAutofit fontScale="70000" lnSpcReduction="20000"/>
+          </a:bodyPr>
+          <a:lstStyle>
+            <a:lvl1pPr marL="228600" indent="-228600" algn="l" defTabSz="914400" rtl="0" eaLnBrk="1" latinLnBrk="0" hangingPunct="1">
+              <a:lnSpc>
+                <a:spcPct val="120000"/>
+              </a:lnSpc>
+              <a:spcBef>
+                <a:spcPts val="1000"/>
+              </a:spcBef>
+              <a:buFont typeface="Arial" panose="020B0604020202020204" pitchFamily="34" charset="0"/>
+              <a:buChar char="•"/>
+              <a:defRPr sz="1800" kern="1200">
+                <a:solidFill>
+                  <a:schemeClr val="tx1"/>
+                </a:solidFill>
+                <a:latin typeface="+mn-lt"/>
+                <a:ea typeface="+mn-ea"/>
+                <a:cs typeface="+mn-cs"/>
+              </a:defRPr>
+            </a:lvl1pPr>
+            <a:lvl2pPr marL="548640" indent="-228600" algn="l" defTabSz="914400" rtl="0" eaLnBrk="1" latinLnBrk="0" hangingPunct="1">
+              <a:lnSpc>
+                <a:spcPct val="120000"/>
+              </a:lnSpc>
+              <a:spcBef>
+                <a:spcPts val="500"/>
+              </a:spcBef>
+              <a:buFont typeface="Neue Haas Grotesk Text Pro" panose="020B0504020202020204" pitchFamily="34" charset="0"/>
+              <a:buChar char="–"/>
+              <a:defRPr sz="1600" kern="1200">
+                <a:solidFill>
+                  <a:schemeClr val="tx1"/>
+                </a:solidFill>
+                <a:latin typeface="+mn-lt"/>
+                <a:ea typeface="+mn-ea"/>
+                <a:cs typeface="+mn-cs"/>
+              </a:defRPr>
+            </a:lvl2pPr>
+            <a:lvl3pPr marL="777240" indent="-228600" algn="l" defTabSz="914400" rtl="0" eaLnBrk="1" latinLnBrk="0" hangingPunct="1">
+              <a:lnSpc>
+                <a:spcPct val="120000"/>
+              </a:lnSpc>
+              <a:spcBef>
+                <a:spcPts val="500"/>
+              </a:spcBef>
+              <a:buFont typeface="Arial" panose="020B0604020202020204" pitchFamily="34" charset="0"/>
+              <a:buChar char="•"/>
+              <a:defRPr sz="1400" kern="1200">
+                <a:solidFill>
+                  <a:schemeClr val="tx1"/>
+                </a:solidFill>
+                <a:latin typeface="+mn-lt"/>
+                <a:ea typeface="+mn-ea"/>
+                <a:cs typeface="+mn-cs"/>
+              </a:defRPr>
+            </a:lvl3pPr>
+            <a:lvl4pPr marL="914400" indent="-228600" algn="l" defTabSz="914400" rtl="0" eaLnBrk="1" latinLnBrk="0" hangingPunct="1">
+              <a:lnSpc>
+                <a:spcPct val="120000"/>
+              </a:lnSpc>
+              <a:spcBef>
+                <a:spcPts val="500"/>
+              </a:spcBef>
+              <a:buFont typeface="Neue Haas Grotesk Text Pro" panose="020B0504020202020204" pitchFamily="34" charset="0"/>
+              <a:buChar char="–"/>
+              <a:defRPr sz="1200" kern="1200">
+                <a:solidFill>
+                  <a:schemeClr val="tx1"/>
+                </a:solidFill>
+                <a:latin typeface="+mn-lt"/>
+                <a:ea typeface="+mn-ea"/>
+                <a:cs typeface="+mn-cs"/>
+              </a:defRPr>
+            </a:lvl4pPr>
+            <a:lvl5pPr marL="1097280" indent="-228600" algn="l" defTabSz="914400" rtl="0" eaLnBrk="1" latinLnBrk="0" hangingPunct="1">
+              <a:lnSpc>
+                <a:spcPct val="120000"/>
+              </a:lnSpc>
+              <a:spcBef>
+                <a:spcPts val="500"/>
+              </a:spcBef>
+              <a:buFont typeface="Arial" panose="020B0604020202020204" pitchFamily="34" charset="0"/>
+              <a:buChar char="•"/>
+              <a:defRPr sz="1200" kern="1200">
+                <a:solidFill>
+                  <a:schemeClr val="tx1"/>
+                </a:solidFill>
+                <a:latin typeface="+mn-lt"/>
+                <a:ea typeface="+mn-ea"/>
+                <a:cs typeface="+mn-cs"/>
+              </a:defRPr>
+            </a:lvl5pPr>
+            <a:lvl6pPr marL="2514600" indent="-228600" algn="l" defTabSz="914400" rtl="0" eaLnBrk="1" latinLnBrk="0" hangingPunct="1">
+              <a:lnSpc>
+                <a:spcPct val="90000"/>
+              </a:lnSpc>
+              <a:spcBef>
+                <a:spcPts val="500"/>
+              </a:spcBef>
+              <a:buFont typeface="Arial" panose="020B0604020202020204" pitchFamily="34" charset="0"/>
+              <a:buChar char="•"/>
+              <a:defRPr sz="1800" kern="1200">
+                <a:solidFill>
+                  <a:schemeClr val="tx1"/>
+                </a:solidFill>
+                <a:latin typeface="+mn-lt"/>
+                <a:ea typeface="+mn-ea"/>
+                <a:cs typeface="+mn-cs"/>
+              </a:defRPr>
+            </a:lvl6pPr>
+            <a:lvl7pPr marL="2971800" indent="-228600" algn="l" defTabSz="914400" rtl="0" eaLnBrk="1" latinLnBrk="0" hangingPunct="1">
+              <a:lnSpc>
+                <a:spcPct val="90000"/>
+              </a:lnSpc>
+              <a:spcBef>
+                <a:spcPts val="500"/>
+              </a:spcBef>
+              <a:buFont typeface="Arial" panose="020B0604020202020204" pitchFamily="34" charset="0"/>
+              <a:buChar char="•"/>
+              <a:defRPr sz="1800" kern="1200">
+                <a:solidFill>
+                  <a:schemeClr val="tx1"/>
+                </a:solidFill>
+                <a:latin typeface="+mn-lt"/>
+                <a:ea typeface="+mn-ea"/>
+                <a:cs typeface="+mn-cs"/>
+              </a:defRPr>
+            </a:lvl7pPr>
+            <a:lvl8pPr marL="3429000" indent="-228600" algn="l" defTabSz="914400" rtl="0" eaLnBrk="1" latinLnBrk="0" hangingPunct="1">
+              <a:lnSpc>
+                <a:spcPct val="90000"/>
+              </a:lnSpc>
+              <a:spcBef>
+                <a:spcPts val="500"/>
+              </a:spcBef>
+              <a:buFont typeface="Arial" panose="020B0604020202020204" pitchFamily="34" charset="0"/>
+              <a:buChar char="•"/>
+              <a:defRPr sz="1800" kern="1200">
+                <a:solidFill>
+                  <a:schemeClr val="tx1"/>
+                </a:solidFill>
+                <a:latin typeface="+mn-lt"/>
+                <a:ea typeface="+mn-ea"/>
+                <a:cs typeface="+mn-cs"/>
+              </a:defRPr>
+            </a:lvl8pPr>
+            <a:lvl9pPr marL="3886200" indent="-228600" algn="l" defTabSz="914400" rtl="0" eaLnBrk="1" latinLnBrk="0" hangingPunct="1">
+              <a:lnSpc>
+                <a:spcPct val="90000"/>
+              </a:lnSpc>
+              <a:spcBef>
+                <a:spcPts val="500"/>
+              </a:spcBef>
+              <a:buFont typeface="Arial" panose="020B0604020202020204" pitchFamily="34" charset="0"/>
+              <a:buChar char="•"/>
+              <a:defRPr sz="1800" kern="1200">
+                <a:solidFill>
+                  <a:schemeClr val="tx1"/>
+                </a:solidFill>
+                <a:latin typeface="+mn-lt"/>
+                <a:ea typeface="+mn-ea"/>
+                <a:cs typeface="+mn-cs"/>
+              </a:defRPr>
+            </a:lvl9pPr>
+          </a:lstStyle>
+          <a:p>
+            <a:pPr marL="0" indent="0">
+              <a:buNone/>
+            </a:pPr>
+            <a:r>
+              <a:rPr lang="de-DE" sz="1400" dirty="0">
+                <a:solidFill>
+                  <a:srgbClr val="000000"/>
+                </a:solidFill>
+                <a:effectLst/>
+                <a:latin typeface="Menlo" panose="020B0609030804020204" pitchFamily="49" charset="0"/>
+              </a:rPr>
+              <a:t>Rules:</a:t>
+            </a:r>
+          </a:p>
+          <a:p>
+            <a:r>
+              <a:rPr lang="de-DE" sz="1400" dirty="0">
+                <a:solidFill>
+                  <a:srgbClr val="000000"/>
+                </a:solidFill>
+                <a:effectLst/>
+                <a:latin typeface="Menlo" panose="020B0609030804020204" pitchFamily="49" charset="0"/>
+              </a:rPr>
+              <a:t>Game </a:t>
+            </a:r>
+            <a:r>
+              <a:rPr lang="de-DE" sz="1400" dirty="0" err="1">
+                <a:solidFill>
+                  <a:srgbClr val="000000"/>
+                </a:solidFill>
+                <a:effectLst/>
+                <a:latin typeface="Menlo" panose="020B0609030804020204" pitchFamily="49" charset="0"/>
+              </a:rPr>
+              <a:t>has</a:t>
+            </a:r>
+            <a:r>
+              <a:rPr lang="de-DE" sz="1400" dirty="0">
+                <a:solidFill>
+                  <a:srgbClr val="000000"/>
+                </a:solidFill>
+                <a:effectLst/>
+                <a:latin typeface="Menlo" panose="020B0609030804020204" pitchFamily="49" charset="0"/>
+              </a:rPr>
+              <a:t> </a:t>
+            </a:r>
+            <a:r>
+              <a:rPr lang="de-DE" sz="1400" dirty="0" err="1">
+                <a:solidFill>
+                  <a:srgbClr val="000000"/>
+                </a:solidFill>
+                <a:effectLst/>
+                <a:latin typeface="Menlo" panose="020B0609030804020204" pitchFamily="49" charset="0"/>
+              </a:rPr>
+              <a:t>evaluations</a:t>
+            </a:r>
+            <a:endParaRPr lang="de-DE" sz="1400" dirty="0">
+              <a:solidFill>
+                <a:srgbClr val="000000"/>
+              </a:solidFill>
+              <a:effectLst/>
+              <a:latin typeface="Menlo" panose="020B0609030804020204" pitchFamily="49" charset="0"/>
+            </a:endParaRPr>
+          </a:p>
+          <a:p>
+            <a:r>
+              <a:rPr lang="de-DE" sz="1400" dirty="0">
+                <a:solidFill>
+                  <a:srgbClr val="000000"/>
+                </a:solidFill>
+                <a:effectLst/>
+                <a:latin typeface="Menlo" panose="020B0609030804020204" pitchFamily="49" charset="0"/>
+              </a:rPr>
+              <a:t>Max </a:t>
+            </a:r>
+            <a:r>
+              <a:rPr lang="de-DE" sz="1400" dirty="0" err="1">
+                <a:solidFill>
+                  <a:srgbClr val="000000"/>
+                </a:solidFill>
+                <a:effectLst/>
+                <a:latin typeface="Menlo" panose="020B0609030804020204" pitchFamily="49" charset="0"/>
+              </a:rPr>
+              <a:t>number</a:t>
+            </a:r>
+            <a:r>
+              <a:rPr lang="de-DE" sz="1400" dirty="0">
+                <a:solidFill>
+                  <a:srgbClr val="000000"/>
+                </a:solidFill>
+                <a:effectLst/>
+                <a:latin typeface="Menlo" panose="020B0609030804020204" pitchFamily="49" charset="0"/>
+              </a:rPr>
+              <a:t> </a:t>
+            </a:r>
+            <a:r>
+              <a:rPr lang="de-DE" sz="1400" dirty="0" err="1">
+                <a:solidFill>
+                  <a:srgbClr val="000000"/>
+                </a:solidFill>
+                <a:effectLst/>
+                <a:latin typeface="Menlo" panose="020B0609030804020204" pitchFamily="49" charset="0"/>
+              </a:rPr>
+              <a:t>of</a:t>
+            </a:r>
+            <a:r>
+              <a:rPr lang="de-DE" sz="1400" dirty="0">
+                <a:solidFill>
+                  <a:srgbClr val="000000"/>
+                </a:solidFill>
+                <a:effectLst/>
+                <a:latin typeface="Menlo" panose="020B0609030804020204" pitchFamily="49" charset="0"/>
+              </a:rPr>
+              <a:t> </a:t>
+            </a:r>
+            <a:r>
+              <a:rPr lang="de-DE" sz="1400" dirty="0" err="1">
+                <a:solidFill>
+                  <a:srgbClr val="000000"/>
+                </a:solidFill>
+                <a:effectLst/>
+                <a:latin typeface="Menlo" panose="020B0609030804020204" pitchFamily="49" charset="0"/>
+              </a:rPr>
+              <a:t>moves</a:t>
+            </a:r>
+            <a:r>
+              <a:rPr lang="de-DE" sz="1400" dirty="0">
+                <a:solidFill>
+                  <a:srgbClr val="000000"/>
+                </a:solidFill>
+                <a:effectLst/>
+                <a:latin typeface="Menlo" panose="020B0609030804020204" pitchFamily="49" charset="0"/>
+              </a:rPr>
+              <a:t> (ECO </a:t>
+            </a:r>
+            <a:r>
+              <a:rPr lang="de-DE" sz="1400" dirty="0" err="1">
+                <a:solidFill>
+                  <a:srgbClr val="000000"/>
+                </a:solidFill>
+                <a:effectLst/>
+                <a:latin typeface="Menlo" panose="020B0609030804020204" pitchFamily="49" charset="0"/>
+              </a:rPr>
+              <a:t>specific</a:t>
+            </a:r>
+            <a:r>
+              <a:rPr lang="de-DE" sz="1400" dirty="0">
+                <a:solidFill>
+                  <a:srgbClr val="000000"/>
+                </a:solidFill>
+                <a:effectLst/>
+                <a:latin typeface="Menlo" panose="020B0609030804020204" pitchFamily="49" charset="0"/>
+              </a:rPr>
+              <a:t>) (</a:t>
+            </a:r>
+            <a:r>
+              <a:rPr lang="de-DE" sz="1400" dirty="0" err="1">
+                <a:solidFill>
+                  <a:srgbClr val="000000"/>
+                </a:solidFill>
+                <a:effectLst/>
+                <a:latin typeface="Menlo" panose="020B0609030804020204" pitchFamily="49" charset="0"/>
+              </a:rPr>
+              <a:t>currently</a:t>
+            </a:r>
+            <a:r>
+              <a:rPr lang="de-DE" sz="1400" dirty="0">
+                <a:solidFill>
+                  <a:srgbClr val="000000"/>
+                </a:solidFill>
+                <a:effectLst/>
+                <a:latin typeface="Menlo" panose="020B0609030804020204" pitchFamily="49" charset="0"/>
+              </a:rPr>
+              <a:t> 40 Half Moves)</a:t>
+            </a:r>
+          </a:p>
+        </p:txBody>
+      </p:sp>
+      <p:sp>
+        <p:nvSpPr>
+          <p:cNvPr id="29" name="Zylinder 28">
+            <a:extLst>
+              <a:ext uri="{FF2B5EF4-FFF2-40B4-BE49-F238E27FC236}">
+                <a16:creationId xmlns:a16="http://schemas.microsoft.com/office/drawing/2014/main" id="{D58A5700-A8EA-8D95-4919-0ACCF1BAFDBF}"/>
+              </a:ext>
+            </a:extLst>
+          </p:cNvPr>
+          <p:cNvSpPr/>
+          <p:nvPr/>
+        </p:nvSpPr>
+        <p:spPr>
+          <a:xfrm>
+            <a:off x="355134" y="5155816"/>
+            <a:ext cx="1820562" cy="1297459"/>
+          </a:xfrm>
+          <a:prstGeom prst="can">
+            <a:avLst/>
+          </a:prstGeom>
+          <a:solidFill>
+            <a:srgbClr val="00B0F0"/>
+          </a:solidFill>
+        </p:spPr>
+        <p:style>
+          <a:lnRef idx="2">
+            <a:schemeClr val="accent1">
+              <a:shade val="15000"/>
+            </a:schemeClr>
+          </a:lnRef>
+          <a:fillRef idx="1">
+            <a:schemeClr val="accent1"/>
+          </a:fillRef>
+          <a:effectRef idx="0">
+            <a:schemeClr val="accent1"/>
+          </a:effectRef>
+          <a:fontRef idx="minor">
+            <a:schemeClr val="lt1"/>
+          </a:fontRef>
+        </p:style>
+        <p:txBody>
+          <a:bodyPr rtlCol="0" anchor="ctr"/>
+          <a:lstStyle/>
+          <a:p>
+            <a:pPr algn="ctr"/>
+            <a:r>
+              <a:rPr lang="de-DE" dirty="0"/>
+              <a:t>Django-DB</a:t>
+            </a:r>
+          </a:p>
+        </p:txBody>
+      </p:sp>
+      <p:sp>
+        <p:nvSpPr>
+          <p:cNvPr id="30" name="Pfeil nach rechts 29">
+            <a:extLst>
+              <a:ext uri="{FF2B5EF4-FFF2-40B4-BE49-F238E27FC236}">
+                <a16:creationId xmlns:a16="http://schemas.microsoft.com/office/drawing/2014/main" id="{AB3768F0-91A0-E935-9533-873D138413ED}"/>
+              </a:ext>
+            </a:extLst>
+          </p:cNvPr>
+          <p:cNvSpPr/>
+          <p:nvPr/>
+        </p:nvSpPr>
+        <p:spPr>
+          <a:xfrm rot="8973346">
+            <a:off x="1599391" y="4044411"/>
+            <a:ext cx="3762474" cy="73254"/>
+          </a:xfrm>
+          <a:prstGeom prst="rightArrow">
+            <a:avLst/>
+          </a:prstGeom>
+          <a:solidFill>
+            <a:schemeClr val="tx1"/>
+          </a:solidFill>
+        </p:spPr>
+        <p:style>
+          <a:lnRef idx="2">
+            <a:schemeClr val="accent1">
+              <a:shade val="15000"/>
+            </a:schemeClr>
+          </a:lnRef>
+          <a:fillRef idx="1">
+            <a:schemeClr val="accent1"/>
+          </a:fillRef>
+          <a:effectRef idx="0">
+            <a:schemeClr val="accent1"/>
+          </a:effectRef>
+          <a:fontRef idx="minor">
+            <a:schemeClr val="lt1"/>
+          </a:fontRef>
+        </p:style>
+        <p:txBody>
+          <a:bodyPr rtlCol="0" anchor="ctr"/>
+          <a:lstStyle/>
+          <a:p>
+            <a:pPr algn="ctr"/>
+            <a:endParaRPr lang="de-DE" dirty="0"/>
+          </a:p>
+        </p:txBody>
+      </p:sp>
+      <p:sp>
+        <p:nvSpPr>
+          <p:cNvPr id="32" name="Inhaltsplatzhalter 2">
+            <a:extLst>
+              <a:ext uri="{FF2B5EF4-FFF2-40B4-BE49-F238E27FC236}">
+                <a16:creationId xmlns:a16="http://schemas.microsoft.com/office/drawing/2014/main" id="{1E5C0BCF-2F32-2CAB-F83D-DA17802B8EB3}"/>
+              </a:ext>
+            </a:extLst>
+          </p:cNvPr>
+          <p:cNvSpPr txBox="1">
+            <a:spLocks/>
+          </p:cNvSpPr>
+          <p:nvPr/>
+        </p:nvSpPr>
+        <p:spPr>
+          <a:xfrm>
+            <a:off x="423627" y="3450152"/>
+            <a:ext cx="3061883" cy="906258"/>
+          </a:xfrm>
+          <a:prstGeom prst="rect">
+            <a:avLst/>
+          </a:prstGeom>
+        </p:spPr>
+        <p:txBody>
+          <a:bodyPr vert="horz" lIns="91440" tIns="45720" rIns="91440" bIns="45720" rtlCol="0">
+            <a:normAutofit fontScale="55000" lnSpcReduction="20000"/>
+          </a:bodyPr>
+          <a:lstStyle>
+            <a:lvl1pPr marL="228600" indent="-228600" algn="l" defTabSz="914400" rtl="0" eaLnBrk="1" latinLnBrk="0" hangingPunct="1">
+              <a:lnSpc>
+                <a:spcPct val="120000"/>
+              </a:lnSpc>
+              <a:spcBef>
+                <a:spcPts val="1000"/>
+              </a:spcBef>
+              <a:buFont typeface="Arial" panose="020B0604020202020204" pitchFamily="34" charset="0"/>
+              <a:buChar char="•"/>
+              <a:defRPr sz="1800" kern="1200">
+                <a:solidFill>
+                  <a:schemeClr val="tx1"/>
+                </a:solidFill>
+                <a:latin typeface="+mn-lt"/>
+                <a:ea typeface="+mn-ea"/>
+                <a:cs typeface="+mn-cs"/>
+              </a:defRPr>
+            </a:lvl1pPr>
+            <a:lvl2pPr marL="548640" indent="-228600" algn="l" defTabSz="914400" rtl="0" eaLnBrk="1" latinLnBrk="0" hangingPunct="1">
+              <a:lnSpc>
+                <a:spcPct val="120000"/>
+              </a:lnSpc>
+              <a:spcBef>
+                <a:spcPts val="500"/>
+              </a:spcBef>
+              <a:buFont typeface="Neue Haas Grotesk Text Pro" panose="020B0504020202020204" pitchFamily="34" charset="0"/>
+              <a:buChar char="–"/>
+              <a:defRPr sz="1600" kern="1200">
+                <a:solidFill>
+                  <a:schemeClr val="tx1"/>
+                </a:solidFill>
+                <a:latin typeface="+mn-lt"/>
+                <a:ea typeface="+mn-ea"/>
+                <a:cs typeface="+mn-cs"/>
+              </a:defRPr>
+            </a:lvl2pPr>
+            <a:lvl3pPr marL="777240" indent="-228600" algn="l" defTabSz="914400" rtl="0" eaLnBrk="1" latinLnBrk="0" hangingPunct="1">
+              <a:lnSpc>
+                <a:spcPct val="120000"/>
+              </a:lnSpc>
+              <a:spcBef>
+                <a:spcPts val="500"/>
+              </a:spcBef>
+              <a:buFont typeface="Arial" panose="020B0604020202020204" pitchFamily="34" charset="0"/>
+              <a:buChar char="•"/>
+              <a:defRPr sz="1400" kern="1200">
+                <a:solidFill>
+                  <a:schemeClr val="tx1"/>
+                </a:solidFill>
+                <a:latin typeface="+mn-lt"/>
+                <a:ea typeface="+mn-ea"/>
+                <a:cs typeface="+mn-cs"/>
+              </a:defRPr>
+            </a:lvl3pPr>
+            <a:lvl4pPr marL="914400" indent="-228600" algn="l" defTabSz="914400" rtl="0" eaLnBrk="1" latinLnBrk="0" hangingPunct="1">
+              <a:lnSpc>
+                <a:spcPct val="120000"/>
+              </a:lnSpc>
+              <a:spcBef>
+                <a:spcPts val="500"/>
+              </a:spcBef>
+              <a:buFont typeface="Neue Haas Grotesk Text Pro" panose="020B0504020202020204" pitchFamily="34" charset="0"/>
+              <a:buChar char="–"/>
+              <a:defRPr sz="1200" kern="1200">
+                <a:solidFill>
+                  <a:schemeClr val="tx1"/>
+                </a:solidFill>
+                <a:latin typeface="+mn-lt"/>
+                <a:ea typeface="+mn-ea"/>
+                <a:cs typeface="+mn-cs"/>
+              </a:defRPr>
+            </a:lvl4pPr>
+            <a:lvl5pPr marL="1097280" indent="-228600" algn="l" defTabSz="914400" rtl="0" eaLnBrk="1" latinLnBrk="0" hangingPunct="1">
+              <a:lnSpc>
+                <a:spcPct val="120000"/>
+              </a:lnSpc>
+              <a:spcBef>
+                <a:spcPts val="500"/>
+              </a:spcBef>
+              <a:buFont typeface="Arial" panose="020B0604020202020204" pitchFamily="34" charset="0"/>
+              <a:buChar char="•"/>
+              <a:defRPr sz="1200" kern="1200">
+                <a:solidFill>
+                  <a:schemeClr val="tx1"/>
+                </a:solidFill>
+                <a:latin typeface="+mn-lt"/>
+                <a:ea typeface="+mn-ea"/>
+                <a:cs typeface="+mn-cs"/>
+              </a:defRPr>
+            </a:lvl5pPr>
+            <a:lvl6pPr marL="2514600" indent="-228600" algn="l" defTabSz="914400" rtl="0" eaLnBrk="1" latinLnBrk="0" hangingPunct="1">
+              <a:lnSpc>
+                <a:spcPct val="90000"/>
+              </a:lnSpc>
+              <a:spcBef>
+                <a:spcPts val="500"/>
+              </a:spcBef>
+              <a:buFont typeface="Arial" panose="020B0604020202020204" pitchFamily="34" charset="0"/>
+              <a:buChar char="•"/>
+              <a:defRPr sz="1800" kern="1200">
+                <a:solidFill>
+                  <a:schemeClr val="tx1"/>
+                </a:solidFill>
+                <a:latin typeface="+mn-lt"/>
+                <a:ea typeface="+mn-ea"/>
+                <a:cs typeface="+mn-cs"/>
+              </a:defRPr>
+            </a:lvl6pPr>
+            <a:lvl7pPr marL="2971800" indent="-228600" algn="l" defTabSz="914400" rtl="0" eaLnBrk="1" latinLnBrk="0" hangingPunct="1">
+              <a:lnSpc>
+                <a:spcPct val="90000"/>
+              </a:lnSpc>
+              <a:spcBef>
+                <a:spcPts val="500"/>
+              </a:spcBef>
+              <a:buFont typeface="Arial" panose="020B0604020202020204" pitchFamily="34" charset="0"/>
+              <a:buChar char="•"/>
+              <a:defRPr sz="1800" kern="1200">
+                <a:solidFill>
+                  <a:schemeClr val="tx1"/>
+                </a:solidFill>
+                <a:latin typeface="+mn-lt"/>
+                <a:ea typeface="+mn-ea"/>
+                <a:cs typeface="+mn-cs"/>
+              </a:defRPr>
+            </a:lvl7pPr>
+            <a:lvl8pPr marL="3429000" indent="-228600" algn="l" defTabSz="914400" rtl="0" eaLnBrk="1" latinLnBrk="0" hangingPunct="1">
+              <a:lnSpc>
+                <a:spcPct val="90000"/>
+              </a:lnSpc>
+              <a:spcBef>
+                <a:spcPts val="500"/>
+              </a:spcBef>
+              <a:buFont typeface="Arial" panose="020B0604020202020204" pitchFamily="34" charset="0"/>
+              <a:buChar char="•"/>
+              <a:defRPr sz="1800" kern="1200">
+                <a:solidFill>
+                  <a:schemeClr val="tx1"/>
+                </a:solidFill>
+                <a:latin typeface="+mn-lt"/>
+                <a:ea typeface="+mn-ea"/>
+                <a:cs typeface="+mn-cs"/>
+              </a:defRPr>
+            </a:lvl8pPr>
+            <a:lvl9pPr marL="3886200" indent="-228600" algn="l" defTabSz="914400" rtl="0" eaLnBrk="1" latinLnBrk="0" hangingPunct="1">
+              <a:lnSpc>
+                <a:spcPct val="90000"/>
+              </a:lnSpc>
+              <a:spcBef>
+                <a:spcPts val="500"/>
+              </a:spcBef>
+              <a:buFont typeface="Arial" panose="020B0604020202020204" pitchFamily="34" charset="0"/>
+              <a:buChar char="•"/>
+              <a:defRPr sz="1800" kern="1200">
+                <a:solidFill>
+                  <a:schemeClr val="tx1"/>
+                </a:solidFill>
+                <a:latin typeface="+mn-lt"/>
+                <a:ea typeface="+mn-ea"/>
+                <a:cs typeface="+mn-cs"/>
+              </a:defRPr>
+            </a:lvl9pPr>
+          </a:lstStyle>
+          <a:p>
+            <a:pPr marL="0" indent="0">
+              <a:buNone/>
+            </a:pPr>
+            <a:r>
+              <a:rPr lang="de-DE" sz="1400" dirty="0" err="1">
+                <a:solidFill>
+                  <a:srgbClr val="000000"/>
+                </a:solidFill>
+                <a:effectLst/>
+                <a:latin typeface="Menlo" panose="020B0609030804020204" pitchFamily="49" charset="0"/>
+              </a:rPr>
+              <a:t>Stats</a:t>
+            </a:r>
+            <a:r>
+              <a:rPr lang="de-DE" sz="1400" dirty="0">
+                <a:solidFill>
+                  <a:srgbClr val="000000"/>
+                </a:solidFill>
+                <a:effectLst/>
+                <a:latin typeface="Menlo" panose="020B0609030804020204" pitchFamily="49" charset="0"/>
+              </a:rPr>
+              <a:t>:</a:t>
+            </a:r>
+            <a:br>
+              <a:rPr lang="de-DE" sz="1400" dirty="0">
+                <a:solidFill>
+                  <a:srgbClr val="000000"/>
+                </a:solidFill>
+                <a:effectLst/>
+                <a:latin typeface="Menlo" panose="020B0609030804020204" pitchFamily="49" charset="0"/>
+              </a:rPr>
+            </a:br>
+            <a:r>
+              <a:rPr lang="de-DE" sz="1400" dirty="0">
+                <a:solidFill>
+                  <a:srgbClr val="000000"/>
+                </a:solidFill>
+                <a:effectLst/>
+                <a:latin typeface="Menlo" panose="020B0609030804020204" pitchFamily="49" charset="0"/>
+              </a:rPr>
+              <a:t>- </a:t>
+            </a:r>
+            <a:r>
+              <a:rPr lang="de-DE" sz="1400" dirty="0" err="1">
+                <a:solidFill>
+                  <a:srgbClr val="000000"/>
+                </a:solidFill>
+                <a:effectLst/>
+                <a:latin typeface="Menlo" panose="020B0609030804020204" pitchFamily="49" charset="0"/>
+              </a:rPr>
+              <a:t>Number</a:t>
+            </a:r>
+            <a:r>
+              <a:rPr lang="de-DE" sz="1400" dirty="0">
+                <a:solidFill>
+                  <a:srgbClr val="000000"/>
+                </a:solidFill>
+                <a:effectLst/>
+                <a:latin typeface="Menlo" panose="020B0609030804020204" pitchFamily="49" charset="0"/>
+              </a:rPr>
+              <a:t> Games</a:t>
+            </a:r>
+            <a:br>
+              <a:rPr lang="de-DE" sz="1400" dirty="0">
+                <a:solidFill>
+                  <a:srgbClr val="000000"/>
+                </a:solidFill>
+                <a:effectLst/>
+                <a:latin typeface="Menlo" panose="020B0609030804020204" pitchFamily="49" charset="0"/>
+              </a:rPr>
+            </a:br>
+            <a:r>
+              <a:rPr lang="de-DE" sz="1400" dirty="0">
+                <a:solidFill>
+                  <a:srgbClr val="000000"/>
+                </a:solidFill>
+                <a:effectLst/>
+                <a:latin typeface="Menlo" panose="020B0609030804020204" pitchFamily="49" charset="0"/>
+              </a:rPr>
+              <a:t>- Blitz, Rapid, Bullet</a:t>
+            </a:r>
+            <a:br>
+              <a:rPr lang="de-DE" sz="1400" dirty="0">
+                <a:solidFill>
+                  <a:srgbClr val="000000"/>
+                </a:solidFill>
+                <a:effectLst/>
+                <a:latin typeface="Menlo" panose="020B0609030804020204" pitchFamily="49" charset="0"/>
+              </a:rPr>
+            </a:br>
+            <a:r>
+              <a:rPr lang="de-DE" sz="1400" dirty="0">
+                <a:solidFill>
+                  <a:srgbClr val="000000"/>
+                </a:solidFill>
+                <a:effectLst/>
+                <a:latin typeface="Menlo" panose="020B0609030804020204" pitchFamily="49" charset="0"/>
+              </a:rPr>
+              <a:t>- ECO: </a:t>
+            </a:r>
+            <a:r>
+              <a:rPr lang="de-DE" sz="1400" dirty="0" err="1">
+                <a:solidFill>
+                  <a:srgbClr val="000000"/>
+                </a:solidFill>
+                <a:effectLst/>
+                <a:latin typeface="Menlo" panose="020B0609030804020204" pitchFamily="49" charset="0"/>
+              </a:rPr>
+              <a:t>Number</a:t>
+            </a:r>
+            <a:r>
+              <a:rPr lang="de-DE" sz="1400" dirty="0">
+                <a:solidFill>
+                  <a:srgbClr val="000000"/>
+                </a:solidFill>
+                <a:effectLst/>
+                <a:latin typeface="Menlo" panose="020B0609030804020204" pitchFamily="49" charset="0"/>
+              </a:rPr>
+              <a:t> </a:t>
+            </a:r>
+            <a:r>
+              <a:rPr lang="de-DE" sz="1400" dirty="0" err="1">
+                <a:solidFill>
+                  <a:srgbClr val="000000"/>
+                </a:solidFill>
+                <a:effectLst/>
+                <a:latin typeface="Menlo" panose="020B0609030804020204" pitchFamily="49" charset="0"/>
+              </a:rPr>
+              <a:t>of</a:t>
+            </a:r>
+            <a:r>
+              <a:rPr lang="de-DE" sz="1400" dirty="0">
+                <a:solidFill>
+                  <a:srgbClr val="000000"/>
+                </a:solidFill>
+                <a:effectLst/>
+                <a:latin typeface="Menlo" panose="020B0609030804020204" pitchFamily="49" charset="0"/>
+              </a:rPr>
+              <a:t> Games, </a:t>
+            </a:r>
+            <a:r>
+              <a:rPr lang="de-DE" sz="1400" dirty="0" err="1">
+                <a:solidFill>
+                  <a:srgbClr val="000000"/>
+                </a:solidFill>
+                <a:effectLst/>
+                <a:latin typeface="Menlo" panose="020B0609030804020204" pitchFamily="49" charset="0"/>
+              </a:rPr>
+              <a:t>Success</a:t>
+            </a:r>
+            <a:r>
+              <a:rPr lang="de-DE" sz="1400" dirty="0">
+                <a:solidFill>
+                  <a:srgbClr val="000000"/>
+                </a:solidFill>
+                <a:effectLst/>
+                <a:latin typeface="Menlo" panose="020B0609030804020204" pitchFamily="49" charset="0"/>
+              </a:rPr>
+              <a:t>, </a:t>
+            </a:r>
+            <a:r>
+              <a:rPr lang="de-DE" sz="1400" dirty="0" err="1">
+                <a:solidFill>
+                  <a:srgbClr val="000000"/>
+                </a:solidFill>
+                <a:effectLst/>
+                <a:latin typeface="Menlo" panose="020B0609030804020204" pitchFamily="49" charset="0"/>
+              </a:rPr>
+              <a:t>Gain</a:t>
+            </a:r>
+            <a:r>
+              <a:rPr lang="de-DE" sz="1400" dirty="0">
+                <a:solidFill>
+                  <a:srgbClr val="000000"/>
+                </a:solidFill>
+                <a:effectLst/>
+                <a:latin typeface="Menlo" panose="020B0609030804020204" pitchFamily="49" charset="0"/>
+              </a:rPr>
+              <a:t>/Loss</a:t>
+            </a:r>
+            <a:br>
+              <a:rPr lang="de-DE" sz="1400" dirty="0">
+                <a:solidFill>
+                  <a:srgbClr val="000000"/>
+                </a:solidFill>
+                <a:effectLst/>
+                <a:latin typeface="Menlo" panose="020B0609030804020204" pitchFamily="49" charset="0"/>
+              </a:rPr>
+            </a:br>
+            <a:r>
+              <a:rPr lang="de-DE" sz="1400" dirty="0">
+                <a:solidFill>
+                  <a:srgbClr val="000000"/>
+                </a:solidFill>
+                <a:effectLst/>
+                <a:latin typeface="Menlo" panose="020B0609030804020204" pitchFamily="49" charset="0"/>
+              </a:rPr>
+              <a:t>- Ratings, AVG, Max, Min, 90%, 10%, 2000, 2500</a:t>
+            </a:r>
+          </a:p>
+        </p:txBody>
+      </p:sp>
+      <p:sp>
+        <p:nvSpPr>
+          <p:cNvPr id="3" name="Mehrere Dokumente 2">
+            <a:extLst>
+              <a:ext uri="{FF2B5EF4-FFF2-40B4-BE49-F238E27FC236}">
+                <a16:creationId xmlns:a16="http://schemas.microsoft.com/office/drawing/2014/main" id="{EDB065F6-EFF3-EF9E-08F1-E92219DDAC32}"/>
+              </a:ext>
+            </a:extLst>
+          </p:cNvPr>
+          <p:cNvSpPr/>
+          <p:nvPr/>
+        </p:nvSpPr>
+        <p:spPr>
+          <a:xfrm>
+            <a:off x="8886884" y="4424282"/>
+            <a:ext cx="1408385" cy="822434"/>
+          </a:xfrm>
+          <a:prstGeom prst="flowChartMultidocument">
+            <a:avLst/>
+          </a:prstGeom>
+        </p:spPr>
+        <p:style>
+          <a:lnRef idx="2">
+            <a:schemeClr val="accent1">
+              <a:shade val="15000"/>
+            </a:schemeClr>
+          </a:lnRef>
+          <a:fillRef idx="1">
+            <a:schemeClr val="accent1"/>
+          </a:fillRef>
+          <a:effectRef idx="0">
+            <a:schemeClr val="accent1"/>
+          </a:effectRef>
+          <a:fontRef idx="minor">
+            <a:schemeClr val="lt1"/>
+          </a:fontRef>
+        </p:style>
+        <p:txBody>
+          <a:bodyPr rtlCol="0" anchor="ctr"/>
+          <a:lstStyle/>
+          <a:p>
+            <a:pPr algn="ctr"/>
+            <a:r>
+              <a:rPr lang="de-DE" dirty="0" err="1"/>
+              <a:t>Concat</a:t>
+            </a:r>
+            <a:endParaRPr lang="de-DE" dirty="0"/>
+          </a:p>
+        </p:txBody>
+      </p:sp>
+      <p:sp>
+        <p:nvSpPr>
+          <p:cNvPr id="5" name="Textfeld 4">
+            <a:extLst>
+              <a:ext uri="{FF2B5EF4-FFF2-40B4-BE49-F238E27FC236}">
+                <a16:creationId xmlns:a16="http://schemas.microsoft.com/office/drawing/2014/main" id="{03DC1320-9FD5-F3A8-47B4-AA6E14BD2F42}"/>
+              </a:ext>
+            </a:extLst>
+          </p:cNvPr>
+          <p:cNvSpPr txBox="1"/>
+          <p:nvPr/>
+        </p:nvSpPr>
+        <p:spPr>
+          <a:xfrm>
+            <a:off x="9011791" y="2954721"/>
+            <a:ext cx="2695742" cy="1200329"/>
+          </a:xfrm>
+          <a:prstGeom prst="rect">
+            <a:avLst/>
+          </a:prstGeom>
+          <a:noFill/>
+        </p:spPr>
+        <p:txBody>
+          <a:bodyPr wrap="square">
+            <a:spAutoFit/>
+          </a:bodyPr>
+          <a:lstStyle/>
+          <a:p>
+            <a:r>
+              <a:rPr lang="de-DE" dirty="0" err="1">
+                <a:effectLst/>
+                <a:latin typeface="Menlo" panose="020B0609030804020204" pitchFamily="49" charset="0"/>
+              </a:rPr>
+              <a:t>volumes</a:t>
+            </a:r>
+            <a:r>
+              <a:rPr lang="de-DE" dirty="0">
+                <a:effectLst/>
+                <a:latin typeface="Menlo" panose="020B0609030804020204" pitchFamily="49" charset="0"/>
+              </a:rPr>
+              <a:t>/BIGWD8/</a:t>
+            </a:r>
+            <a:r>
+              <a:rPr lang="de-DE" dirty="0" err="1">
+                <a:effectLst/>
+                <a:latin typeface="Menlo" panose="020B0609030804020204" pitchFamily="49" charset="0"/>
+              </a:rPr>
+              <a:t>Datalake</a:t>
+            </a:r>
+            <a:r>
+              <a:rPr lang="de-DE" dirty="0">
+                <a:effectLst/>
+                <a:latin typeface="Menlo" panose="020B0609030804020204" pitchFamily="49" charset="0"/>
+              </a:rPr>
+              <a:t>/chess/</a:t>
+            </a:r>
+            <a:r>
+              <a:rPr lang="de-DE" dirty="0" err="1">
+                <a:effectLst/>
+                <a:latin typeface="Menlo" panose="020B0609030804020204" pitchFamily="49" charset="0"/>
+              </a:rPr>
+              <a:t>lichess_downloads</a:t>
+            </a:r>
+            <a:r>
+              <a:rPr lang="de-DE" dirty="0">
+                <a:effectLst/>
+                <a:latin typeface="Menlo" panose="020B0609030804020204" pitchFamily="49" charset="0"/>
+              </a:rPr>
+              <a:t>/</a:t>
+            </a:r>
+            <a:r>
+              <a:rPr lang="de-DE" dirty="0" err="1">
+                <a:effectLst/>
+                <a:latin typeface="Menlo" panose="020B0609030804020204" pitchFamily="49" charset="0"/>
+              </a:rPr>
+              <a:t>concat</a:t>
+            </a:r>
+            <a:r>
+              <a:rPr lang="de-DE" dirty="0">
+                <a:effectLst/>
+                <a:latin typeface="Menlo" panose="020B0609030804020204" pitchFamily="49" charset="0"/>
+              </a:rPr>
+              <a:t>/</a:t>
+            </a:r>
+            <a:r>
+              <a:rPr lang="de-DE" dirty="0" err="1">
+                <a:effectLst/>
+                <a:latin typeface="Menlo" panose="020B0609030804020204" pitchFamily="49" charset="0"/>
+              </a:rPr>
+              <a:t>eco</a:t>
+            </a:r>
+            <a:endParaRPr lang="de-DE" dirty="0">
+              <a:effectLst/>
+              <a:latin typeface="Menlo" panose="020B0609030804020204" pitchFamily="49" charset="0"/>
+            </a:endParaRPr>
+          </a:p>
+        </p:txBody>
+      </p:sp>
+      <p:sp>
+        <p:nvSpPr>
+          <p:cNvPr id="11" name="Textfeld 10">
+            <a:extLst>
+              <a:ext uri="{FF2B5EF4-FFF2-40B4-BE49-F238E27FC236}">
+                <a16:creationId xmlns:a16="http://schemas.microsoft.com/office/drawing/2014/main" id="{C0D9E0EF-B970-DC43-0384-5D3812735993}"/>
+              </a:ext>
+            </a:extLst>
+          </p:cNvPr>
+          <p:cNvSpPr txBox="1"/>
+          <p:nvPr/>
+        </p:nvSpPr>
+        <p:spPr>
+          <a:xfrm>
+            <a:off x="6170269" y="5166196"/>
+            <a:ext cx="2368289" cy="1384995"/>
+          </a:xfrm>
+          <a:prstGeom prst="rect">
+            <a:avLst/>
+          </a:prstGeom>
+          <a:noFill/>
+        </p:spPr>
+        <p:txBody>
+          <a:bodyPr wrap="square">
+            <a:spAutoFit/>
+          </a:bodyPr>
+          <a:lstStyle/>
+          <a:p>
+            <a:pPr marL="0" indent="0">
+              <a:buNone/>
+            </a:pPr>
+            <a:r>
+              <a:rPr lang="de-DE" sz="1400" dirty="0" err="1"/>
+              <a:t>Eval</a:t>
+            </a:r>
+            <a:r>
+              <a:rPr lang="de-DE" sz="1400" dirty="0"/>
+              <a:t> Folder (</a:t>
+            </a:r>
+            <a:r>
+              <a:rPr lang="de-DE" sz="1400" dirty="0">
+                <a:solidFill>
+                  <a:srgbClr val="000000"/>
+                </a:solidFill>
+                <a:effectLst/>
+                <a:latin typeface="Menlo" panose="020B0609030804020204" pitchFamily="49" charset="0"/>
+              </a:rPr>
+              <a:t>/</a:t>
+            </a:r>
+            <a:r>
+              <a:rPr lang="de-DE" sz="1400" dirty="0" err="1">
+                <a:solidFill>
+                  <a:srgbClr val="000000"/>
+                </a:solidFill>
+                <a:effectLst/>
+                <a:latin typeface="Menlo" panose="020B0609030804020204" pitchFamily="49" charset="0"/>
+              </a:rPr>
+              <a:t>Volumes</a:t>
+            </a:r>
+            <a:r>
+              <a:rPr lang="de-DE" sz="1400" dirty="0">
+                <a:solidFill>
+                  <a:srgbClr val="000000"/>
+                </a:solidFill>
+                <a:effectLst/>
+                <a:latin typeface="Menlo" panose="020B0609030804020204" pitchFamily="49" charset="0"/>
+              </a:rPr>
+              <a:t>/BIGWD8/</a:t>
+            </a:r>
+            <a:r>
+              <a:rPr lang="de-DE" sz="1400" dirty="0" err="1">
+                <a:solidFill>
+                  <a:srgbClr val="000000"/>
+                </a:solidFill>
+                <a:effectLst/>
+                <a:latin typeface="Menlo" panose="020B0609030804020204" pitchFamily="49" charset="0"/>
+              </a:rPr>
+              <a:t>Datalake</a:t>
+            </a:r>
+            <a:r>
+              <a:rPr lang="de-DE" sz="1400" dirty="0">
+                <a:solidFill>
+                  <a:srgbClr val="000000"/>
+                </a:solidFill>
+                <a:effectLst/>
+                <a:latin typeface="Menlo" panose="020B0609030804020204" pitchFamily="49" charset="0"/>
+              </a:rPr>
+              <a:t>/chess/</a:t>
+            </a:r>
+            <a:r>
+              <a:rPr lang="de-DE" sz="1400" dirty="0" err="1">
+                <a:solidFill>
+                  <a:srgbClr val="000000"/>
+                </a:solidFill>
+                <a:effectLst/>
+                <a:latin typeface="Menlo" panose="020B0609030804020204" pitchFamily="49" charset="0"/>
+              </a:rPr>
+              <a:t>lichess_downloads</a:t>
+            </a:r>
+            <a:r>
+              <a:rPr lang="de-DE" sz="1400" dirty="0">
+                <a:solidFill>
+                  <a:srgbClr val="000000"/>
+                </a:solidFill>
+                <a:effectLst/>
+                <a:latin typeface="Menlo" panose="020B0609030804020204" pitchFamily="49" charset="0"/>
+              </a:rPr>
+              <a:t>/</a:t>
+            </a:r>
+            <a:r>
+              <a:rPr lang="de-DE" sz="1400" dirty="0" err="1">
+                <a:solidFill>
+                  <a:srgbClr val="000000"/>
+                </a:solidFill>
+                <a:effectLst/>
+                <a:latin typeface="Menlo" panose="020B0609030804020204" pitchFamily="49" charset="0"/>
+              </a:rPr>
+              <a:t>eco</a:t>
+            </a:r>
+            <a:r>
+              <a:rPr lang="de-DE" sz="1400" dirty="0" err="1">
+                <a:solidFill>
+                  <a:srgbClr val="000000"/>
+                </a:solidFill>
+                <a:latin typeface="Menlo" panose="020B0609030804020204" pitchFamily="49" charset="0"/>
+              </a:rPr>
+              <a:t>_commented</a:t>
+            </a:r>
+            <a:r>
+              <a:rPr lang="de-DE" sz="1400" dirty="0"/>
+              <a:t>) (</a:t>
+            </a:r>
+            <a:r>
+              <a:rPr lang="de-DE" sz="1400" dirty="0" err="1"/>
+              <a:t>One</a:t>
+            </a:r>
+            <a:r>
+              <a:rPr lang="de-DE" sz="1400" dirty="0"/>
+              <a:t> File per Code and </a:t>
+            </a:r>
+            <a:r>
+              <a:rPr lang="de-DE" sz="1400" dirty="0" err="1"/>
+              <a:t>Month</a:t>
+            </a:r>
+            <a:r>
+              <a:rPr lang="de-DE" sz="1400" dirty="0"/>
+              <a:t>)</a:t>
+            </a:r>
+          </a:p>
+        </p:txBody>
+      </p:sp>
+      <p:sp>
+        <p:nvSpPr>
+          <p:cNvPr id="16" name="Textfeld 15">
+            <a:extLst>
+              <a:ext uri="{FF2B5EF4-FFF2-40B4-BE49-F238E27FC236}">
+                <a16:creationId xmlns:a16="http://schemas.microsoft.com/office/drawing/2014/main" id="{75846398-41D4-1F78-9B22-5E276649BD9E}"/>
+              </a:ext>
+            </a:extLst>
+          </p:cNvPr>
+          <p:cNvSpPr txBox="1"/>
+          <p:nvPr/>
+        </p:nvSpPr>
+        <p:spPr>
+          <a:xfrm>
+            <a:off x="10351789" y="4070431"/>
+            <a:ext cx="1840211" cy="1200329"/>
+          </a:xfrm>
+          <a:prstGeom prst="rect">
+            <a:avLst/>
+          </a:prstGeom>
+          <a:noFill/>
+        </p:spPr>
+        <p:txBody>
+          <a:bodyPr wrap="square">
+            <a:spAutoFit/>
+          </a:bodyPr>
+          <a:lstStyle/>
+          <a:p>
+            <a:r>
+              <a:rPr lang="de-DE" sz="1200" dirty="0">
+                <a:solidFill>
+                  <a:srgbClr val="000000"/>
+                </a:solidFill>
+                <a:effectLst/>
+                <a:latin typeface="Menlo" panose="020B0609030804020204" pitchFamily="49" charset="0"/>
+              </a:rPr>
+              <a:t>/Users/</a:t>
+            </a:r>
+            <a:r>
+              <a:rPr lang="de-DE" sz="1200" dirty="0" err="1">
+                <a:solidFill>
+                  <a:srgbClr val="000000"/>
+                </a:solidFill>
+                <a:effectLst/>
+                <a:latin typeface="Menlo" panose="020B0609030804020204" pitchFamily="49" charset="0"/>
+              </a:rPr>
+              <a:t>littlecapa</a:t>
+            </a:r>
+            <a:r>
+              <a:rPr lang="de-DE" sz="1200" dirty="0">
+                <a:solidFill>
+                  <a:srgbClr val="000000"/>
+                </a:solidFill>
+                <a:effectLst/>
+                <a:latin typeface="Menlo" panose="020B0609030804020204" pitchFamily="49" charset="0"/>
+              </a:rPr>
+              <a:t>/GIT/</a:t>
+            </a:r>
+            <a:r>
+              <a:rPr lang="de-DE" sz="1200" dirty="0" err="1">
+                <a:solidFill>
+                  <a:srgbClr val="000000"/>
+                </a:solidFill>
+                <a:effectLst/>
+                <a:latin typeface="Menlo" panose="020B0609030804020204" pitchFamily="49" charset="0"/>
+              </a:rPr>
+              <a:t>django</a:t>
+            </a:r>
+            <a:r>
+              <a:rPr lang="de-DE" sz="1200" dirty="0">
+                <a:solidFill>
+                  <a:srgbClr val="000000"/>
+                </a:solidFill>
+                <a:effectLst/>
+                <a:latin typeface="Menlo" panose="020B0609030804020204" pitchFamily="49" charset="0"/>
+              </a:rPr>
+              <a:t>/</a:t>
+            </a:r>
+            <a:r>
+              <a:rPr lang="de-DE" sz="1200" dirty="0" err="1">
+                <a:solidFill>
+                  <a:srgbClr val="000000"/>
+                </a:solidFill>
+                <a:effectLst/>
+                <a:latin typeface="Menlo" panose="020B0609030804020204" pitchFamily="49" charset="0"/>
+              </a:rPr>
+              <a:t>dj_big_data_chess</a:t>
+            </a:r>
+            <a:r>
+              <a:rPr lang="de-DE" sz="1200" dirty="0">
+                <a:solidFill>
+                  <a:srgbClr val="000000"/>
+                </a:solidFill>
+                <a:effectLst/>
+                <a:latin typeface="Menlo" panose="020B0609030804020204" pitchFamily="49" charset="0"/>
+              </a:rPr>
+              <a:t>/</a:t>
+            </a:r>
+            <a:r>
+              <a:rPr lang="de-DE" sz="1200" dirty="0" err="1">
+                <a:solidFill>
+                  <a:srgbClr val="000000"/>
+                </a:solidFill>
+                <a:effectLst/>
+                <a:latin typeface="Menlo" panose="020B0609030804020204" pitchFamily="49" charset="0"/>
+              </a:rPr>
+              <a:t>big_data_chess</a:t>
+            </a:r>
+            <a:r>
+              <a:rPr lang="de-DE" sz="1200" dirty="0">
+                <a:solidFill>
+                  <a:srgbClr val="000000"/>
+                </a:solidFill>
+                <a:effectLst/>
+                <a:latin typeface="Menlo" panose="020B0609030804020204" pitchFamily="49" charset="0"/>
+              </a:rPr>
+              <a:t>/</a:t>
+            </a:r>
+            <a:r>
+              <a:rPr lang="de-DE" sz="1200" dirty="0" err="1">
+                <a:solidFill>
+                  <a:srgbClr val="000000"/>
+                </a:solidFill>
+                <a:effectLst/>
+                <a:latin typeface="Menlo" panose="020B0609030804020204" pitchFamily="49" charset="0"/>
+              </a:rPr>
+              <a:t>tests</a:t>
+            </a:r>
+            <a:r>
+              <a:rPr lang="de-DE" sz="1200" dirty="0">
+                <a:solidFill>
+                  <a:srgbClr val="000000"/>
+                </a:solidFill>
+                <a:effectLst/>
+                <a:latin typeface="Menlo" panose="020B0609030804020204" pitchFamily="49" charset="0"/>
+              </a:rPr>
+              <a:t>/</a:t>
+            </a:r>
+            <a:r>
+              <a:rPr lang="de-DE" sz="1200" dirty="0" err="1">
+                <a:solidFill>
+                  <a:srgbClr val="000000"/>
+                </a:solidFill>
+                <a:effectLst/>
+                <a:latin typeface="Menlo" panose="020B0609030804020204" pitchFamily="49" charset="0"/>
+              </a:rPr>
+              <a:t>playground</a:t>
+            </a:r>
+            <a:r>
+              <a:rPr lang="de-DE" sz="1200" dirty="0">
+                <a:solidFill>
+                  <a:srgbClr val="000000"/>
+                </a:solidFill>
+                <a:effectLst/>
+                <a:latin typeface="Menlo" panose="020B0609030804020204" pitchFamily="49" charset="0"/>
+              </a:rPr>
+              <a:t>/</a:t>
+            </a:r>
+            <a:r>
+              <a:rPr lang="de-DE" sz="1200" dirty="0" err="1">
+                <a:solidFill>
+                  <a:srgbClr val="000000"/>
+                </a:solidFill>
+                <a:effectLst/>
+                <a:latin typeface="Menlo" panose="020B0609030804020204" pitchFamily="49" charset="0"/>
+              </a:rPr>
+              <a:t>concat_pgn.sh</a:t>
+            </a:r>
+            <a:r>
+              <a:rPr lang="de-DE" sz="1200" dirty="0">
+                <a:solidFill>
+                  <a:srgbClr val="000000"/>
+                </a:solidFill>
+                <a:effectLst/>
+                <a:latin typeface="Menlo" panose="020B0609030804020204" pitchFamily="49" charset="0"/>
+              </a:rPr>
+              <a:t> </a:t>
+            </a:r>
+          </a:p>
+        </p:txBody>
+      </p:sp>
+      <p:sp>
+        <p:nvSpPr>
+          <p:cNvPr id="6" name="Textfeld 5">
+            <a:extLst>
+              <a:ext uri="{FF2B5EF4-FFF2-40B4-BE49-F238E27FC236}">
+                <a16:creationId xmlns:a16="http://schemas.microsoft.com/office/drawing/2014/main" id="{CC728CB1-40F0-D11C-2D36-CDD4D80E7D07}"/>
+              </a:ext>
+            </a:extLst>
+          </p:cNvPr>
+          <p:cNvSpPr txBox="1"/>
+          <p:nvPr/>
+        </p:nvSpPr>
+        <p:spPr>
+          <a:xfrm>
+            <a:off x="342190" y="902478"/>
+            <a:ext cx="6174826" cy="307777"/>
+          </a:xfrm>
+          <a:prstGeom prst="rect">
+            <a:avLst/>
+          </a:prstGeom>
+          <a:noFill/>
+        </p:spPr>
+        <p:txBody>
+          <a:bodyPr wrap="square">
+            <a:spAutoFit/>
+          </a:bodyPr>
+          <a:lstStyle/>
+          <a:p>
+            <a:r>
+              <a:rPr lang="de-DE" sz="1400" dirty="0">
+                <a:solidFill>
+                  <a:srgbClr val="000000"/>
+                </a:solidFill>
+                <a:latin typeface="Menlo" panose="020B0609030804020204" pitchFamily="49" charset="0"/>
+              </a:rPr>
+              <a:t>…</a:t>
+            </a:r>
+            <a:r>
+              <a:rPr lang="de-DE" sz="1400" dirty="0">
+                <a:solidFill>
+                  <a:srgbClr val="000000"/>
+                </a:solidFill>
+                <a:effectLst/>
+                <a:latin typeface="Menlo" panose="020B0609030804020204" pitchFamily="49" charset="0"/>
+              </a:rPr>
+              <a:t>/</a:t>
+            </a:r>
+            <a:r>
+              <a:rPr lang="de-DE" sz="1400" dirty="0" err="1">
+                <a:solidFill>
+                  <a:srgbClr val="000000"/>
+                </a:solidFill>
+                <a:effectLst/>
+                <a:latin typeface="Menlo" panose="020B0609030804020204" pitchFamily="49" charset="0"/>
+              </a:rPr>
+              <a:t>playground</a:t>
+            </a:r>
+            <a:r>
+              <a:rPr lang="de-DE" sz="1400" dirty="0">
+                <a:solidFill>
+                  <a:srgbClr val="000000"/>
+                </a:solidFill>
+                <a:effectLst/>
+                <a:latin typeface="Menlo" panose="020B0609030804020204" pitchFamily="49" charset="0"/>
+              </a:rPr>
+              <a:t>/</a:t>
+            </a:r>
+            <a:r>
+              <a:rPr lang="de-DE" sz="1400" dirty="0" err="1">
+                <a:solidFill>
+                  <a:srgbClr val="000000"/>
+                </a:solidFill>
+                <a:effectLst/>
+                <a:latin typeface="Menlo" panose="020B0609030804020204" pitchFamily="49" charset="0"/>
+              </a:rPr>
+              <a:t>pgn_split.py</a:t>
+            </a:r>
+            <a:endParaRPr lang="de-DE" sz="1400" dirty="0">
+              <a:solidFill>
+                <a:srgbClr val="000000"/>
+              </a:solidFill>
+              <a:effectLst/>
+              <a:latin typeface="Menlo" panose="020B0609030804020204" pitchFamily="49" charset="0"/>
+            </a:endParaRPr>
+          </a:p>
+        </p:txBody>
+      </p:sp>
+    </p:spTree>
+    <p:extLst>
+      <p:ext uri="{BB962C8B-B14F-4D97-AF65-F5344CB8AC3E}">
+        <p14:creationId xmlns:p14="http://schemas.microsoft.com/office/powerpoint/2010/main" val="2802462747"/>
+      </p:ext>
+    </p:extLst>
+  </p:cSld>
+  <p:clrMapOvr>
+    <a:masterClrMapping/>
+  </p:clrMapOvr>
+</p:sld>
+</file>
+
+<file path=ppt/slides/slide6.xml><?xml version="1.0" encoding="utf-8"?>
 <p:sld xmlns:a="http://schemas.openxmlformats.org/drawingml/2006/main" xmlns:r="http://schemas.openxmlformats.org/officeDocument/2006/relationships" xmlns:p="http://schemas.openxmlformats.org/presentationml/2006/main">
   <p:cSld>
     <p:spTree>
@@ -9879,7 +14971,7 @@
 </p:sld>
 </file>
 
-<file path=ppt/slides/slide5.xml><?xml version="1.0" encoding="utf-8"?>
+<file path=ppt/slides/slide7.xml><?xml version="1.0" encoding="utf-8"?>
 <p:sld xmlns:a="http://schemas.openxmlformats.org/drawingml/2006/main" xmlns:r="http://schemas.openxmlformats.org/officeDocument/2006/relationships" xmlns:p="http://schemas.openxmlformats.org/presentationml/2006/main">
   <p:cSld>
     <p:spTree>
@@ -10288,7 +15380,7 @@
 </p:sld>
 </file>
 
-<file path=ppt/slides/slide6.xml><?xml version="1.0" encoding="utf-8"?>
+<file path=ppt/slides/slide8.xml><?xml version="1.0" encoding="utf-8"?>
 <p:sld xmlns:a="http://schemas.openxmlformats.org/drawingml/2006/main" xmlns:r="http://schemas.openxmlformats.org/officeDocument/2006/relationships" xmlns:p="http://schemas.openxmlformats.org/presentationml/2006/main">
   <p:cSld>
     <p:spTree>
@@ -10360,7 +15452,7 @@
 </p:sld>
 </file>
 
-<file path=ppt/slides/slide7.xml><?xml version="1.0" encoding="utf-8"?>
+<file path=ppt/slides/slide9.xml><?xml version="1.0" encoding="utf-8"?>
 <p:sld xmlns:a="http://schemas.openxmlformats.org/drawingml/2006/main" xmlns:r="http://schemas.openxmlformats.org/officeDocument/2006/relationships" xmlns:p="http://schemas.openxmlformats.org/presentationml/2006/main">
   <p:cSld>
     <p:spTree>
